--- a/Face Recognition.pptx
+++ b/Face Recognition.pptx
@@ -5,7 +5,7 @@
     <p:sldMasterId id="2147483648" r:id="rId1"/>
   </p:sldMasterIdLst>
   <p:notesMasterIdLst>
-    <p:notesMasterId r:id="rId26"/>
+    <p:notesMasterId r:id="rId38"/>
   </p:notesMasterIdLst>
   <p:sldIdLst>
     <p:sldId id="256" r:id="rId2"/>
@@ -23,15 +23,27 @@
     <p:sldId id="277" r:id="rId14"/>
     <p:sldId id="269" r:id="rId15"/>
     <p:sldId id="267" r:id="rId16"/>
-    <p:sldId id="265" r:id="rId17"/>
-    <p:sldId id="278" r:id="rId18"/>
-    <p:sldId id="279" r:id="rId19"/>
-    <p:sldId id="270" r:id="rId20"/>
-    <p:sldId id="271" r:id="rId21"/>
-    <p:sldId id="272" r:id="rId22"/>
-    <p:sldId id="273" r:id="rId23"/>
-    <p:sldId id="274" r:id="rId24"/>
-    <p:sldId id="275" r:id="rId25"/>
+    <p:sldId id="280" r:id="rId17"/>
+    <p:sldId id="281" r:id="rId18"/>
+    <p:sldId id="283" r:id="rId19"/>
+    <p:sldId id="284" r:id="rId20"/>
+    <p:sldId id="286" r:id="rId21"/>
+    <p:sldId id="285" r:id="rId22"/>
+    <p:sldId id="287" r:id="rId23"/>
+    <p:sldId id="290" r:id="rId24"/>
+    <p:sldId id="291" r:id="rId25"/>
+    <p:sldId id="288" r:id="rId26"/>
+    <p:sldId id="289" r:id="rId27"/>
+    <p:sldId id="265" r:id="rId28"/>
+    <p:sldId id="278" r:id="rId29"/>
+    <p:sldId id="279" r:id="rId30"/>
+    <p:sldId id="270" r:id="rId31"/>
+    <p:sldId id="271" r:id="rId32"/>
+    <p:sldId id="272" r:id="rId33"/>
+    <p:sldId id="273" r:id="rId34"/>
+    <p:sldId id="292" r:id="rId35"/>
+    <p:sldId id="275" r:id="rId36"/>
+    <p:sldId id="274" r:id="rId37"/>
   </p:sldIdLst>
   <p:sldSz cx="12192000" cy="6858000"/>
   <p:notesSz cx="6858000" cy="9144000"/>
@@ -130,6 +142,11 @@
       </a:defRPr>
     </a:lvl9pPr>
   </p:defaultTextStyle>
+  <p:extLst>
+    <p:ext uri="{EFAFB233-063F-42B5-8137-9DF3F51BA10A}">
+      <p15:sldGuideLst xmlns:p15="http://schemas.microsoft.com/office/powerpoint/2012/main"/>
+    </p:ext>
+  </p:extLst>
 </p:presentation>
 </file>
 
@@ -215,7 +232,7 @@
           <a:p>
             <a:fld id="{C76D3CC8-22B5-4C3A-97DA-CB3616AF7A62}" type="datetimeFigureOut">
               <a:rPr lang="en-US" smtClean="0"/>
-              <a:t>1/18/2020</a:t>
+              <a:t>3/15/2020</a:t>
             </a:fld>
             <a:endParaRPr lang="en-US" dirty="0"/>
           </a:p>
@@ -833,175 +850,29 @@
           <a:lstStyle/>
           <a:p>
             <a:r>
-              <a:rPr lang="en-US" dirty="0"/>
-              <a:t>[3] </a:t>
-            </a:r>
-            <a:r>
-              <a:rPr lang="en-US" sz="1200" b="1" i="0" kern="1200" dirty="0" err="1">
-                <a:solidFill>
-                  <a:schemeClr val="tx1"/>
-                </a:solidFill>
-                <a:effectLst/>
-                <a:latin typeface="+mn-lt"/>
-                <a:ea typeface="+mn-ea"/>
-                <a:cs typeface="+mn-cs"/>
-              </a:rPr>
-              <a:t>FaceNet</a:t>
-            </a:r>
-            <a:r>
-              <a:rPr lang="en-US" sz="1200" b="1" i="0" kern="1200" dirty="0">
-                <a:solidFill>
-                  <a:schemeClr val="tx1"/>
-                </a:solidFill>
-                <a:effectLst/>
-                <a:latin typeface="+mn-lt"/>
-                <a:ea typeface="+mn-ea"/>
-                <a:cs typeface="+mn-cs"/>
-              </a:rPr>
-              <a:t>: A Unified Embedding for Face Recognition and Clustering</a:t>
-            </a:r>
-          </a:p>
-          <a:p>
-            <a:r>
-              <a:rPr lang="en-US" sz="1200" b="0" i="0" u="none" strike="noStrike" kern="1200" dirty="0">
-                <a:solidFill>
-                  <a:schemeClr val="tx1"/>
-                </a:solidFill>
-                <a:effectLst/>
-                <a:latin typeface="+mn-lt"/>
-                <a:ea typeface="+mn-ea"/>
-                <a:cs typeface="+mn-cs"/>
-                <a:hlinkClick r:id="rId3"/>
-              </a:rPr>
-              <a:t>Florian </a:t>
-            </a:r>
-            <a:r>
-              <a:rPr lang="en-US" sz="1200" b="0" i="0" u="none" strike="noStrike" kern="1200" dirty="0" err="1">
-                <a:solidFill>
-                  <a:schemeClr val="tx1"/>
-                </a:solidFill>
-                <a:effectLst/>
-                <a:latin typeface="+mn-lt"/>
-                <a:ea typeface="+mn-ea"/>
-                <a:cs typeface="+mn-cs"/>
-                <a:hlinkClick r:id="rId3"/>
-              </a:rPr>
-              <a:t>Schroff</a:t>
-            </a:r>
-            <a:r>
-              <a:rPr lang="en-US" sz="1200" b="0" i="0" kern="1200" dirty="0">
-                <a:solidFill>
-                  <a:schemeClr val="tx1"/>
-                </a:solidFill>
-                <a:effectLst/>
-                <a:latin typeface="+mn-lt"/>
-                <a:ea typeface="+mn-ea"/>
-                <a:cs typeface="+mn-cs"/>
-              </a:rPr>
-              <a:t>, </a:t>
-            </a:r>
-            <a:r>
-              <a:rPr lang="en-US" sz="1200" b="0" i="0" u="none" strike="noStrike" kern="1200" dirty="0">
-                <a:solidFill>
-                  <a:schemeClr val="tx1"/>
-                </a:solidFill>
-                <a:effectLst/>
-                <a:latin typeface="+mn-lt"/>
-                <a:ea typeface="+mn-ea"/>
-                <a:cs typeface="+mn-cs"/>
-                <a:hlinkClick r:id="rId4"/>
-              </a:rPr>
-              <a:t>Dmitry </a:t>
-            </a:r>
-            <a:r>
-              <a:rPr lang="en-US" sz="1200" b="0" i="0" u="none" strike="noStrike" kern="1200" dirty="0" err="1">
-                <a:solidFill>
-                  <a:schemeClr val="tx1"/>
-                </a:solidFill>
-                <a:effectLst/>
-                <a:latin typeface="+mn-lt"/>
-                <a:ea typeface="+mn-ea"/>
-                <a:cs typeface="+mn-cs"/>
-                <a:hlinkClick r:id="rId4"/>
-              </a:rPr>
-              <a:t>Kalenichenko</a:t>
-            </a:r>
-            <a:r>
-              <a:rPr lang="en-US" sz="1200" b="0" i="0" kern="1200" dirty="0">
-                <a:solidFill>
-                  <a:schemeClr val="tx1"/>
-                </a:solidFill>
-                <a:effectLst/>
-                <a:latin typeface="+mn-lt"/>
-                <a:ea typeface="+mn-ea"/>
-                <a:cs typeface="+mn-cs"/>
-              </a:rPr>
-              <a:t>, </a:t>
-            </a:r>
-            <a:r>
-              <a:rPr lang="en-US" sz="1200" b="0" i="0" u="none" strike="noStrike" kern="1200" dirty="0">
-                <a:solidFill>
-                  <a:schemeClr val="tx1"/>
-                </a:solidFill>
-                <a:effectLst/>
-                <a:latin typeface="+mn-lt"/>
-                <a:ea typeface="+mn-ea"/>
-                <a:cs typeface="+mn-cs"/>
-                <a:hlinkClick r:id="rId5"/>
-              </a:rPr>
-              <a:t>James Philbin</a:t>
-            </a:r>
-            <a:endParaRPr lang="en-US" sz="1200" b="0" i="0" kern="1200" dirty="0">
-              <a:solidFill>
-                <a:schemeClr val="tx1"/>
-              </a:solidFill>
-              <a:effectLst/>
-              <a:latin typeface="+mn-lt"/>
-              <a:ea typeface="+mn-ea"/>
-              <a:cs typeface="+mn-cs"/>
-            </a:endParaRPr>
-          </a:p>
-          <a:p>
-            <a:r>
-              <a:rPr lang="en-US" sz="1200" b="0" i="1" kern="1200" dirty="0">
-                <a:solidFill>
-                  <a:schemeClr val="tx1"/>
-                </a:solidFill>
-                <a:effectLst/>
-                <a:latin typeface="+mn-lt"/>
-                <a:ea typeface="+mn-ea"/>
-                <a:cs typeface="+mn-cs"/>
-              </a:rPr>
-              <a:t>(Submitted on 12 Mar 2015 (</a:t>
-            </a:r>
-            <a:r>
-              <a:rPr lang="en-US" sz="1200" b="0" i="1" u="none" strike="noStrike" kern="1200" dirty="0">
-                <a:solidFill>
-                  <a:schemeClr val="tx1"/>
-                </a:solidFill>
-                <a:effectLst/>
-                <a:latin typeface="+mn-lt"/>
-                <a:ea typeface="+mn-ea"/>
-                <a:cs typeface="+mn-cs"/>
-                <a:hlinkClick r:id="rId6"/>
-              </a:rPr>
-              <a:t>v1</a:t>
-            </a:r>
-            <a:r>
-              <a:rPr lang="en-US" sz="1200" b="0" i="1" kern="1200" dirty="0">
-                <a:solidFill>
-                  <a:schemeClr val="tx1"/>
-                </a:solidFill>
-                <a:effectLst/>
-                <a:latin typeface="+mn-lt"/>
-                <a:ea typeface="+mn-ea"/>
-                <a:cs typeface="+mn-cs"/>
-              </a:rPr>
-              <a:t>), last revised 17 Jun 2015 (this version, v3))</a:t>
-            </a:r>
-          </a:p>
-          <a:p>
-            <a:endParaRPr lang="en-US" dirty="0"/>
+              <a:rPr lang="en-MY" dirty="0"/>
+              <a:t>[3] Theory: https://medium.com/@ageitgey/machine-learning-is-fun-part-4-modern-face-recognition-with-deep-learning-c3cffc121d78</a:t>
+            </a:r>
+          </a:p>
+          <a:p>
+            <a:r>
+              <a:rPr lang="en-MY" dirty="0"/>
+              <a:t>      </a:t>
+            </a:r>
+            <a:r>
+              <a:rPr lang="en-MY" dirty="0" err="1"/>
+              <a:t>Github</a:t>
+            </a:r>
+            <a:r>
+              <a:rPr lang="en-MY" dirty="0"/>
+              <a:t>: https://github.com/ageitgey/face_recognition</a:t>
+            </a:r>
+          </a:p>
+          <a:p>
+            <a:endParaRPr lang="en-MY" dirty="0"/>
+          </a:p>
+          <a:p>
+            <a:endParaRPr lang="en-MY" dirty="0"/>
           </a:p>
         </p:txBody>
       </p:sp>
@@ -1031,7 +902,7 @@
     </p:spTree>
     <p:extLst>
       <p:ext uri="{BB962C8B-B14F-4D97-AF65-F5344CB8AC3E}">
-        <p14:creationId xmlns:p14="http://schemas.microsoft.com/office/powerpoint/2010/main" val="4042237538"/>
+        <p14:creationId xmlns:p14="http://schemas.microsoft.com/office/powerpoint/2010/main" val="207760783"/>
       </p:ext>
     </p:extLst>
   </p:cSld>
@@ -1275,7 +1146,260 @@
           <a:p>
             <a:fld id="{79FB4E22-4E04-4227-AC2D-6C9A46D5A035}" type="slidenum">
               <a:rPr lang="en-US" smtClean="0"/>
-              <a:t>19</a:t>
+              <a:t>27</a:t>
+            </a:fld>
+            <a:endParaRPr lang="en-US" dirty="0"/>
+          </a:p>
+        </p:txBody>
+      </p:sp>
+    </p:spTree>
+    <p:extLst>
+      <p:ext uri="{BB962C8B-B14F-4D97-AF65-F5344CB8AC3E}">
+        <p14:creationId xmlns:p14="http://schemas.microsoft.com/office/powerpoint/2010/main" val="4042237538"/>
+      </p:ext>
+    </p:extLst>
+  </p:cSld>
+  <p:clrMapOvr>
+    <a:masterClrMapping/>
+  </p:clrMapOvr>
+</p:notes>
+</file>
+
+<file path=ppt/notesSlides/notesSlide6.xml><?xml version="1.0" encoding="utf-8"?>
+<p:notes xmlns:a="http://schemas.openxmlformats.org/drawingml/2006/main" xmlns:r="http://schemas.openxmlformats.org/officeDocument/2006/relationships" xmlns:p="http://schemas.openxmlformats.org/presentationml/2006/main">
+  <p:cSld>
+    <p:spTree>
+      <p:nvGrpSpPr>
+        <p:cNvPr id="1" name=""/>
+        <p:cNvGrpSpPr/>
+        <p:nvPr/>
+      </p:nvGrpSpPr>
+      <p:grpSpPr>
+        <a:xfrm>
+          <a:off x="0" y="0"/>
+          <a:ext cx="0" cy="0"/>
+          <a:chOff x="0" y="0"/>
+          <a:chExt cx="0" cy="0"/>
+        </a:xfrm>
+      </p:grpSpPr>
+      <p:sp>
+        <p:nvSpPr>
+          <p:cNvPr id="2" name="Slide Image Placeholder 1"/>
+          <p:cNvSpPr>
+            <a:spLocks noGrp="1" noRot="1" noChangeAspect="1"/>
+          </p:cNvSpPr>
+          <p:nvPr>
+            <p:ph type="sldImg"/>
+          </p:nvPr>
+        </p:nvSpPr>
+        <p:spPr/>
+      </p:sp>
+      <p:sp>
+        <p:nvSpPr>
+          <p:cNvPr id="3" name="Notes Placeholder 2"/>
+          <p:cNvSpPr>
+            <a:spLocks noGrp="1"/>
+          </p:cNvSpPr>
+          <p:nvPr>
+            <p:ph type="body" idx="1"/>
+          </p:nvPr>
+        </p:nvSpPr>
+        <p:spPr/>
+        <p:txBody>
+          <a:bodyPr/>
+          <a:lstStyle/>
+          <a:p>
+            <a:r>
+              <a:rPr lang="en-US" dirty="0"/>
+              <a:t>[3] </a:t>
+            </a:r>
+            <a:r>
+              <a:rPr lang="en-US" sz="1200" b="1" i="0" kern="1200" dirty="0" err="1">
+                <a:solidFill>
+                  <a:schemeClr val="tx1"/>
+                </a:solidFill>
+                <a:effectLst/>
+                <a:latin typeface="+mn-lt"/>
+                <a:ea typeface="+mn-ea"/>
+                <a:cs typeface="+mn-cs"/>
+              </a:rPr>
+              <a:t>FaceNet</a:t>
+            </a:r>
+            <a:r>
+              <a:rPr lang="en-US" sz="1200" b="1" i="0" kern="1200" dirty="0">
+                <a:solidFill>
+                  <a:schemeClr val="tx1"/>
+                </a:solidFill>
+                <a:effectLst/>
+                <a:latin typeface="+mn-lt"/>
+                <a:ea typeface="+mn-ea"/>
+                <a:cs typeface="+mn-cs"/>
+              </a:rPr>
+              <a:t>: A Unified Embedding for Face Recognition and Clustering</a:t>
+            </a:r>
+          </a:p>
+          <a:p>
+            <a:r>
+              <a:rPr lang="en-US" sz="1200" b="0" i="0" u="none" strike="noStrike" kern="1200" dirty="0">
+                <a:solidFill>
+                  <a:schemeClr val="tx1"/>
+                </a:solidFill>
+                <a:effectLst/>
+                <a:latin typeface="+mn-lt"/>
+                <a:ea typeface="+mn-ea"/>
+                <a:cs typeface="+mn-cs"/>
+                <a:hlinkClick r:id="rId3"/>
+              </a:rPr>
+              <a:t>Florian </a:t>
+            </a:r>
+            <a:r>
+              <a:rPr lang="en-US" sz="1200" b="0" i="0" u="none" strike="noStrike" kern="1200" dirty="0" err="1">
+                <a:solidFill>
+                  <a:schemeClr val="tx1"/>
+                </a:solidFill>
+                <a:effectLst/>
+                <a:latin typeface="+mn-lt"/>
+                <a:ea typeface="+mn-ea"/>
+                <a:cs typeface="+mn-cs"/>
+                <a:hlinkClick r:id="rId3"/>
+              </a:rPr>
+              <a:t>Schroff</a:t>
+            </a:r>
+            <a:r>
+              <a:rPr lang="en-US" sz="1200" b="0" i="0" kern="1200" dirty="0">
+                <a:solidFill>
+                  <a:schemeClr val="tx1"/>
+                </a:solidFill>
+                <a:effectLst/>
+                <a:latin typeface="+mn-lt"/>
+                <a:ea typeface="+mn-ea"/>
+                <a:cs typeface="+mn-cs"/>
+              </a:rPr>
+              <a:t>, </a:t>
+            </a:r>
+            <a:r>
+              <a:rPr lang="en-US" sz="1200" b="0" i="0" u="none" strike="noStrike" kern="1200" dirty="0">
+                <a:solidFill>
+                  <a:schemeClr val="tx1"/>
+                </a:solidFill>
+                <a:effectLst/>
+                <a:latin typeface="+mn-lt"/>
+                <a:ea typeface="+mn-ea"/>
+                <a:cs typeface="+mn-cs"/>
+                <a:hlinkClick r:id="rId4"/>
+              </a:rPr>
+              <a:t>Dmitry </a:t>
+            </a:r>
+            <a:r>
+              <a:rPr lang="en-US" sz="1200" b="0" i="0" u="none" strike="noStrike" kern="1200" dirty="0" err="1">
+                <a:solidFill>
+                  <a:schemeClr val="tx1"/>
+                </a:solidFill>
+                <a:effectLst/>
+                <a:latin typeface="+mn-lt"/>
+                <a:ea typeface="+mn-ea"/>
+                <a:cs typeface="+mn-cs"/>
+                <a:hlinkClick r:id="rId4"/>
+              </a:rPr>
+              <a:t>Kalenichenko</a:t>
+            </a:r>
+            <a:r>
+              <a:rPr lang="en-US" sz="1200" b="0" i="0" kern="1200" dirty="0">
+                <a:solidFill>
+                  <a:schemeClr val="tx1"/>
+                </a:solidFill>
+                <a:effectLst/>
+                <a:latin typeface="+mn-lt"/>
+                <a:ea typeface="+mn-ea"/>
+                <a:cs typeface="+mn-cs"/>
+              </a:rPr>
+              <a:t>, </a:t>
+            </a:r>
+            <a:r>
+              <a:rPr lang="en-US" sz="1200" b="0" i="0" u="none" strike="noStrike" kern="1200" dirty="0">
+                <a:solidFill>
+                  <a:schemeClr val="tx1"/>
+                </a:solidFill>
+                <a:effectLst/>
+                <a:latin typeface="+mn-lt"/>
+                <a:ea typeface="+mn-ea"/>
+                <a:cs typeface="+mn-cs"/>
+                <a:hlinkClick r:id="rId5"/>
+              </a:rPr>
+              <a:t>James Philbin</a:t>
+            </a:r>
+            <a:endParaRPr lang="en-US" sz="1200" b="0" i="0" kern="1200" dirty="0">
+              <a:solidFill>
+                <a:schemeClr val="tx1"/>
+              </a:solidFill>
+              <a:effectLst/>
+              <a:latin typeface="+mn-lt"/>
+              <a:ea typeface="+mn-ea"/>
+              <a:cs typeface="+mn-cs"/>
+            </a:endParaRPr>
+          </a:p>
+          <a:p>
+            <a:r>
+              <a:rPr lang="en-US" sz="1200" b="0" i="1" kern="1200" dirty="0">
+                <a:solidFill>
+                  <a:schemeClr val="tx1"/>
+                </a:solidFill>
+                <a:effectLst/>
+                <a:latin typeface="+mn-lt"/>
+                <a:ea typeface="+mn-ea"/>
+                <a:cs typeface="+mn-cs"/>
+              </a:rPr>
+              <a:t>(Submitted on 12 Mar 2015 (</a:t>
+            </a:r>
+            <a:r>
+              <a:rPr lang="en-US" sz="1200" b="0" i="1" u="none" strike="noStrike" kern="1200" dirty="0">
+                <a:solidFill>
+                  <a:schemeClr val="tx1"/>
+                </a:solidFill>
+                <a:effectLst/>
+                <a:latin typeface="+mn-lt"/>
+                <a:ea typeface="+mn-ea"/>
+                <a:cs typeface="+mn-cs"/>
+                <a:hlinkClick r:id="rId6"/>
+              </a:rPr>
+              <a:t>v1</a:t>
+            </a:r>
+            <a:r>
+              <a:rPr lang="en-US" sz="1200" b="0" i="1" kern="1200" dirty="0">
+                <a:solidFill>
+                  <a:schemeClr val="tx1"/>
+                </a:solidFill>
+                <a:effectLst/>
+                <a:latin typeface="+mn-lt"/>
+                <a:ea typeface="+mn-ea"/>
+                <a:cs typeface="+mn-cs"/>
+              </a:rPr>
+              <a:t>), last revised 17 Jun 2015 (this version, v3))</a:t>
+            </a:r>
+          </a:p>
+          <a:p>
+            <a:endParaRPr lang="en-US" dirty="0"/>
+          </a:p>
+        </p:txBody>
+      </p:sp>
+      <p:sp>
+        <p:nvSpPr>
+          <p:cNvPr id="4" name="Slide Number Placeholder 3"/>
+          <p:cNvSpPr>
+            <a:spLocks noGrp="1"/>
+          </p:cNvSpPr>
+          <p:nvPr>
+            <p:ph type="sldNum" sz="quarter" idx="5"/>
+          </p:nvPr>
+        </p:nvSpPr>
+        <p:spPr/>
+        <p:txBody>
+          <a:bodyPr/>
+          <a:lstStyle/>
+          <a:p>
+            <a:fld id="{79FB4E22-4E04-4227-AC2D-6C9A46D5A035}" type="slidenum">
+              <a:rPr lang="en-US" smtClean="0"/>
+              <a:t>30</a:t>
             </a:fld>
             <a:endParaRPr lang="en-US" dirty="0"/>
           </a:p>
@@ -1441,7 +1565,7 @@
           <a:p>
             <a:fld id="{DBA0AEA9-B681-4CF8-A519-E8BDD5DB3D30}" type="datetimeFigureOut">
               <a:rPr lang="en-US" smtClean="0"/>
-              <a:t>1/18/2020</a:t>
+              <a:t>3/15/2020</a:t>
             </a:fld>
             <a:endParaRPr lang="en-US" dirty="0"/>
           </a:p>
@@ -1639,7 +1763,7 @@
           <a:p>
             <a:fld id="{DBA0AEA9-B681-4CF8-A519-E8BDD5DB3D30}" type="datetimeFigureOut">
               <a:rPr lang="en-US" smtClean="0"/>
-              <a:t>1/18/2020</a:t>
+              <a:t>3/15/2020</a:t>
             </a:fld>
             <a:endParaRPr lang="en-US" dirty="0"/>
           </a:p>
@@ -1847,7 +1971,7 @@
           <a:p>
             <a:fld id="{DBA0AEA9-B681-4CF8-A519-E8BDD5DB3D30}" type="datetimeFigureOut">
               <a:rPr lang="en-US" smtClean="0"/>
-              <a:t>1/18/2020</a:t>
+              <a:t>3/15/2020</a:t>
             </a:fld>
             <a:endParaRPr lang="en-US" dirty="0"/>
           </a:p>
@@ -2045,7 +2169,7 @@
           <a:p>
             <a:fld id="{DBA0AEA9-B681-4CF8-A519-E8BDD5DB3D30}" type="datetimeFigureOut">
               <a:rPr lang="en-US" smtClean="0"/>
-              <a:t>1/18/2020</a:t>
+              <a:t>3/15/2020</a:t>
             </a:fld>
             <a:endParaRPr lang="en-US" dirty="0"/>
           </a:p>
@@ -2320,7 +2444,7 @@
           <a:p>
             <a:fld id="{DBA0AEA9-B681-4CF8-A519-E8BDD5DB3D30}" type="datetimeFigureOut">
               <a:rPr lang="en-US" smtClean="0"/>
-              <a:t>1/18/2020</a:t>
+              <a:t>3/15/2020</a:t>
             </a:fld>
             <a:endParaRPr lang="en-US" dirty="0"/>
           </a:p>
@@ -2585,7 +2709,7 @@
           <a:p>
             <a:fld id="{DBA0AEA9-B681-4CF8-A519-E8BDD5DB3D30}" type="datetimeFigureOut">
               <a:rPr lang="en-US" smtClean="0"/>
-              <a:t>1/18/2020</a:t>
+              <a:t>3/15/2020</a:t>
             </a:fld>
             <a:endParaRPr lang="en-US" dirty="0"/>
           </a:p>
@@ -2997,7 +3121,7 @@
           <a:p>
             <a:fld id="{DBA0AEA9-B681-4CF8-A519-E8BDD5DB3D30}" type="datetimeFigureOut">
               <a:rPr lang="en-US" smtClean="0"/>
-              <a:t>1/18/2020</a:t>
+              <a:t>3/15/2020</a:t>
             </a:fld>
             <a:endParaRPr lang="en-US" dirty="0"/>
           </a:p>
@@ -3138,7 +3262,7 @@
           <a:p>
             <a:fld id="{DBA0AEA9-B681-4CF8-A519-E8BDD5DB3D30}" type="datetimeFigureOut">
               <a:rPr lang="en-US" smtClean="0"/>
-              <a:t>1/18/2020</a:t>
+              <a:t>3/15/2020</a:t>
             </a:fld>
             <a:endParaRPr lang="en-US" dirty="0"/>
           </a:p>
@@ -3251,7 +3375,7 @@
           <a:p>
             <a:fld id="{DBA0AEA9-B681-4CF8-A519-E8BDD5DB3D30}" type="datetimeFigureOut">
               <a:rPr lang="en-US" smtClean="0"/>
-              <a:t>1/18/2020</a:t>
+              <a:t>3/15/2020</a:t>
             </a:fld>
             <a:endParaRPr lang="en-US" dirty="0"/>
           </a:p>
@@ -3562,7 +3686,7 @@
           <a:p>
             <a:fld id="{DBA0AEA9-B681-4CF8-A519-E8BDD5DB3D30}" type="datetimeFigureOut">
               <a:rPr lang="en-US" smtClean="0"/>
-              <a:t>1/18/2020</a:t>
+              <a:t>3/15/2020</a:t>
             </a:fld>
             <a:endParaRPr lang="en-US" dirty="0"/>
           </a:p>
@@ -3850,7 +3974,7 @@
           <a:p>
             <a:fld id="{DBA0AEA9-B681-4CF8-A519-E8BDD5DB3D30}" type="datetimeFigureOut">
               <a:rPr lang="en-US" smtClean="0"/>
-              <a:t>1/18/2020</a:t>
+              <a:t>3/15/2020</a:t>
             </a:fld>
             <a:endParaRPr lang="en-US" dirty="0"/>
           </a:p>
@@ -4091,7 +4215,7 @@
           <a:p>
             <a:fld id="{DBA0AEA9-B681-4CF8-A519-E8BDD5DB3D30}" type="datetimeFigureOut">
               <a:rPr lang="en-US" smtClean="0"/>
-              <a:t>1/18/2020</a:t>
+              <a:t>3/15/2020</a:t>
             </a:fld>
             <a:endParaRPr lang="en-US" dirty="0"/>
           </a:p>
@@ -5405,7 +5529,7 @@
           <p:cNvPr id="2" name="Title 1">
             <a:extLst>
               <a:ext uri="{FF2B5EF4-FFF2-40B4-BE49-F238E27FC236}">
-                <a16:creationId xmlns:a16="http://schemas.microsoft.com/office/drawing/2014/main" id="{6F9D0646-CB18-4DF3-9DC6-3E48B6B2282E}"/>
+                <a16:creationId xmlns:a16="http://schemas.microsoft.com/office/drawing/2014/main" id="{1072253E-A804-4915-AA14-A7BA4C9EFBEF}"/>
               </a:ext>
             </a:extLst>
           </p:cNvPr>
@@ -5422,12 +5546,8 @@
           <a:lstStyle/>
           <a:p>
             <a:r>
-              <a:rPr lang="en-US" dirty="0" err="1"/>
-              <a:t>Facenet</a:t>
-            </a:r>
-            <a:r>
-              <a:rPr lang="en-US" dirty="0"/>
-              <a:t> – Face Encoding</a:t>
+              <a:rPr lang="en-MY" dirty="0"/>
+              <a:t>Face Encoding</a:t>
             </a:r>
           </a:p>
         </p:txBody>
@@ -5437,7 +5557,7 @@
           <p:cNvPr id="3" name="Content Placeholder 2">
             <a:extLst>
               <a:ext uri="{FF2B5EF4-FFF2-40B4-BE49-F238E27FC236}">
-                <a16:creationId xmlns:a16="http://schemas.microsoft.com/office/drawing/2014/main" id="{0389A154-C597-4F89-A18F-B11AD646A257}"/>
+                <a16:creationId xmlns:a16="http://schemas.microsoft.com/office/drawing/2014/main" id="{0D1BEA28-1ED1-4828-B737-A7D1214E69CD}"/>
               </a:ext>
             </a:extLst>
           </p:cNvPr>
@@ -5451,69 +5571,108 @@
         <p:spPr/>
         <p:txBody>
           <a:bodyPr>
-            <a:normAutofit/>
+            <a:normAutofit fontScale="92500"/>
           </a:bodyPr>
           <a:lstStyle/>
           <a:p>
             <a:r>
-              <a:rPr lang="en-US" dirty="0" err="1"/>
-              <a:t>Facenet</a:t>
-            </a:r>
-            <a:r>
-              <a:rPr lang="en-US" dirty="0"/>
-              <a:t> [3] is a deep neural network which encode the image into 128 byte code.</a:t>
-            </a:r>
-          </a:p>
-          <a:p>
-            <a:r>
-              <a:rPr lang="en-US" dirty="0" err="1"/>
-              <a:t>Facenet</a:t>
-            </a:r>
-            <a:r>
-              <a:rPr lang="en-US" dirty="0"/>
-              <a:t> weights are pre-trained based on ~50 million faces.</a:t>
-            </a:r>
-          </a:p>
-          <a:p>
-            <a:r>
-              <a:rPr lang="en-US" dirty="0"/>
-              <a:t>Hence, </a:t>
-            </a:r>
-            <a:r>
-              <a:rPr lang="en-US" dirty="0" err="1"/>
-              <a:t>Facenet</a:t>
-            </a:r>
-            <a:r>
-              <a:rPr lang="en-US" dirty="0"/>
-              <a:t> is used to encode images into 128 byte code in this project based on the pretrained network weights.</a:t>
-            </a:r>
-          </a:p>
-          <a:p>
-            <a:r>
-              <a:rPr lang="en-US" dirty="0"/>
-              <a:t>Training of 50 million faces requires long training time. Application of </a:t>
-            </a:r>
-            <a:r>
-              <a:rPr lang="en-US" dirty="0" err="1"/>
-              <a:t>Facenet</a:t>
-            </a:r>
-            <a:r>
-              <a:rPr lang="en-US" dirty="0"/>
-              <a:t> saves the training time while allow the faces to be encoded without accessing to massive dataset.</a:t>
+              <a:rPr lang="en-MY" dirty="0"/>
+              <a:t>Face encoding is done through </a:t>
+            </a:r>
+            <a:r>
+              <a:rPr lang="en-MY" dirty="0" err="1"/>
+              <a:t>face_recognition</a:t>
+            </a:r>
+            <a:r>
+              <a:rPr lang="en-MY" dirty="0"/>
+              <a:t> [3] python library developed by </a:t>
+            </a:r>
+            <a:r>
+              <a:rPr lang="en-MY" dirty="0" err="1"/>
+              <a:t>Ageitgey</a:t>
+            </a:r>
+            <a:r>
+              <a:rPr lang="en-MY" dirty="0"/>
+              <a:t>. This library is mainly based on open source </a:t>
+            </a:r>
+            <a:r>
+              <a:rPr lang="en-MY" dirty="0" err="1"/>
+              <a:t>Dlib</a:t>
+            </a:r>
+            <a:r>
+              <a:rPr lang="en-MY" dirty="0"/>
+              <a:t>.</a:t>
+            </a:r>
+          </a:p>
+          <a:p>
+            <a:r>
+              <a:rPr lang="en-MY" dirty="0" err="1"/>
+              <a:t>Face_recognition</a:t>
+            </a:r>
+            <a:r>
+              <a:rPr lang="en-MY" dirty="0"/>
+              <a:t> library return result in 128-bit code and hence suitable for face encoding.</a:t>
+            </a:r>
+          </a:p>
+          <a:p>
+            <a:r>
+              <a:rPr lang="en-MY" dirty="0" err="1"/>
+              <a:t>Face_recognition</a:t>
+            </a:r>
+            <a:r>
+              <a:rPr lang="en-MY" dirty="0"/>
+              <a:t> has several steps to refine and encode the face image:</a:t>
             </a:r>
           </a:p>
           <a:p>
             <a:pPr marL="0" indent="0">
               <a:buNone/>
             </a:pPr>
-            <a:endParaRPr lang="en-US" dirty="0"/>
+            <a:r>
+              <a:rPr lang="en-MY" dirty="0"/>
+              <a:t>   1. face detection using </a:t>
+            </a:r>
+            <a:r>
+              <a:rPr lang="en-MY" dirty="0" err="1"/>
+              <a:t>HoG</a:t>
+            </a:r>
+            <a:r>
+              <a:rPr lang="en-MY" dirty="0"/>
+              <a:t> (further refine bounding area from MTCNN in this project)</a:t>
+            </a:r>
+          </a:p>
+          <a:p>
+            <a:pPr marL="0" indent="0">
+              <a:buNone/>
+            </a:pPr>
+            <a:r>
+              <a:rPr lang="en-MY" dirty="0"/>
+              <a:t>   2. </a:t>
+            </a:r>
+            <a:r>
+              <a:rPr lang="en-MY" dirty="0" err="1"/>
+              <a:t>dlib</a:t>
+            </a:r>
+            <a:r>
+              <a:rPr lang="en-MY" dirty="0"/>
+              <a:t> face landmark detection and face projection</a:t>
+            </a:r>
+          </a:p>
+          <a:p>
+            <a:pPr marL="0" indent="0">
+              <a:buNone/>
+            </a:pPr>
+            <a:r>
+              <a:rPr lang="en-MY" dirty="0"/>
+              <a:t>   3. neural network trained using triplet loss for error computation</a:t>
+            </a:r>
           </a:p>
         </p:txBody>
       </p:sp>
     </p:spTree>
     <p:extLst>
       <p:ext uri="{BB962C8B-B14F-4D97-AF65-F5344CB8AC3E}">
-        <p14:creationId xmlns:p14="http://schemas.microsoft.com/office/powerpoint/2010/main" val="3643608619"/>
+        <p14:creationId xmlns:p14="http://schemas.microsoft.com/office/powerpoint/2010/main" val="1715497745"/>
       </p:ext>
     </p:extLst>
   </p:cSld>
@@ -5545,6 +5704,1462 @@
           <p:cNvPr id="2" name="Title 1">
             <a:extLst>
               <a:ext uri="{FF2B5EF4-FFF2-40B4-BE49-F238E27FC236}">
+                <a16:creationId xmlns:a16="http://schemas.microsoft.com/office/drawing/2014/main" id="{1232E781-C412-446D-A88E-AF430FBD325C}"/>
+              </a:ext>
+            </a:extLst>
+          </p:cNvPr>
+          <p:cNvSpPr>
+            <a:spLocks noGrp="1"/>
+          </p:cNvSpPr>
+          <p:nvPr>
+            <p:ph type="title"/>
+          </p:nvPr>
+        </p:nvSpPr>
+        <p:spPr/>
+        <p:txBody>
+          <a:bodyPr/>
+          <a:lstStyle/>
+          <a:p>
+            <a:r>
+              <a:rPr lang="en-MY" dirty="0"/>
+              <a:t>Face Encoding - </a:t>
+            </a:r>
+            <a:r>
+              <a:rPr lang="en-MY" dirty="0" err="1"/>
+              <a:t>HoG</a:t>
+            </a:r>
+            <a:endParaRPr lang="en-MY" dirty="0"/>
+          </a:p>
+        </p:txBody>
+      </p:sp>
+      <p:sp>
+        <p:nvSpPr>
+          <p:cNvPr id="3" name="Content Placeholder 2">
+            <a:extLst>
+              <a:ext uri="{FF2B5EF4-FFF2-40B4-BE49-F238E27FC236}">
+                <a16:creationId xmlns:a16="http://schemas.microsoft.com/office/drawing/2014/main" id="{D5A1DF8F-DC18-46A4-8D6E-35D0DE2D5F77}"/>
+              </a:ext>
+            </a:extLst>
+          </p:cNvPr>
+          <p:cNvSpPr>
+            <a:spLocks noGrp="1"/>
+          </p:cNvSpPr>
+          <p:nvPr>
+            <p:ph idx="1"/>
+          </p:nvPr>
+        </p:nvSpPr>
+        <p:spPr/>
+        <p:txBody>
+          <a:bodyPr>
+            <a:normAutofit fontScale="85000" lnSpcReduction="20000"/>
+          </a:bodyPr>
+          <a:lstStyle/>
+          <a:p>
+            <a:r>
+              <a:rPr lang="en-MY" dirty="0"/>
+              <a:t>Histogram of Gradient is an 2D array consists of gradient at each pixel. Gradient is to be computed from intensity difference across its neighbouring pixels.</a:t>
+            </a:r>
+          </a:p>
+          <a:p>
+            <a:r>
+              <a:rPr lang="en-MY" dirty="0"/>
+              <a:t>Face Cascade and MTCNN should have filtered out images which are not showing sufficient face features at this point. </a:t>
+            </a:r>
+            <a:r>
+              <a:rPr lang="en-MY" dirty="0" err="1"/>
+              <a:t>HoG</a:t>
+            </a:r>
+            <a:r>
+              <a:rPr lang="en-MY" dirty="0"/>
+              <a:t> will refine the bound of image by taking out more background pixels.</a:t>
+            </a:r>
+          </a:p>
+          <a:p>
+            <a:r>
+              <a:rPr lang="en-MY" dirty="0" err="1"/>
+              <a:t>HoG</a:t>
+            </a:r>
+            <a:r>
+              <a:rPr lang="en-MY" dirty="0"/>
+              <a:t> is working since nose, mouth, eyes should have unique gradient features and relative distance across nose, mouth, eyes, hair and background, will define the face area.</a:t>
+            </a:r>
+          </a:p>
+          <a:p>
+            <a:r>
+              <a:rPr lang="en-MY" dirty="0" err="1"/>
+              <a:t>HoG</a:t>
+            </a:r>
+            <a:r>
+              <a:rPr lang="en-MY" dirty="0"/>
+              <a:t> is less sensitive to light intensity (Gradient usually considering surround pixels rather than light intensity at one pixel) and can define the features without influence of local light intensity. (MTCNN, </a:t>
+            </a:r>
+            <a:r>
+              <a:rPr lang="en-MY" dirty="0" err="1"/>
+              <a:t>face_cascade</a:t>
+            </a:r>
+            <a:r>
+              <a:rPr lang="en-MY" dirty="0"/>
+              <a:t> should have taken out image with extreme light intensities, so less intensity will not have side effect)</a:t>
+            </a:r>
+          </a:p>
+          <a:p>
+            <a:r>
+              <a:rPr lang="en-MY" dirty="0"/>
+              <a:t>DLIB provides fast computation of </a:t>
+            </a:r>
+            <a:r>
+              <a:rPr lang="en-MY" dirty="0" err="1"/>
+              <a:t>HoG</a:t>
+            </a:r>
+            <a:r>
+              <a:rPr lang="en-MY" dirty="0"/>
+              <a:t>.</a:t>
+            </a:r>
+          </a:p>
+          <a:p>
+            <a:endParaRPr lang="en-MY" dirty="0"/>
+          </a:p>
+        </p:txBody>
+      </p:sp>
+    </p:spTree>
+    <p:extLst>
+      <p:ext uri="{BB962C8B-B14F-4D97-AF65-F5344CB8AC3E}">
+        <p14:creationId xmlns:p14="http://schemas.microsoft.com/office/powerpoint/2010/main" val="1912703605"/>
+      </p:ext>
+    </p:extLst>
+  </p:cSld>
+  <p:clrMapOvr>
+    <a:masterClrMapping/>
+  </p:clrMapOvr>
+</p:sld>
+</file>
+
+<file path=ppt/slides/slide18.xml><?xml version="1.0" encoding="utf-8"?>
+<p:sld xmlns:a="http://schemas.openxmlformats.org/drawingml/2006/main" xmlns:r="http://schemas.openxmlformats.org/officeDocument/2006/relationships" xmlns:p="http://schemas.openxmlformats.org/presentationml/2006/main">
+  <p:cSld>
+    <p:spTree>
+      <p:nvGrpSpPr>
+        <p:cNvPr id="1" name=""/>
+        <p:cNvGrpSpPr/>
+        <p:nvPr/>
+      </p:nvGrpSpPr>
+      <p:grpSpPr>
+        <a:xfrm>
+          <a:off x="0" y="0"/>
+          <a:ext cx="0" cy="0"/>
+          <a:chOff x="0" y="0"/>
+          <a:chExt cx="0" cy="0"/>
+        </a:xfrm>
+      </p:grpSpPr>
+      <p:sp>
+        <p:nvSpPr>
+          <p:cNvPr id="2" name="Title 1">
+            <a:extLst>
+              <a:ext uri="{FF2B5EF4-FFF2-40B4-BE49-F238E27FC236}">
+                <a16:creationId xmlns:a16="http://schemas.microsoft.com/office/drawing/2014/main" id="{558D60D7-9091-433E-9B60-62BEFD48612E}"/>
+              </a:ext>
+            </a:extLst>
+          </p:cNvPr>
+          <p:cNvSpPr>
+            <a:spLocks noGrp="1"/>
+          </p:cNvSpPr>
+          <p:nvPr>
+            <p:ph type="title"/>
+          </p:nvPr>
+        </p:nvSpPr>
+        <p:spPr/>
+        <p:txBody>
+          <a:bodyPr/>
+          <a:lstStyle/>
+          <a:p>
+            <a:r>
+              <a:rPr lang="en-MY" dirty="0" err="1"/>
+              <a:t>HoG</a:t>
+            </a:r>
+            <a:r>
+              <a:rPr lang="en-MY" dirty="0"/>
+              <a:t> Representation</a:t>
+            </a:r>
+          </a:p>
+        </p:txBody>
+      </p:sp>
+      <p:sp>
+        <p:nvSpPr>
+          <p:cNvPr id="3" name="Content Placeholder 2">
+            <a:extLst>
+              <a:ext uri="{FF2B5EF4-FFF2-40B4-BE49-F238E27FC236}">
+                <a16:creationId xmlns:a16="http://schemas.microsoft.com/office/drawing/2014/main" id="{BEBCF578-9760-46A1-B730-A5FF38CF9A07}"/>
+              </a:ext>
+            </a:extLst>
+          </p:cNvPr>
+          <p:cNvSpPr>
+            <a:spLocks noGrp="1"/>
+          </p:cNvSpPr>
+          <p:nvPr>
+            <p:ph idx="1"/>
+          </p:nvPr>
+        </p:nvSpPr>
+        <p:spPr/>
+        <p:txBody>
+          <a:bodyPr/>
+          <a:lstStyle/>
+          <a:p>
+            <a:endParaRPr lang="en-MY"/>
+          </a:p>
+        </p:txBody>
+      </p:sp>
+      <p:pic>
+        <p:nvPicPr>
+          <p:cNvPr id="4" name="Picture 3">
+            <a:extLst>
+              <a:ext uri="{FF2B5EF4-FFF2-40B4-BE49-F238E27FC236}">
+                <a16:creationId xmlns:a16="http://schemas.microsoft.com/office/drawing/2014/main" id="{05B9B18F-33E9-4D86-8CAF-B10A1FE7A1CA}"/>
+              </a:ext>
+            </a:extLst>
+          </p:cNvPr>
+          <p:cNvPicPr>
+            <a:picLocks noChangeAspect="1"/>
+          </p:cNvPicPr>
+          <p:nvPr/>
+        </p:nvPicPr>
+        <p:blipFill>
+          <a:blip r:embed="rId2"/>
+          <a:stretch>
+            <a:fillRect/>
+          </a:stretch>
+        </p:blipFill>
+        <p:spPr>
+          <a:xfrm>
+            <a:off x="2038350" y="1977655"/>
+            <a:ext cx="8115300" cy="4723181"/>
+          </a:xfrm>
+          <a:prstGeom prst="rect">
+            <a:avLst/>
+          </a:prstGeom>
+        </p:spPr>
+      </p:pic>
+    </p:spTree>
+    <p:extLst>
+      <p:ext uri="{BB962C8B-B14F-4D97-AF65-F5344CB8AC3E}">
+        <p14:creationId xmlns:p14="http://schemas.microsoft.com/office/powerpoint/2010/main" val="4203308867"/>
+      </p:ext>
+    </p:extLst>
+  </p:cSld>
+  <p:clrMapOvr>
+    <a:masterClrMapping/>
+  </p:clrMapOvr>
+</p:sld>
+</file>
+
+<file path=ppt/slides/slide19.xml><?xml version="1.0" encoding="utf-8"?>
+<p:sld xmlns:a="http://schemas.openxmlformats.org/drawingml/2006/main" xmlns:r="http://schemas.openxmlformats.org/officeDocument/2006/relationships" xmlns:p="http://schemas.openxmlformats.org/presentationml/2006/main">
+  <p:cSld>
+    <p:spTree>
+      <p:nvGrpSpPr>
+        <p:cNvPr id="1" name=""/>
+        <p:cNvGrpSpPr/>
+        <p:nvPr/>
+      </p:nvGrpSpPr>
+      <p:grpSpPr>
+        <a:xfrm>
+          <a:off x="0" y="0"/>
+          <a:ext cx="0" cy="0"/>
+          <a:chOff x="0" y="0"/>
+          <a:chExt cx="0" cy="0"/>
+        </a:xfrm>
+      </p:grpSpPr>
+      <p:sp>
+        <p:nvSpPr>
+          <p:cNvPr id="2" name="Title 1">
+            <a:extLst>
+              <a:ext uri="{FF2B5EF4-FFF2-40B4-BE49-F238E27FC236}">
+                <a16:creationId xmlns:a16="http://schemas.microsoft.com/office/drawing/2014/main" id="{D9D04AC8-8FA8-4DBA-920C-7D5D4E12999E}"/>
+              </a:ext>
+            </a:extLst>
+          </p:cNvPr>
+          <p:cNvSpPr>
+            <a:spLocks noGrp="1"/>
+          </p:cNvSpPr>
+          <p:nvPr>
+            <p:ph type="title"/>
+          </p:nvPr>
+        </p:nvSpPr>
+        <p:spPr/>
+        <p:txBody>
+          <a:bodyPr/>
+          <a:lstStyle/>
+          <a:p>
+            <a:r>
+              <a:rPr lang="en-MY" dirty="0" err="1"/>
+              <a:t>HoG</a:t>
+            </a:r>
+            <a:r>
+              <a:rPr lang="en-MY" dirty="0"/>
+              <a:t> based Face Recognition</a:t>
+            </a:r>
+          </a:p>
+        </p:txBody>
+      </p:sp>
+      <p:sp>
+        <p:nvSpPr>
+          <p:cNvPr id="3" name="Content Placeholder 2">
+            <a:extLst>
+              <a:ext uri="{FF2B5EF4-FFF2-40B4-BE49-F238E27FC236}">
+                <a16:creationId xmlns:a16="http://schemas.microsoft.com/office/drawing/2014/main" id="{CB8ABA6D-C903-4D80-B2D7-AA66BD4445FB}"/>
+              </a:ext>
+            </a:extLst>
+          </p:cNvPr>
+          <p:cNvSpPr>
+            <a:spLocks noGrp="1"/>
+          </p:cNvSpPr>
+          <p:nvPr>
+            <p:ph idx="1"/>
+          </p:nvPr>
+        </p:nvSpPr>
+        <p:spPr/>
+        <p:txBody>
+          <a:bodyPr/>
+          <a:lstStyle/>
+          <a:p>
+            <a:endParaRPr lang="en-MY"/>
+          </a:p>
+        </p:txBody>
+      </p:sp>
+      <p:pic>
+        <p:nvPicPr>
+          <p:cNvPr id="4" name="Picture 3">
+            <a:extLst>
+              <a:ext uri="{FF2B5EF4-FFF2-40B4-BE49-F238E27FC236}">
+                <a16:creationId xmlns:a16="http://schemas.microsoft.com/office/drawing/2014/main" id="{CBB5A78E-A6F7-4363-AB23-223D6432E810}"/>
+              </a:ext>
+            </a:extLst>
+          </p:cNvPr>
+          <p:cNvPicPr>
+            <a:picLocks noChangeAspect="1"/>
+          </p:cNvPicPr>
+          <p:nvPr/>
+        </p:nvPicPr>
+        <p:blipFill>
+          <a:blip r:embed="rId2"/>
+          <a:stretch>
+            <a:fillRect/>
+          </a:stretch>
+        </p:blipFill>
+        <p:spPr>
+          <a:xfrm>
+            <a:off x="1976437" y="1610946"/>
+            <a:ext cx="6710363" cy="4708891"/>
+          </a:xfrm>
+          <a:prstGeom prst="rect">
+            <a:avLst/>
+          </a:prstGeom>
+        </p:spPr>
+      </p:pic>
+    </p:spTree>
+    <p:extLst>
+      <p:ext uri="{BB962C8B-B14F-4D97-AF65-F5344CB8AC3E}">
+        <p14:creationId xmlns:p14="http://schemas.microsoft.com/office/powerpoint/2010/main" val="430200199"/>
+      </p:ext>
+    </p:extLst>
+  </p:cSld>
+  <p:clrMapOvr>
+    <a:masterClrMapping/>
+  </p:clrMapOvr>
+</p:sld>
+</file>
+
+<file path=ppt/slides/slide2.xml><?xml version="1.0" encoding="utf-8"?>
+<p:sld xmlns:a="http://schemas.openxmlformats.org/drawingml/2006/main" xmlns:r="http://schemas.openxmlformats.org/officeDocument/2006/relationships" xmlns:p="http://schemas.openxmlformats.org/presentationml/2006/main">
+  <p:cSld>
+    <p:spTree>
+      <p:nvGrpSpPr>
+        <p:cNvPr id="1" name=""/>
+        <p:cNvGrpSpPr/>
+        <p:nvPr/>
+      </p:nvGrpSpPr>
+      <p:grpSpPr>
+        <a:xfrm>
+          <a:off x="0" y="0"/>
+          <a:ext cx="0" cy="0"/>
+          <a:chOff x="0" y="0"/>
+          <a:chExt cx="0" cy="0"/>
+        </a:xfrm>
+      </p:grpSpPr>
+      <p:sp>
+        <p:nvSpPr>
+          <p:cNvPr id="2" name="Title 1">
+            <a:extLst>
+              <a:ext uri="{FF2B5EF4-FFF2-40B4-BE49-F238E27FC236}">
+                <a16:creationId xmlns:a16="http://schemas.microsoft.com/office/drawing/2014/main" id="{5374AD71-28BF-448B-849E-5419F135DB56}"/>
+              </a:ext>
+            </a:extLst>
+          </p:cNvPr>
+          <p:cNvSpPr>
+            <a:spLocks noGrp="1"/>
+          </p:cNvSpPr>
+          <p:nvPr>
+            <p:ph type="title"/>
+          </p:nvPr>
+        </p:nvSpPr>
+        <p:spPr/>
+        <p:txBody>
+          <a:bodyPr/>
+          <a:lstStyle/>
+          <a:p>
+            <a:r>
+              <a:rPr lang="en-US" dirty="0"/>
+              <a:t>Background</a:t>
+            </a:r>
+          </a:p>
+        </p:txBody>
+      </p:sp>
+      <p:sp>
+        <p:nvSpPr>
+          <p:cNvPr id="3" name="Content Placeholder 2">
+            <a:extLst>
+              <a:ext uri="{FF2B5EF4-FFF2-40B4-BE49-F238E27FC236}">
+                <a16:creationId xmlns:a16="http://schemas.microsoft.com/office/drawing/2014/main" id="{452C3396-92D0-4A35-843D-1F643DAA86C6}"/>
+              </a:ext>
+            </a:extLst>
+          </p:cNvPr>
+          <p:cNvSpPr>
+            <a:spLocks noGrp="1"/>
+          </p:cNvSpPr>
+          <p:nvPr>
+            <p:ph idx="1"/>
+          </p:nvPr>
+        </p:nvSpPr>
+        <p:spPr/>
+        <p:txBody>
+          <a:bodyPr/>
+          <a:lstStyle/>
+          <a:p>
+            <a:r>
+              <a:rPr lang="en-US" dirty="0"/>
+              <a:t>This is part of the demo of IoT. </a:t>
+            </a:r>
+          </a:p>
+          <a:p>
+            <a:r>
+              <a:rPr lang="en-US" dirty="0"/>
+              <a:t>Face recognition can be done locally at the mini server at the vicinity of sensor before transferring back to the main server/processor.</a:t>
+            </a:r>
+          </a:p>
+          <a:p>
+            <a:r>
+              <a:rPr lang="en-US" dirty="0"/>
+              <a:t>Hence, this project is aimed to perform face recognition at the local mini server.</a:t>
+            </a:r>
+          </a:p>
+        </p:txBody>
+      </p:sp>
+    </p:spTree>
+    <p:extLst>
+      <p:ext uri="{BB962C8B-B14F-4D97-AF65-F5344CB8AC3E}">
+        <p14:creationId xmlns:p14="http://schemas.microsoft.com/office/powerpoint/2010/main" val="3094315858"/>
+      </p:ext>
+    </p:extLst>
+  </p:cSld>
+  <p:clrMapOvr>
+    <a:masterClrMapping/>
+  </p:clrMapOvr>
+</p:sld>
+</file>
+
+<file path=ppt/slides/slide20.xml><?xml version="1.0" encoding="utf-8"?>
+<p:sld xmlns:a="http://schemas.openxmlformats.org/drawingml/2006/main" xmlns:r="http://schemas.openxmlformats.org/officeDocument/2006/relationships" xmlns:p="http://schemas.openxmlformats.org/presentationml/2006/main">
+  <p:cSld>
+    <p:spTree>
+      <p:nvGrpSpPr>
+        <p:cNvPr id="1" name=""/>
+        <p:cNvGrpSpPr/>
+        <p:nvPr/>
+      </p:nvGrpSpPr>
+      <p:grpSpPr>
+        <a:xfrm>
+          <a:off x="0" y="0"/>
+          <a:ext cx="0" cy="0"/>
+          <a:chOff x="0" y="0"/>
+          <a:chExt cx="0" cy="0"/>
+        </a:xfrm>
+      </p:grpSpPr>
+      <p:sp>
+        <p:nvSpPr>
+          <p:cNvPr id="2" name="Title 1">
+            <a:extLst>
+              <a:ext uri="{FF2B5EF4-FFF2-40B4-BE49-F238E27FC236}">
+                <a16:creationId xmlns:a16="http://schemas.microsoft.com/office/drawing/2014/main" id="{1232E781-C412-446D-A88E-AF430FBD325C}"/>
+              </a:ext>
+            </a:extLst>
+          </p:cNvPr>
+          <p:cNvSpPr>
+            <a:spLocks noGrp="1"/>
+          </p:cNvSpPr>
+          <p:nvPr>
+            <p:ph type="title"/>
+          </p:nvPr>
+        </p:nvSpPr>
+        <p:spPr/>
+        <p:txBody>
+          <a:bodyPr/>
+          <a:lstStyle/>
+          <a:p>
+            <a:r>
+              <a:rPr lang="en-MY" dirty="0"/>
+              <a:t>Face Encoding – Face Landmark</a:t>
+            </a:r>
+          </a:p>
+        </p:txBody>
+      </p:sp>
+      <p:sp>
+        <p:nvSpPr>
+          <p:cNvPr id="3" name="Content Placeholder 2">
+            <a:extLst>
+              <a:ext uri="{FF2B5EF4-FFF2-40B4-BE49-F238E27FC236}">
+                <a16:creationId xmlns:a16="http://schemas.microsoft.com/office/drawing/2014/main" id="{D5A1DF8F-DC18-46A4-8D6E-35D0DE2D5F77}"/>
+              </a:ext>
+            </a:extLst>
+          </p:cNvPr>
+          <p:cNvSpPr>
+            <a:spLocks noGrp="1"/>
+          </p:cNvSpPr>
+          <p:nvPr>
+            <p:ph idx="1"/>
+          </p:nvPr>
+        </p:nvSpPr>
+        <p:spPr/>
+        <p:txBody>
+          <a:bodyPr>
+            <a:normAutofit/>
+          </a:bodyPr>
+          <a:lstStyle/>
+          <a:p>
+            <a:r>
+              <a:rPr lang="en-MY" dirty="0"/>
+              <a:t>With </a:t>
+            </a:r>
+            <a:r>
+              <a:rPr lang="en-MY" dirty="0" err="1"/>
+              <a:t>HoG</a:t>
+            </a:r>
+            <a:r>
+              <a:rPr lang="en-MY" dirty="0"/>
+              <a:t> refined image, </a:t>
+            </a:r>
+            <a:r>
+              <a:rPr lang="en-MY" dirty="0" err="1"/>
+              <a:t>Dlib</a:t>
+            </a:r>
+            <a:r>
+              <a:rPr lang="en-MY" dirty="0"/>
+              <a:t> is able to output 68 landmark points.</a:t>
+            </a:r>
+          </a:p>
+          <a:p>
+            <a:r>
+              <a:rPr lang="en-MY" dirty="0"/>
+              <a:t>DLIB has a neural network pre-trained with 68-point </a:t>
+            </a:r>
+            <a:r>
+              <a:rPr lang="pl-PL" b="1" dirty="0">
+                <a:hlinkClick r:id="rId2"/>
+              </a:rPr>
+              <a:t>iBUG 300-W dataset</a:t>
+            </a:r>
+            <a:endParaRPr lang="en-MY" dirty="0"/>
+          </a:p>
+          <a:p>
+            <a:r>
+              <a:rPr lang="en-MY" dirty="0"/>
+              <a:t>With DLIB’s landmark output, </a:t>
+            </a:r>
+            <a:r>
+              <a:rPr lang="en-MY" dirty="0" err="1"/>
+              <a:t>face_recognition</a:t>
+            </a:r>
+            <a:r>
+              <a:rPr lang="en-MY" dirty="0"/>
+              <a:t> library can make face projection.</a:t>
+            </a:r>
+          </a:p>
+          <a:p>
+            <a:r>
+              <a:rPr lang="en-MY" dirty="0"/>
+              <a:t>Slanting face can be re-projected with all the 68 points at largest alignment possible. Nose is at </a:t>
+            </a:r>
+            <a:r>
+              <a:rPr lang="en-MY" dirty="0" err="1"/>
+              <a:t>centered</a:t>
+            </a:r>
+            <a:r>
+              <a:rPr lang="en-MY" dirty="0"/>
+              <a:t> while the image is re-projected based on direction on other landmark point as well. (Compared to MTCNN with 5 points, total re-projection is possible)</a:t>
+            </a:r>
+          </a:p>
+        </p:txBody>
+      </p:sp>
+    </p:spTree>
+    <p:extLst>
+      <p:ext uri="{BB962C8B-B14F-4D97-AF65-F5344CB8AC3E}">
+        <p14:creationId xmlns:p14="http://schemas.microsoft.com/office/powerpoint/2010/main" val="4023547387"/>
+      </p:ext>
+    </p:extLst>
+  </p:cSld>
+  <p:clrMapOvr>
+    <a:masterClrMapping/>
+  </p:clrMapOvr>
+</p:sld>
+</file>
+
+<file path=ppt/slides/slide21.xml><?xml version="1.0" encoding="utf-8"?>
+<p:sld xmlns:a="http://schemas.openxmlformats.org/drawingml/2006/main" xmlns:r="http://schemas.openxmlformats.org/officeDocument/2006/relationships" xmlns:p="http://schemas.openxmlformats.org/presentationml/2006/main">
+  <p:cSld>
+    <p:spTree>
+      <p:nvGrpSpPr>
+        <p:cNvPr id="1" name=""/>
+        <p:cNvGrpSpPr/>
+        <p:nvPr/>
+      </p:nvGrpSpPr>
+      <p:grpSpPr>
+        <a:xfrm>
+          <a:off x="0" y="0"/>
+          <a:ext cx="0" cy="0"/>
+          <a:chOff x="0" y="0"/>
+          <a:chExt cx="0" cy="0"/>
+        </a:xfrm>
+      </p:grpSpPr>
+      <p:sp>
+        <p:nvSpPr>
+          <p:cNvPr id="2" name="Title 1">
+            <a:extLst>
+              <a:ext uri="{FF2B5EF4-FFF2-40B4-BE49-F238E27FC236}">
+                <a16:creationId xmlns:a16="http://schemas.microsoft.com/office/drawing/2014/main" id="{8FAC76E1-CC37-4AA0-A6C8-E9797B4B1B8F}"/>
+              </a:ext>
+            </a:extLst>
+          </p:cNvPr>
+          <p:cNvSpPr>
+            <a:spLocks noGrp="1"/>
+          </p:cNvSpPr>
+          <p:nvPr>
+            <p:ph type="title"/>
+          </p:nvPr>
+        </p:nvSpPr>
+        <p:spPr/>
+        <p:txBody>
+          <a:bodyPr/>
+          <a:lstStyle/>
+          <a:p>
+            <a:r>
+              <a:rPr lang="en-MY" dirty="0"/>
+              <a:t>68 Landmark Points</a:t>
+            </a:r>
+          </a:p>
+        </p:txBody>
+      </p:sp>
+      <p:sp>
+        <p:nvSpPr>
+          <p:cNvPr id="3" name="Content Placeholder 2">
+            <a:extLst>
+              <a:ext uri="{FF2B5EF4-FFF2-40B4-BE49-F238E27FC236}">
+                <a16:creationId xmlns:a16="http://schemas.microsoft.com/office/drawing/2014/main" id="{F8EE2BCC-8656-47B9-A4CC-C30AC22743E6}"/>
+              </a:ext>
+            </a:extLst>
+          </p:cNvPr>
+          <p:cNvSpPr>
+            <a:spLocks noGrp="1"/>
+          </p:cNvSpPr>
+          <p:nvPr>
+            <p:ph idx="1"/>
+          </p:nvPr>
+        </p:nvSpPr>
+        <p:spPr/>
+        <p:txBody>
+          <a:bodyPr/>
+          <a:lstStyle/>
+          <a:p>
+            <a:endParaRPr lang="en-MY"/>
+          </a:p>
+        </p:txBody>
+      </p:sp>
+      <p:pic>
+        <p:nvPicPr>
+          <p:cNvPr id="4" name="Picture 3">
+            <a:extLst>
+              <a:ext uri="{FF2B5EF4-FFF2-40B4-BE49-F238E27FC236}">
+                <a16:creationId xmlns:a16="http://schemas.microsoft.com/office/drawing/2014/main" id="{21D8F908-C648-4E51-9880-66730C972B16}"/>
+              </a:ext>
+            </a:extLst>
+          </p:cNvPr>
+          <p:cNvPicPr>
+            <a:picLocks noChangeAspect="1"/>
+          </p:cNvPicPr>
+          <p:nvPr/>
+        </p:nvPicPr>
+        <p:blipFill>
+          <a:blip r:embed="rId2"/>
+          <a:stretch>
+            <a:fillRect/>
+          </a:stretch>
+        </p:blipFill>
+        <p:spPr>
+          <a:xfrm>
+            <a:off x="3786188" y="1825624"/>
+            <a:ext cx="3916500" cy="3908425"/>
+          </a:xfrm>
+          <a:prstGeom prst="rect">
+            <a:avLst/>
+          </a:prstGeom>
+        </p:spPr>
+      </p:pic>
+    </p:spTree>
+    <p:extLst>
+      <p:ext uri="{BB962C8B-B14F-4D97-AF65-F5344CB8AC3E}">
+        <p14:creationId xmlns:p14="http://schemas.microsoft.com/office/powerpoint/2010/main" val="3124764776"/>
+      </p:ext>
+    </p:extLst>
+  </p:cSld>
+  <p:clrMapOvr>
+    <a:masterClrMapping/>
+  </p:clrMapOvr>
+</p:sld>
+</file>
+
+<file path=ppt/slides/slide22.xml><?xml version="1.0" encoding="utf-8"?>
+<p:sld xmlns:a="http://schemas.openxmlformats.org/drawingml/2006/main" xmlns:r="http://schemas.openxmlformats.org/officeDocument/2006/relationships" xmlns:p="http://schemas.openxmlformats.org/presentationml/2006/main">
+  <p:cSld>
+    <p:spTree>
+      <p:nvGrpSpPr>
+        <p:cNvPr id="1" name=""/>
+        <p:cNvGrpSpPr/>
+        <p:nvPr/>
+      </p:nvGrpSpPr>
+      <p:grpSpPr>
+        <a:xfrm>
+          <a:off x="0" y="0"/>
+          <a:ext cx="0" cy="0"/>
+          <a:chOff x="0" y="0"/>
+          <a:chExt cx="0" cy="0"/>
+        </a:xfrm>
+      </p:grpSpPr>
+      <p:sp>
+        <p:nvSpPr>
+          <p:cNvPr id="2" name="Title 1">
+            <a:extLst>
+              <a:ext uri="{FF2B5EF4-FFF2-40B4-BE49-F238E27FC236}">
+                <a16:creationId xmlns:a16="http://schemas.microsoft.com/office/drawing/2014/main" id="{77AAA0E0-C152-4F14-9B44-B99DBB26B35D}"/>
+              </a:ext>
+            </a:extLst>
+          </p:cNvPr>
+          <p:cNvSpPr>
+            <a:spLocks noGrp="1"/>
+          </p:cNvSpPr>
+          <p:nvPr>
+            <p:ph type="title"/>
+          </p:nvPr>
+        </p:nvSpPr>
+        <p:spPr/>
+        <p:txBody>
+          <a:bodyPr/>
+          <a:lstStyle/>
+          <a:p>
+            <a:r>
+              <a:rPr lang="en-MY" dirty="0" err="1"/>
+              <a:t>Face_recognition</a:t>
+            </a:r>
+            <a:r>
+              <a:rPr lang="en-MY" dirty="0"/>
+              <a:t> face re-projection </a:t>
+            </a:r>
+          </a:p>
+        </p:txBody>
+      </p:sp>
+      <p:sp>
+        <p:nvSpPr>
+          <p:cNvPr id="3" name="Content Placeholder 2">
+            <a:extLst>
+              <a:ext uri="{FF2B5EF4-FFF2-40B4-BE49-F238E27FC236}">
+                <a16:creationId xmlns:a16="http://schemas.microsoft.com/office/drawing/2014/main" id="{CE060B2A-7476-4AEC-8E60-3109DE2E1108}"/>
+              </a:ext>
+            </a:extLst>
+          </p:cNvPr>
+          <p:cNvSpPr>
+            <a:spLocks noGrp="1"/>
+          </p:cNvSpPr>
+          <p:nvPr>
+            <p:ph idx="1"/>
+          </p:nvPr>
+        </p:nvSpPr>
+        <p:spPr/>
+        <p:txBody>
+          <a:bodyPr/>
+          <a:lstStyle/>
+          <a:p>
+            <a:endParaRPr lang="en-MY"/>
+          </a:p>
+        </p:txBody>
+      </p:sp>
+      <p:pic>
+        <p:nvPicPr>
+          <p:cNvPr id="4" name="Picture 3">
+            <a:extLst>
+              <a:ext uri="{FF2B5EF4-FFF2-40B4-BE49-F238E27FC236}">
+                <a16:creationId xmlns:a16="http://schemas.microsoft.com/office/drawing/2014/main" id="{E31C51DA-C55A-4C1E-A137-1F83DB8260CE}"/>
+              </a:ext>
+            </a:extLst>
+          </p:cNvPr>
+          <p:cNvPicPr>
+            <a:picLocks noChangeAspect="1"/>
+          </p:cNvPicPr>
+          <p:nvPr/>
+        </p:nvPicPr>
+        <p:blipFill>
+          <a:blip r:embed="rId2"/>
+          <a:stretch>
+            <a:fillRect/>
+          </a:stretch>
+        </p:blipFill>
+        <p:spPr>
+          <a:xfrm>
+            <a:off x="1938337" y="2276475"/>
+            <a:ext cx="8315325" cy="2305050"/>
+          </a:xfrm>
+          <a:prstGeom prst="rect">
+            <a:avLst/>
+          </a:prstGeom>
+        </p:spPr>
+      </p:pic>
+    </p:spTree>
+    <p:extLst>
+      <p:ext uri="{BB962C8B-B14F-4D97-AF65-F5344CB8AC3E}">
+        <p14:creationId xmlns:p14="http://schemas.microsoft.com/office/powerpoint/2010/main" val="601675662"/>
+      </p:ext>
+    </p:extLst>
+  </p:cSld>
+  <p:clrMapOvr>
+    <a:masterClrMapping/>
+  </p:clrMapOvr>
+</p:sld>
+</file>
+
+<file path=ppt/slides/slide23.xml><?xml version="1.0" encoding="utf-8"?>
+<p:sld xmlns:a="http://schemas.openxmlformats.org/drawingml/2006/main" xmlns:r="http://schemas.openxmlformats.org/officeDocument/2006/relationships" xmlns:p="http://schemas.openxmlformats.org/presentationml/2006/main">
+  <p:cSld>
+    <p:spTree>
+      <p:nvGrpSpPr>
+        <p:cNvPr id="1" name=""/>
+        <p:cNvGrpSpPr/>
+        <p:nvPr/>
+      </p:nvGrpSpPr>
+      <p:grpSpPr>
+        <a:xfrm>
+          <a:off x="0" y="0"/>
+          <a:ext cx="0" cy="0"/>
+          <a:chOff x="0" y="0"/>
+          <a:chExt cx="0" cy="0"/>
+        </a:xfrm>
+      </p:grpSpPr>
+      <p:sp>
+        <p:nvSpPr>
+          <p:cNvPr id="2" name="Title 1">
+            <a:extLst>
+              <a:ext uri="{FF2B5EF4-FFF2-40B4-BE49-F238E27FC236}">
+                <a16:creationId xmlns:a16="http://schemas.microsoft.com/office/drawing/2014/main" id="{4FBC718A-7322-4E69-B0CF-027F40A667CC}"/>
+              </a:ext>
+            </a:extLst>
+          </p:cNvPr>
+          <p:cNvSpPr>
+            <a:spLocks noGrp="1"/>
+          </p:cNvSpPr>
+          <p:nvPr>
+            <p:ph type="title"/>
+          </p:nvPr>
+        </p:nvSpPr>
+        <p:spPr/>
+        <p:txBody>
+          <a:bodyPr/>
+          <a:lstStyle/>
+          <a:p>
+            <a:r>
+              <a:rPr lang="en-MY" dirty="0"/>
+              <a:t>Face encoding</a:t>
+            </a:r>
+          </a:p>
+        </p:txBody>
+      </p:sp>
+      <p:sp>
+        <p:nvSpPr>
+          <p:cNvPr id="3" name="Content Placeholder 2">
+            <a:extLst>
+              <a:ext uri="{FF2B5EF4-FFF2-40B4-BE49-F238E27FC236}">
+                <a16:creationId xmlns:a16="http://schemas.microsoft.com/office/drawing/2014/main" id="{CCFA6A7C-3A39-45F8-9FA3-9539F4978039}"/>
+              </a:ext>
+            </a:extLst>
+          </p:cNvPr>
+          <p:cNvSpPr>
+            <a:spLocks noGrp="1"/>
+          </p:cNvSpPr>
+          <p:nvPr>
+            <p:ph idx="1"/>
+          </p:nvPr>
+        </p:nvSpPr>
+        <p:spPr/>
+        <p:txBody>
+          <a:bodyPr>
+            <a:normAutofit/>
+          </a:bodyPr>
+          <a:lstStyle/>
+          <a:p>
+            <a:r>
+              <a:rPr lang="en-MY" dirty="0"/>
+              <a:t>With DLIB face re-projection, </a:t>
+            </a:r>
+            <a:r>
+              <a:rPr lang="en-MY" dirty="0" err="1"/>
+              <a:t>Ageitgey</a:t>
+            </a:r>
+            <a:r>
+              <a:rPr lang="en-MY" dirty="0"/>
+              <a:t> is able to train a neural network with much less sample size. It defines the input to the network to have correct face alignment.</a:t>
+            </a:r>
+          </a:p>
+          <a:p>
+            <a:r>
+              <a:rPr lang="en-MY" dirty="0" err="1"/>
+              <a:t>Ageitgey’s</a:t>
+            </a:r>
+            <a:r>
+              <a:rPr lang="en-MY" dirty="0"/>
+              <a:t> network is computing triplet loss for error correction.</a:t>
+            </a:r>
+          </a:p>
+          <a:p>
+            <a:r>
+              <a:rPr lang="en-MY" dirty="0"/>
+              <a:t>Triplet loss computation means three images are input to the network at the same time. Though there are three images, all the image are going thru shared layers. (This means all three sub-networks are exactly the same layers with same weight)</a:t>
+            </a:r>
+          </a:p>
+          <a:p>
+            <a:endParaRPr lang="en-MY" dirty="0"/>
+          </a:p>
+        </p:txBody>
+      </p:sp>
+    </p:spTree>
+    <p:extLst>
+      <p:ext uri="{BB962C8B-B14F-4D97-AF65-F5344CB8AC3E}">
+        <p14:creationId xmlns:p14="http://schemas.microsoft.com/office/powerpoint/2010/main" val="1286133953"/>
+      </p:ext>
+    </p:extLst>
+  </p:cSld>
+  <p:clrMapOvr>
+    <a:masterClrMapping/>
+  </p:clrMapOvr>
+</p:sld>
+</file>
+
+<file path=ppt/slides/slide24.xml><?xml version="1.0" encoding="utf-8"?>
+<p:sld xmlns:a="http://schemas.openxmlformats.org/drawingml/2006/main" xmlns:r="http://schemas.openxmlformats.org/officeDocument/2006/relationships" xmlns:p="http://schemas.openxmlformats.org/presentationml/2006/main">
+  <p:cSld>
+    <p:spTree>
+      <p:nvGrpSpPr>
+        <p:cNvPr id="1" name=""/>
+        <p:cNvGrpSpPr/>
+        <p:nvPr/>
+      </p:nvGrpSpPr>
+      <p:grpSpPr>
+        <a:xfrm>
+          <a:off x="0" y="0"/>
+          <a:ext cx="0" cy="0"/>
+          <a:chOff x="0" y="0"/>
+          <a:chExt cx="0" cy="0"/>
+        </a:xfrm>
+      </p:grpSpPr>
+      <p:sp>
+        <p:nvSpPr>
+          <p:cNvPr id="2" name="Title 1">
+            <a:extLst>
+              <a:ext uri="{FF2B5EF4-FFF2-40B4-BE49-F238E27FC236}">
+                <a16:creationId xmlns:a16="http://schemas.microsoft.com/office/drawing/2014/main" id="{3F50A105-7C9A-47FC-A71A-665A5C6A6BAE}"/>
+              </a:ext>
+            </a:extLst>
+          </p:cNvPr>
+          <p:cNvSpPr>
+            <a:spLocks noGrp="1"/>
+          </p:cNvSpPr>
+          <p:nvPr>
+            <p:ph type="title"/>
+          </p:nvPr>
+        </p:nvSpPr>
+        <p:spPr/>
+        <p:txBody>
+          <a:bodyPr/>
+          <a:lstStyle/>
+          <a:p>
+            <a:endParaRPr lang="en-MY"/>
+          </a:p>
+        </p:txBody>
+      </p:sp>
+      <p:sp>
+        <p:nvSpPr>
+          <p:cNvPr id="3" name="Content Placeholder 2">
+            <a:extLst>
+              <a:ext uri="{FF2B5EF4-FFF2-40B4-BE49-F238E27FC236}">
+                <a16:creationId xmlns:a16="http://schemas.microsoft.com/office/drawing/2014/main" id="{BC9670EF-097D-4156-92AB-06E4C363C257}"/>
+              </a:ext>
+            </a:extLst>
+          </p:cNvPr>
+          <p:cNvSpPr>
+            <a:spLocks noGrp="1"/>
+          </p:cNvSpPr>
+          <p:nvPr>
+            <p:ph idx="1"/>
+          </p:nvPr>
+        </p:nvSpPr>
+        <p:spPr/>
+        <p:txBody>
+          <a:bodyPr/>
+          <a:lstStyle/>
+          <a:p>
+            <a:endParaRPr lang="en-MY"/>
+          </a:p>
+        </p:txBody>
+      </p:sp>
+      <p:pic>
+        <p:nvPicPr>
+          <p:cNvPr id="4" name="Picture 3">
+            <a:extLst>
+              <a:ext uri="{FF2B5EF4-FFF2-40B4-BE49-F238E27FC236}">
+                <a16:creationId xmlns:a16="http://schemas.microsoft.com/office/drawing/2014/main" id="{CBDE5F50-1CAB-4E5B-9993-2383CEA6CFE8}"/>
+              </a:ext>
+            </a:extLst>
+          </p:cNvPr>
+          <p:cNvPicPr>
+            <a:picLocks noChangeAspect="1"/>
+          </p:cNvPicPr>
+          <p:nvPr/>
+        </p:nvPicPr>
+        <p:blipFill>
+          <a:blip r:embed="rId2"/>
+          <a:stretch>
+            <a:fillRect/>
+          </a:stretch>
+        </p:blipFill>
+        <p:spPr>
+          <a:xfrm>
+            <a:off x="2281237" y="895350"/>
+            <a:ext cx="7629525" cy="5067300"/>
+          </a:xfrm>
+          <a:prstGeom prst="rect">
+            <a:avLst/>
+          </a:prstGeom>
+        </p:spPr>
+      </p:pic>
+    </p:spTree>
+    <p:extLst>
+      <p:ext uri="{BB962C8B-B14F-4D97-AF65-F5344CB8AC3E}">
+        <p14:creationId xmlns:p14="http://schemas.microsoft.com/office/powerpoint/2010/main" val="1386675810"/>
+      </p:ext>
+    </p:extLst>
+  </p:cSld>
+  <p:clrMapOvr>
+    <a:masterClrMapping/>
+  </p:clrMapOvr>
+</p:sld>
+</file>
+
+<file path=ppt/slides/slide25.xml><?xml version="1.0" encoding="utf-8"?>
+<p:sld xmlns:a="http://schemas.openxmlformats.org/drawingml/2006/main" xmlns:r="http://schemas.openxmlformats.org/officeDocument/2006/relationships" xmlns:p="http://schemas.openxmlformats.org/presentationml/2006/main">
+  <p:cSld>
+    <p:spTree>
+      <p:nvGrpSpPr>
+        <p:cNvPr id="1" name=""/>
+        <p:cNvGrpSpPr/>
+        <p:nvPr/>
+      </p:nvGrpSpPr>
+      <p:grpSpPr>
+        <a:xfrm>
+          <a:off x="0" y="0"/>
+          <a:ext cx="0" cy="0"/>
+          <a:chOff x="0" y="0"/>
+          <a:chExt cx="0" cy="0"/>
+        </a:xfrm>
+      </p:grpSpPr>
+      <p:sp>
+        <p:nvSpPr>
+          <p:cNvPr id="2" name="Title 1">
+            <a:extLst>
+              <a:ext uri="{FF2B5EF4-FFF2-40B4-BE49-F238E27FC236}">
+                <a16:creationId xmlns:a16="http://schemas.microsoft.com/office/drawing/2014/main" id="{4FBC718A-7322-4E69-B0CF-027F40A667CC}"/>
+              </a:ext>
+            </a:extLst>
+          </p:cNvPr>
+          <p:cNvSpPr>
+            <a:spLocks noGrp="1"/>
+          </p:cNvSpPr>
+          <p:nvPr>
+            <p:ph type="title"/>
+          </p:nvPr>
+        </p:nvSpPr>
+        <p:spPr/>
+        <p:txBody>
+          <a:bodyPr/>
+          <a:lstStyle/>
+          <a:p>
+            <a:r>
+              <a:rPr lang="en-MY" dirty="0"/>
+              <a:t>Face encoding</a:t>
+            </a:r>
+          </a:p>
+        </p:txBody>
+      </p:sp>
+      <p:sp>
+        <p:nvSpPr>
+          <p:cNvPr id="3" name="Content Placeholder 2">
+            <a:extLst>
+              <a:ext uri="{FF2B5EF4-FFF2-40B4-BE49-F238E27FC236}">
+                <a16:creationId xmlns:a16="http://schemas.microsoft.com/office/drawing/2014/main" id="{CCFA6A7C-3A39-45F8-9FA3-9539F4978039}"/>
+              </a:ext>
+            </a:extLst>
+          </p:cNvPr>
+          <p:cNvSpPr>
+            <a:spLocks noGrp="1"/>
+          </p:cNvSpPr>
+          <p:nvPr>
+            <p:ph idx="1"/>
+          </p:nvPr>
+        </p:nvSpPr>
+        <p:spPr/>
+        <p:txBody>
+          <a:bodyPr>
+            <a:normAutofit/>
+          </a:bodyPr>
+          <a:lstStyle/>
+          <a:p>
+            <a:r>
+              <a:rPr lang="en-US" dirty="0"/>
+              <a:t>The 3 images are a training face image of a known person, another picture of the same known person and a picture of a totally different person.</a:t>
+            </a:r>
+          </a:p>
+          <a:p>
+            <a:r>
+              <a:rPr lang="en-MY" dirty="0"/>
+              <a:t>With this combination, weight in between similar faces are closer while the weight in between different face are further. </a:t>
+            </a:r>
+          </a:p>
+          <a:p>
+            <a:r>
+              <a:rPr lang="en-MY" dirty="0"/>
+              <a:t>This applies to all 128-bit that represent 128 measurements made at the face features.</a:t>
+            </a:r>
+          </a:p>
+          <a:p>
+            <a:r>
+              <a:rPr lang="en-MY" dirty="0"/>
+              <a:t>With pre-trained weights from </a:t>
+            </a:r>
+            <a:r>
+              <a:rPr lang="en-MY" dirty="0" err="1"/>
+              <a:t>face_recognition</a:t>
+            </a:r>
+            <a:r>
+              <a:rPr lang="en-MY" dirty="0"/>
+              <a:t> python library, the </a:t>
+            </a:r>
+            <a:r>
+              <a:rPr lang="en-MY" dirty="0" err="1"/>
+              <a:t>face_recognition</a:t>
+            </a:r>
+            <a:r>
+              <a:rPr lang="en-MY" dirty="0"/>
+              <a:t> can be used with up to 98% accuracy at application time.</a:t>
+            </a:r>
+          </a:p>
+        </p:txBody>
+      </p:sp>
+    </p:spTree>
+    <p:extLst>
+      <p:ext uri="{BB962C8B-B14F-4D97-AF65-F5344CB8AC3E}">
+        <p14:creationId xmlns:p14="http://schemas.microsoft.com/office/powerpoint/2010/main" val="855322113"/>
+      </p:ext>
+    </p:extLst>
+  </p:cSld>
+  <p:clrMapOvr>
+    <a:masterClrMapping/>
+  </p:clrMapOvr>
+</p:sld>
+</file>
+
+<file path=ppt/slides/slide26.xml><?xml version="1.0" encoding="utf-8"?>
+<p:sld xmlns:a="http://schemas.openxmlformats.org/drawingml/2006/main" xmlns:r="http://schemas.openxmlformats.org/officeDocument/2006/relationships" xmlns:p="http://schemas.openxmlformats.org/presentationml/2006/main">
+  <p:cSld>
+    <p:spTree>
+      <p:nvGrpSpPr>
+        <p:cNvPr id="1" name=""/>
+        <p:cNvGrpSpPr/>
+        <p:nvPr/>
+      </p:nvGrpSpPr>
+      <p:grpSpPr>
+        <a:xfrm>
+          <a:off x="0" y="0"/>
+          <a:ext cx="0" cy="0"/>
+          <a:chOff x="0" y="0"/>
+          <a:chExt cx="0" cy="0"/>
+        </a:xfrm>
+      </p:grpSpPr>
+      <p:sp>
+        <p:nvSpPr>
+          <p:cNvPr id="2" name="Title 1">
+            <a:extLst>
+              <a:ext uri="{FF2B5EF4-FFF2-40B4-BE49-F238E27FC236}">
+                <a16:creationId xmlns:a16="http://schemas.microsoft.com/office/drawing/2014/main" id="{1211CCA0-44CD-4EBF-A628-30C713251A71}"/>
+              </a:ext>
+            </a:extLst>
+          </p:cNvPr>
+          <p:cNvSpPr>
+            <a:spLocks noGrp="1"/>
+          </p:cNvSpPr>
+          <p:nvPr>
+            <p:ph type="title"/>
+          </p:nvPr>
+        </p:nvSpPr>
+        <p:spPr/>
+        <p:txBody>
+          <a:bodyPr/>
+          <a:lstStyle/>
+          <a:p>
+            <a:endParaRPr lang="en-MY"/>
+          </a:p>
+        </p:txBody>
+      </p:sp>
+      <p:sp>
+        <p:nvSpPr>
+          <p:cNvPr id="3" name="Content Placeholder 2">
+            <a:extLst>
+              <a:ext uri="{FF2B5EF4-FFF2-40B4-BE49-F238E27FC236}">
+                <a16:creationId xmlns:a16="http://schemas.microsoft.com/office/drawing/2014/main" id="{0833966E-6476-4C2C-972F-A2B553195DE8}"/>
+              </a:ext>
+            </a:extLst>
+          </p:cNvPr>
+          <p:cNvSpPr>
+            <a:spLocks noGrp="1"/>
+          </p:cNvSpPr>
+          <p:nvPr>
+            <p:ph idx="1"/>
+          </p:nvPr>
+        </p:nvSpPr>
+        <p:spPr/>
+        <p:txBody>
+          <a:bodyPr/>
+          <a:lstStyle/>
+          <a:p>
+            <a:endParaRPr lang="en-MY"/>
+          </a:p>
+        </p:txBody>
+      </p:sp>
+      <p:pic>
+        <p:nvPicPr>
+          <p:cNvPr id="4" name="Picture 3">
+            <a:extLst>
+              <a:ext uri="{FF2B5EF4-FFF2-40B4-BE49-F238E27FC236}">
+                <a16:creationId xmlns:a16="http://schemas.microsoft.com/office/drawing/2014/main" id="{13616FD4-BA3B-49FB-8398-889CB927EBA3}"/>
+              </a:ext>
+            </a:extLst>
+          </p:cNvPr>
+          <p:cNvPicPr>
+            <a:picLocks noChangeAspect="1"/>
+          </p:cNvPicPr>
+          <p:nvPr/>
+        </p:nvPicPr>
+        <p:blipFill>
+          <a:blip r:embed="rId2"/>
+          <a:stretch>
+            <a:fillRect/>
+          </a:stretch>
+        </p:blipFill>
+        <p:spPr>
+          <a:xfrm>
+            <a:off x="1536515" y="779499"/>
+            <a:ext cx="8353425" cy="6000750"/>
+          </a:xfrm>
+          <a:prstGeom prst="rect">
+            <a:avLst/>
+          </a:prstGeom>
+        </p:spPr>
+      </p:pic>
+    </p:spTree>
+    <p:extLst>
+      <p:ext uri="{BB962C8B-B14F-4D97-AF65-F5344CB8AC3E}">
+        <p14:creationId xmlns:p14="http://schemas.microsoft.com/office/powerpoint/2010/main" val="2702622566"/>
+      </p:ext>
+    </p:extLst>
+  </p:cSld>
+  <p:clrMapOvr>
+    <a:masterClrMapping/>
+  </p:clrMapOvr>
+</p:sld>
+</file>
+
+<file path=ppt/slides/slide27.xml><?xml version="1.0" encoding="utf-8"?>
+<p:sld xmlns:a="http://schemas.openxmlformats.org/drawingml/2006/main" xmlns:r="http://schemas.openxmlformats.org/officeDocument/2006/relationships" xmlns:p="http://schemas.openxmlformats.org/presentationml/2006/main" show="0">
+  <p:cSld>
+    <p:spTree>
+      <p:nvGrpSpPr>
+        <p:cNvPr id="1" name=""/>
+        <p:cNvGrpSpPr/>
+        <p:nvPr/>
+      </p:nvGrpSpPr>
+      <p:grpSpPr>
+        <a:xfrm>
+          <a:off x="0" y="0"/>
+          <a:ext cx="0" cy="0"/>
+          <a:chOff x="0" y="0"/>
+          <a:chExt cx="0" cy="0"/>
+        </a:xfrm>
+      </p:grpSpPr>
+      <p:sp>
+        <p:nvSpPr>
+          <p:cNvPr id="2" name="Title 1">
+            <a:extLst>
+              <a:ext uri="{FF2B5EF4-FFF2-40B4-BE49-F238E27FC236}">
+                <a16:creationId xmlns:a16="http://schemas.microsoft.com/office/drawing/2014/main" id="{6F9D0646-CB18-4DF3-9DC6-3E48B6B2282E}"/>
+              </a:ext>
+            </a:extLst>
+          </p:cNvPr>
+          <p:cNvSpPr>
+            <a:spLocks noGrp="1"/>
+          </p:cNvSpPr>
+          <p:nvPr>
+            <p:ph type="title"/>
+          </p:nvPr>
+        </p:nvSpPr>
+        <p:spPr/>
+        <p:txBody>
+          <a:bodyPr/>
+          <a:lstStyle/>
+          <a:p>
+            <a:r>
+              <a:rPr lang="en-US" dirty="0" err="1"/>
+              <a:t>Facenet</a:t>
+            </a:r>
+            <a:r>
+              <a:rPr lang="en-US" dirty="0"/>
+              <a:t> – Face Encoding</a:t>
+            </a:r>
+          </a:p>
+        </p:txBody>
+      </p:sp>
+      <p:sp>
+        <p:nvSpPr>
+          <p:cNvPr id="3" name="Content Placeholder 2">
+            <a:extLst>
+              <a:ext uri="{FF2B5EF4-FFF2-40B4-BE49-F238E27FC236}">
+                <a16:creationId xmlns:a16="http://schemas.microsoft.com/office/drawing/2014/main" id="{0389A154-C597-4F89-A18F-B11AD646A257}"/>
+              </a:ext>
+            </a:extLst>
+          </p:cNvPr>
+          <p:cNvSpPr>
+            <a:spLocks noGrp="1"/>
+          </p:cNvSpPr>
+          <p:nvPr>
+            <p:ph idx="1"/>
+          </p:nvPr>
+        </p:nvSpPr>
+        <p:spPr/>
+        <p:txBody>
+          <a:bodyPr>
+            <a:normAutofit/>
+          </a:bodyPr>
+          <a:lstStyle/>
+          <a:p>
+            <a:r>
+              <a:rPr lang="en-US" dirty="0" err="1"/>
+              <a:t>Facenet</a:t>
+            </a:r>
+            <a:r>
+              <a:rPr lang="en-US" dirty="0"/>
+              <a:t> [3] is a deep neural network which encode the image into 128 byte code.</a:t>
+            </a:r>
+          </a:p>
+          <a:p>
+            <a:r>
+              <a:rPr lang="en-US" dirty="0" err="1"/>
+              <a:t>Facenet</a:t>
+            </a:r>
+            <a:r>
+              <a:rPr lang="en-US" dirty="0"/>
+              <a:t> weights are pre-trained based on ~50 million faces.</a:t>
+            </a:r>
+          </a:p>
+          <a:p>
+            <a:r>
+              <a:rPr lang="en-US" dirty="0"/>
+              <a:t>Hence, </a:t>
+            </a:r>
+            <a:r>
+              <a:rPr lang="en-US" dirty="0" err="1"/>
+              <a:t>Facenet</a:t>
+            </a:r>
+            <a:r>
+              <a:rPr lang="en-US" dirty="0"/>
+              <a:t> is used to encode images into 128 byte code in this project based on the pretrained network weights.</a:t>
+            </a:r>
+          </a:p>
+          <a:p>
+            <a:r>
+              <a:rPr lang="en-US" dirty="0"/>
+              <a:t>Training of 50 million faces requires long training time. Application of </a:t>
+            </a:r>
+            <a:r>
+              <a:rPr lang="en-US" dirty="0" err="1"/>
+              <a:t>Facenet</a:t>
+            </a:r>
+            <a:r>
+              <a:rPr lang="en-US" dirty="0"/>
+              <a:t> saves the training time while allow the faces to be encoded without accessing to massive dataset.</a:t>
+            </a:r>
+          </a:p>
+          <a:p>
+            <a:pPr marL="0" indent="0">
+              <a:buNone/>
+            </a:pPr>
+            <a:endParaRPr lang="en-US" dirty="0"/>
+          </a:p>
+        </p:txBody>
+      </p:sp>
+    </p:spTree>
+    <p:extLst>
+      <p:ext uri="{BB962C8B-B14F-4D97-AF65-F5344CB8AC3E}">
+        <p14:creationId xmlns:p14="http://schemas.microsoft.com/office/powerpoint/2010/main" val="3643608619"/>
+      </p:ext>
+    </p:extLst>
+  </p:cSld>
+  <p:clrMapOvr>
+    <a:masterClrMapping/>
+  </p:clrMapOvr>
+</p:sld>
+</file>
+
+<file path=ppt/slides/slide28.xml><?xml version="1.0" encoding="utf-8"?>
+<p:sld xmlns:a="http://schemas.openxmlformats.org/drawingml/2006/main" xmlns:r="http://schemas.openxmlformats.org/officeDocument/2006/relationships" xmlns:p="http://schemas.openxmlformats.org/presentationml/2006/main" show="0">
+  <p:cSld>
+    <p:spTree>
+      <p:nvGrpSpPr>
+        <p:cNvPr id="1" name=""/>
+        <p:cNvGrpSpPr/>
+        <p:nvPr/>
+      </p:nvGrpSpPr>
+      <p:grpSpPr>
+        <a:xfrm>
+          <a:off x="0" y="0"/>
+          <a:ext cx="0" cy="0"/>
+          <a:chOff x="0" y="0"/>
+          <a:chExt cx="0" cy="0"/>
+        </a:xfrm>
+      </p:grpSpPr>
+      <p:sp>
+        <p:nvSpPr>
+          <p:cNvPr id="2" name="Title 1">
+            <a:extLst>
+              <a:ext uri="{FF2B5EF4-FFF2-40B4-BE49-F238E27FC236}">
                 <a16:creationId xmlns:a16="http://schemas.microsoft.com/office/drawing/2014/main" id="{92FB4791-636F-43AD-AD95-36F0B751D6AA}"/>
               </a:ext>
             </a:extLst>
@@ -5634,8 +7249,8 @@
 </p:sld>
 </file>
 
-<file path=ppt/slides/slide18.xml><?xml version="1.0" encoding="utf-8"?>
-<p:sld xmlns:a="http://schemas.openxmlformats.org/drawingml/2006/main" xmlns:r="http://schemas.openxmlformats.org/officeDocument/2006/relationships" xmlns:p="http://schemas.openxmlformats.org/presentationml/2006/main">
+<file path=ppt/slides/slide29.xml><?xml version="1.0" encoding="utf-8"?>
+<p:sld xmlns:a="http://schemas.openxmlformats.org/drawingml/2006/main" xmlns:r="http://schemas.openxmlformats.org/officeDocument/2006/relationships" xmlns:p="http://schemas.openxmlformats.org/presentationml/2006/main" show="0">
   <p:cSld>
     <p:spTree>
       <p:nvGrpSpPr>
@@ -5694,834 +7309,6 @@
 </p:sld>
 </file>
 
-<file path=ppt/slides/slide19.xml><?xml version="1.0" encoding="utf-8"?>
-<p:sld xmlns:a="http://schemas.openxmlformats.org/drawingml/2006/main" xmlns:r="http://schemas.openxmlformats.org/officeDocument/2006/relationships" xmlns:p="http://schemas.openxmlformats.org/presentationml/2006/main">
-  <p:cSld>
-    <p:spTree>
-      <p:nvGrpSpPr>
-        <p:cNvPr id="1" name=""/>
-        <p:cNvGrpSpPr/>
-        <p:nvPr/>
-      </p:nvGrpSpPr>
-      <p:grpSpPr>
-        <a:xfrm>
-          <a:off x="0" y="0"/>
-          <a:ext cx="0" cy="0"/>
-          <a:chOff x="0" y="0"/>
-          <a:chExt cx="0" cy="0"/>
-        </a:xfrm>
-      </p:grpSpPr>
-      <p:sp>
-        <p:nvSpPr>
-          <p:cNvPr id="2" name="Title 1">
-            <a:extLst>
-              <a:ext uri="{FF2B5EF4-FFF2-40B4-BE49-F238E27FC236}">
-                <a16:creationId xmlns:a16="http://schemas.microsoft.com/office/drawing/2014/main" id="{6F9D0646-CB18-4DF3-9DC6-3E48B6B2282E}"/>
-              </a:ext>
-            </a:extLst>
-          </p:cNvPr>
-          <p:cNvSpPr>
-            <a:spLocks noGrp="1"/>
-          </p:cNvSpPr>
-          <p:nvPr>
-            <p:ph type="title"/>
-          </p:nvPr>
-        </p:nvSpPr>
-        <p:spPr/>
-        <p:txBody>
-          <a:bodyPr/>
-          <a:lstStyle/>
-          <a:p>
-            <a:r>
-              <a:rPr lang="en-US" dirty="0"/>
-              <a:t>Face Recognition Model</a:t>
-            </a:r>
-          </a:p>
-        </p:txBody>
-      </p:sp>
-      <p:sp>
-        <p:nvSpPr>
-          <p:cNvPr id="3" name="Content Placeholder 2">
-            <a:extLst>
-              <a:ext uri="{FF2B5EF4-FFF2-40B4-BE49-F238E27FC236}">
-                <a16:creationId xmlns:a16="http://schemas.microsoft.com/office/drawing/2014/main" id="{0389A154-C597-4F89-A18F-B11AD646A257}"/>
-              </a:ext>
-            </a:extLst>
-          </p:cNvPr>
-          <p:cNvSpPr>
-            <a:spLocks noGrp="1"/>
-          </p:cNvSpPr>
-          <p:nvPr>
-            <p:ph idx="1"/>
-          </p:nvPr>
-        </p:nvSpPr>
-        <p:spPr/>
-        <p:txBody>
-          <a:bodyPr>
-            <a:normAutofit lnSpcReduction="10000"/>
-          </a:bodyPr>
-          <a:lstStyle/>
-          <a:p>
-            <a:r>
-              <a:rPr lang="en-US" dirty="0"/>
-              <a:t>4 Targeted faces and 11 non-targeted faces are pre-processed using MTCNN (Background removal), augmented and resized into 160,160.</a:t>
-            </a:r>
-          </a:p>
-          <a:p>
-            <a:r>
-              <a:rPr lang="en-US" dirty="0"/>
-              <a:t>As a result, ~10000 images are input into pre-trained </a:t>
-            </a:r>
-            <a:r>
-              <a:rPr lang="en-US" dirty="0" err="1"/>
-              <a:t>Facenet</a:t>
-            </a:r>
-            <a:r>
-              <a:rPr lang="en-US" dirty="0"/>
-              <a:t>.</a:t>
-            </a:r>
-          </a:p>
-          <a:p>
-            <a:r>
-              <a:rPr lang="en-US" dirty="0"/>
-              <a:t>With the 128-byte code, it is now a smaller dataset which enables Classifier models to be trained for the final image recognition.</a:t>
-            </a:r>
-          </a:p>
-          <a:p>
-            <a:r>
-              <a:rPr lang="en-US" dirty="0"/>
-              <a:t>In this project, the objective is to recognize multiple (4) faces. Though </a:t>
-            </a:r>
-            <a:r>
-              <a:rPr lang="en-US" dirty="0" err="1"/>
-              <a:t>Facenet</a:t>
-            </a:r>
-            <a:r>
-              <a:rPr lang="en-US" dirty="0"/>
-              <a:t> helps to encode the image, it does not serves as final classifier.</a:t>
-            </a:r>
-          </a:p>
-          <a:p>
-            <a:r>
-              <a:rPr lang="en-US" dirty="0"/>
-              <a:t>Hence, a classifier with 128-byte code as input will have 4 binary/categorical output.</a:t>
-            </a:r>
-          </a:p>
-        </p:txBody>
-      </p:sp>
-    </p:spTree>
-    <p:extLst>
-      <p:ext uri="{BB962C8B-B14F-4D97-AF65-F5344CB8AC3E}">
-        <p14:creationId xmlns:p14="http://schemas.microsoft.com/office/powerpoint/2010/main" val="2191944407"/>
-      </p:ext>
-    </p:extLst>
-  </p:cSld>
-  <p:clrMapOvr>
-    <a:masterClrMapping/>
-  </p:clrMapOvr>
-</p:sld>
-</file>
-
-<file path=ppt/slides/slide2.xml><?xml version="1.0" encoding="utf-8"?>
-<p:sld xmlns:a="http://schemas.openxmlformats.org/drawingml/2006/main" xmlns:r="http://schemas.openxmlformats.org/officeDocument/2006/relationships" xmlns:p="http://schemas.openxmlformats.org/presentationml/2006/main">
-  <p:cSld>
-    <p:spTree>
-      <p:nvGrpSpPr>
-        <p:cNvPr id="1" name=""/>
-        <p:cNvGrpSpPr/>
-        <p:nvPr/>
-      </p:nvGrpSpPr>
-      <p:grpSpPr>
-        <a:xfrm>
-          <a:off x="0" y="0"/>
-          <a:ext cx="0" cy="0"/>
-          <a:chOff x="0" y="0"/>
-          <a:chExt cx="0" cy="0"/>
-        </a:xfrm>
-      </p:grpSpPr>
-      <p:sp>
-        <p:nvSpPr>
-          <p:cNvPr id="2" name="Title 1">
-            <a:extLst>
-              <a:ext uri="{FF2B5EF4-FFF2-40B4-BE49-F238E27FC236}">
-                <a16:creationId xmlns:a16="http://schemas.microsoft.com/office/drawing/2014/main" id="{5374AD71-28BF-448B-849E-5419F135DB56}"/>
-              </a:ext>
-            </a:extLst>
-          </p:cNvPr>
-          <p:cNvSpPr>
-            <a:spLocks noGrp="1"/>
-          </p:cNvSpPr>
-          <p:nvPr>
-            <p:ph type="title"/>
-          </p:nvPr>
-        </p:nvSpPr>
-        <p:spPr/>
-        <p:txBody>
-          <a:bodyPr/>
-          <a:lstStyle/>
-          <a:p>
-            <a:r>
-              <a:rPr lang="en-US" dirty="0"/>
-              <a:t>Background</a:t>
-            </a:r>
-          </a:p>
-        </p:txBody>
-      </p:sp>
-      <p:sp>
-        <p:nvSpPr>
-          <p:cNvPr id="3" name="Content Placeholder 2">
-            <a:extLst>
-              <a:ext uri="{FF2B5EF4-FFF2-40B4-BE49-F238E27FC236}">
-                <a16:creationId xmlns:a16="http://schemas.microsoft.com/office/drawing/2014/main" id="{452C3396-92D0-4A35-843D-1F643DAA86C6}"/>
-              </a:ext>
-            </a:extLst>
-          </p:cNvPr>
-          <p:cNvSpPr>
-            <a:spLocks noGrp="1"/>
-          </p:cNvSpPr>
-          <p:nvPr>
-            <p:ph idx="1"/>
-          </p:nvPr>
-        </p:nvSpPr>
-        <p:spPr/>
-        <p:txBody>
-          <a:bodyPr/>
-          <a:lstStyle/>
-          <a:p>
-            <a:r>
-              <a:rPr lang="en-US" dirty="0"/>
-              <a:t>This is part of the demo of IoT. </a:t>
-            </a:r>
-          </a:p>
-          <a:p>
-            <a:r>
-              <a:rPr lang="en-US" dirty="0"/>
-              <a:t>Face recognition can be done locally at the mini server at the vicinity of sensor before transferring back to the main server/processor.</a:t>
-            </a:r>
-          </a:p>
-          <a:p>
-            <a:r>
-              <a:rPr lang="en-US" dirty="0"/>
-              <a:t>Hence, this project is aimed to perform face recognition at the local mini server.</a:t>
-            </a:r>
-          </a:p>
-        </p:txBody>
-      </p:sp>
-    </p:spTree>
-    <p:extLst>
-      <p:ext uri="{BB962C8B-B14F-4D97-AF65-F5344CB8AC3E}">
-        <p14:creationId xmlns:p14="http://schemas.microsoft.com/office/powerpoint/2010/main" val="3094315858"/>
-      </p:ext>
-    </p:extLst>
-  </p:cSld>
-  <p:clrMapOvr>
-    <a:masterClrMapping/>
-  </p:clrMapOvr>
-</p:sld>
-</file>
-
-<file path=ppt/slides/slide20.xml><?xml version="1.0" encoding="utf-8"?>
-<p:sld xmlns:a="http://schemas.openxmlformats.org/drawingml/2006/main" xmlns:r="http://schemas.openxmlformats.org/officeDocument/2006/relationships" xmlns:p="http://schemas.openxmlformats.org/presentationml/2006/main">
-  <p:cSld>
-    <p:spTree>
-      <p:nvGrpSpPr>
-        <p:cNvPr id="1" name=""/>
-        <p:cNvGrpSpPr/>
-        <p:nvPr/>
-      </p:nvGrpSpPr>
-      <p:grpSpPr>
-        <a:xfrm>
-          <a:off x="0" y="0"/>
-          <a:ext cx="0" cy="0"/>
-          <a:chOff x="0" y="0"/>
-          <a:chExt cx="0" cy="0"/>
-        </a:xfrm>
-      </p:grpSpPr>
-      <p:sp>
-        <p:nvSpPr>
-          <p:cNvPr id="2" name="Title 1">
-            <a:extLst>
-              <a:ext uri="{FF2B5EF4-FFF2-40B4-BE49-F238E27FC236}">
-                <a16:creationId xmlns:a16="http://schemas.microsoft.com/office/drawing/2014/main" id="{9637F0F6-930F-44E0-BB44-B5544F1B9C21}"/>
-              </a:ext>
-            </a:extLst>
-          </p:cNvPr>
-          <p:cNvSpPr>
-            <a:spLocks noGrp="1"/>
-          </p:cNvSpPr>
-          <p:nvPr>
-            <p:ph type="title"/>
-          </p:nvPr>
-        </p:nvSpPr>
-        <p:spPr/>
-        <p:txBody>
-          <a:bodyPr/>
-          <a:lstStyle/>
-          <a:p>
-            <a:r>
-              <a:rPr lang="en-US" dirty="0"/>
-              <a:t>KNN</a:t>
-            </a:r>
-          </a:p>
-        </p:txBody>
-      </p:sp>
-      <p:sp>
-        <p:nvSpPr>
-          <p:cNvPr id="3" name="Content Placeholder 2">
-            <a:extLst>
-              <a:ext uri="{FF2B5EF4-FFF2-40B4-BE49-F238E27FC236}">
-                <a16:creationId xmlns:a16="http://schemas.microsoft.com/office/drawing/2014/main" id="{FAE0B09F-0E44-486F-8656-354B6A54F174}"/>
-              </a:ext>
-            </a:extLst>
-          </p:cNvPr>
-          <p:cNvSpPr>
-            <a:spLocks noGrp="1"/>
-          </p:cNvSpPr>
-          <p:nvPr>
-            <p:ph idx="1"/>
-          </p:nvPr>
-        </p:nvSpPr>
-        <p:spPr/>
-        <p:txBody>
-          <a:bodyPr/>
-          <a:lstStyle/>
-          <a:p>
-            <a:r>
-              <a:rPr lang="en-US" dirty="0"/>
-              <a:t>KNN is suitable for face recognition. </a:t>
-            </a:r>
-          </a:p>
-          <a:p>
-            <a:r>
-              <a:rPr lang="en-US" dirty="0"/>
-              <a:t>Cosine distance in between 128-byte code generated from two images (thru </a:t>
-            </a:r>
-            <a:r>
-              <a:rPr lang="en-US" dirty="0" err="1"/>
-              <a:t>Facenet</a:t>
-            </a:r>
-            <a:r>
-              <a:rPr lang="en-US" dirty="0"/>
-              <a:t>) is a good indicator of image similarity.</a:t>
-            </a:r>
-          </a:p>
-          <a:p>
-            <a:r>
-              <a:rPr lang="en-US" dirty="0"/>
-              <a:t>KNN can use the cosine distance when defining the nearest neighbor.</a:t>
-            </a:r>
-          </a:p>
-          <a:p>
-            <a:r>
-              <a:rPr lang="en-US" dirty="0"/>
-              <a:t>As a result, the accuracy can reach 95-97% in the dataset with number of neighbor set to 5.</a:t>
-            </a:r>
-          </a:p>
-        </p:txBody>
-      </p:sp>
-    </p:spTree>
-    <p:extLst>
-      <p:ext uri="{BB962C8B-B14F-4D97-AF65-F5344CB8AC3E}">
-        <p14:creationId xmlns:p14="http://schemas.microsoft.com/office/powerpoint/2010/main" val="1027369120"/>
-      </p:ext>
-    </p:extLst>
-  </p:cSld>
-  <p:clrMapOvr>
-    <a:masterClrMapping/>
-  </p:clrMapOvr>
-</p:sld>
-</file>
-
-<file path=ppt/slides/slide21.xml><?xml version="1.0" encoding="utf-8"?>
-<p:sld xmlns:a="http://schemas.openxmlformats.org/drawingml/2006/main" xmlns:r="http://schemas.openxmlformats.org/officeDocument/2006/relationships" xmlns:p="http://schemas.openxmlformats.org/presentationml/2006/main">
-  <p:cSld>
-    <p:spTree>
-      <p:nvGrpSpPr>
-        <p:cNvPr id="1" name=""/>
-        <p:cNvGrpSpPr/>
-        <p:nvPr/>
-      </p:nvGrpSpPr>
-      <p:grpSpPr>
-        <a:xfrm>
-          <a:off x="0" y="0"/>
-          <a:ext cx="0" cy="0"/>
-          <a:chOff x="0" y="0"/>
-          <a:chExt cx="0" cy="0"/>
-        </a:xfrm>
-      </p:grpSpPr>
-      <p:sp>
-        <p:nvSpPr>
-          <p:cNvPr id="2" name="Title 1">
-            <a:extLst>
-              <a:ext uri="{FF2B5EF4-FFF2-40B4-BE49-F238E27FC236}">
-                <a16:creationId xmlns:a16="http://schemas.microsoft.com/office/drawing/2014/main" id="{76114761-3B73-4241-9CE3-DAA4A5854FEE}"/>
-              </a:ext>
-            </a:extLst>
-          </p:cNvPr>
-          <p:cNvSpPr>
-            <a:spLocks noGrp="1"/>
-          </p:cNvSpPr>
-          <p:nvPr>
-            <p:ph type="title"/>
-          </p:nvPr>
-        </p:nvSpPr>
-        <p:spPr/>
-        <p:txBody>
-          <a:bodyPr/>
-          <a:lstStyle/>
-          <a:p>
-            <a:r>
-              <a:rPr lang="en-US" dirty="0"/>
-              <a:t>SVM</a:t>
-            </a:r>
-          </a:p>
-        </p:txBody>
-      </p:sp>
-      <p:sp>
-        <p:nvSpPr>
-          <p:cNvPr id="3" name="Content Placeholder 2">
-            <a:extLst>
-              <a:ext uri="{FF2B5EF4-FFF2-40B4-BE49-F238E27FC236}">
-                <a16:creationId xmlns:a16="http://schemas.microsoft.com/office/drawing/2014/main" id="{B01C36C7-CE82-430D-9F40-55FF0B9C2B3A}"/>
-              </a:ext>
-            </a:extLst>
-          </p:cNvPr>
-          <p:cNvSpPr>
-            <a:spLocks noGrp="1"/>
-          </p:cNvSpPr>
-          <p:nvPr>
-            <p:ph idx="1"/>
-          </p:nvPr>
-        </p:nvSpPr>
-        <p:spPr/>
-        <p:txBody>
-          <a:bodyPr/>
-          <a:lstStyle/>
-          <a:p>
-            <a:r>
-              <a:rPr lang="en-US" dirty="0"/>
-              <a:t>SVM is also suitable for face recognition.</a:t>
-            </a:r>
-          </a:p>
-          <a:p>
-            <a:r>
-              <a:rPr lang="en-US" dirty="0"/>
-              <a:t>Transformation of the 128-byte code enables support vector plane to be found.</a:t>
-            </a:r>
-          </a:p>
-          <a:p>
-            <a:r>
-              <a:rPr lang="en-US" dirty="0"/>
-              <a:t>With good image preprocessing, </a:t>
-            </a:r>
-            <a:r>
-              <a:rPr lang="en-US" dirty="0" err="1"/>
-              <a:t>facenet</a:t>
-            </a:r>
-            <a:r>
-              <a:rPr lang="en-US" dirty="0"/>
-              <a:t> usually encodes the image more accurately. This makes SVM training to be feasible using 128-byte code.</a:t>
-            </a:r>
-          </a:p>
-          <a:p>
-            <a:r>
-              <a:rPr lang="en-US" dirty="0"/>
-              <a:t>SVM usually gives accuracy around 94-96%.</a:t>
-            </a:r>
-          </a:p>
-        </p:txBody>
-      </p:sp>
-    </p:spTree>
-    <p:extLst>
-      <p:ext uri="{BB962C8B-B14F-4D97-AF65-F5344CB8AC3E}">
-        <p14:creationId xmlns:p14="http://schemas.microsoft.com/office/powerpoint/2010/main" val="3456278151"/>
-      </p:ext>
-    </p:extLst>
-  </p:cSld>
-  <p:clrMapOvr>
-    <a:masterClrMapping/>
-  </p:clrMapOvr>
-</p:sld>
-</file>
-
-<file path=ppt/slides/slide22.xml><?xml version="1.0" encoding="utf-8"?>
-<p:sld xmlns:a="http://schemas.openxmlformats.org/drawingml/2006/main" xmlns:r="http://schemas.openxmlformats.org/officeDocument/2006/relationships" xmlns:p="http://schemas.openxmlformats.org/presentationml/2006/main">
-  <p:cSld>
-    <p:spTree>
-      <p:nvGrpSpPr>
-        <p:cNvPr id="1" name=""/>
-        <p:cNvGrpSpPr/>
-        <p:nvPr/>
-      </p:nvGrpSpPr>
-      <p:grpSpPr>
-        <a:xfrm>
-          <a:off x="0" y="0"/>
-          <a:ext cx="0" cy="0"/>
-          <a:chOff x="0" y="0"/>
-          <a:chExt cx="0" cy="0"/>
-        </a:xfrm>
-      </p:grpSpPr>
-      <p:sp>
-        <p:nvSpPr>
-          <p:cNvPr id="2" name="Title 1">
-            <a:extLst>
-              <a:ext uri="{FF2B5EF4-FFF2-40B4-BE49-F238E27FC236}">
-                <a16:creationId xmlns:a16="http://schemas.microsoft.com/office/drawing/2014/main" id="{A7AD5AEE-6EE2-4B66-828F-0C6C3F2C1D62}"/>
-              </a:ext>
-            </a:extLst>
-          </p:cNvPr>
-          <p:cNvSpPr>
-            <a:spLocks noGrp="1"/>
-          </p:cNvSpPr>
-          <p:nvPr>
-            <p:ph type="title"/>
-          </p:nvPr>
-        </p:nvSpPr>
-        <p:spPr/>
-        <p:txBody>
-          <a:bodyPr/>
-          <a:lstStyle/>
-          <a:p>
-            <a:r>
-              <a:rPr lang="en-US" dirty="0"/>
-              <a:t>Logistic Regression</a:t>
-            </a:r>
-          </a:p>
-        </p:txBody>
-      </p:sp>
-      <p:sp>
-        <p:nvSpPr>
-          <p:cNvPr id="3" name="Content Placeholder 2">
-            <a:extLst>
-              <a:ext uri="{FF2B5EF4-FFF2-40B4-BE49-F238E27FC236}">
-                <a16:creationId xmlns:a16="http://schemas.microsoft.com/office/drawing/2014/main" id="{25884FF5-8F0C-4B37-8C70-D20C6E2CC04B}"/>
-              </a:ext>
-            </a:extLst>
-          </p:cNvPr>
-          <p:cNvSpPr>
-            <a:spLocks noGrp="1"/>
-          </p:cNvSpPr>
-          <p:nvPr>
-            <p:ph idx="1"/>
-          </p:nvPr>
-        </p:nvSpPr>
-        <p:spPr/>
-        <p:txBody>
-          <a:bodyPr/>
-          <a:lstStyle/>
-          <a:p>
-            <a:r>
-              <a:rPr lang="en-US" dirty="0"/>
-              <a:t>Logistic regression is suitable for binary classification using probability function.</a:t>
-            </a:r>
-          </a:p>
-          <a:p>
-            <a:r>
-              <a:rPr lang="en-US" dirty="0"/>
-              <a:t>After image is encoded into 128-byte code thru </a:t>
-            </a:r>
-            <a:r>
-              <a:rPr lang="en-US" dirty="0" err="1"/>
-              <a:t>Facenet</a:t>
-            </a:r>
-            <a:r>
-              <a:rPr lang="en-US" dirty="0"/>
-              <a:t>, logistic regression model is built for each targeted face.</a:t>
-            </a:r>
-          </a:p>
-          <a:p>
-            <a:r>
-              <a:rPr lang="en-US" dirty="0"/>
-              <a:t>Logistic regression is not a linear regression model and so it allow a better binary class prediction using 128-byte code.</a:t>
-            </a:r>
-          </a:p>
-        </p:txBody>
-      </p:sp>
-    </p:spTree>
-    <p:extLst>
-      <p:ext uri="{BB962C8B-B14F-4D97-AF65-F5344CB8AC3E}">
-        <p14:creationId xmlns:p14="http://schemas.microsoft.com/office/powerpoint/2010/main" val="901627145"/>
-      </p:ext>
-    </p:extLst>
-  </p:cSld>
-  <p:clrMapOvr>
-    <a:masterClrMapping/>
-  </p:clrMapOvr>
-</p:sld>
-</file>
-
-<file path=ppt/slides/slide23.xml><?xml version="1.0" encoding="utf-8"?>
-<p:sld xmlns:a="http://schemas.openxmlformats.org/drawingml/2006/main" xmlns:r="http://schemas.openxmlformats.org/officeDocument/2006/relationships" xmlns:p="http://schemas.openxmlformats.org/presentationml/2006/main">
-  <p:cSld>
-    <p:spTree>
-      <p:nvGrpSpPr>
-        <p:cNvPr id="1" name=""/>
-        <p:cNvGrpSpPr/>
-        <p:nvPr/>
-      </p:nvGrpSpPr>
-      <p:grpSpPr>
-        <a:xfrm>
-          <a:off x="0" y="0"/>
-          <a:ext cx="0" cy="0"/>
-          <a:chOff x="0" y="0"/>
-          <a:chExt cx="0" cy="0"/>
-        </a:xfrm>
-      </p:grpSpPr>
-      <p:sp>
-        <p:nvSpPr>
-          <p:cNvPr id="2" name="Title 1">
-            <a:extLst>
-              <a:ext uri="{FF2B5EF4-FFF2-40B4-BE49-F238E27FC236}">
-                <a16:creationId xmlns:a16="http://schemas.microsoft.com/office/drawing/2014/main" id="{2FAA0499-9BDE-488B-831F-3E71CE2654D5}"/>
-              </a:ext>
-            </a:extLst>
-          </p:cNvPr>
-          <p:cNvSpPr>
-            <a:spLocks noGrp="1"/>
-          </p:cNvSpPr>
-          <p:nvPr>
-            <p:ph type="title"/>
-          </p:nvPr>
-        </p:nvSpPr>
-        <p:spPr/>
-        <p:txBody>
-          <a:bodyPr/>
-          <a:lstStyle/>
-          <a:p>
-            <a:r>
-              <a:rPr lang="en-US" dirty="0"/>
-              <a:t>Deep Neural Network</a:t>
-            </a:r>
-          </a:p>
-        </p:txBody>
-      </p:sp>
-      <p:sp>
-        <p:nvSpPr>
-          <p:cNvPr id="3" name="Content Placeholder 2">
-            <a:extLst>
-              <a:ext uri="{FF2B5EF4-FFF2-40B4-BE49-F238E27FC236}">
-                <a16:creationId xmlns:a16="http://schemas.microsoft.com/office/drawing/2014/main" id="{C43EECFD-BB78-4E36-A28D-93F0E63C16DE}"/>
-              </a:ext>
-            </a:extLst>
-          </p:cNvPr>
-          <p:cNvSpPr>
-            <a:spLocks noGrp="1"/>
-          </p:cNvSpPr>
-          <p:nvPr>
-            <p:ph idx="1"/>
-          </p:nvPr>
-        </p:nvSpPr>
-        <p:spPr/>
-        <p:txBody>
-          <a:bodyPr>
-            <a:normAutofit fontScale="92500" lnSpcReduction="20000"/>
-          </a:bodyPr>
-          <a:lstStyle/>
-          <a:p>
-            <a:r>
-              <a:rPr lang="en-US" dirty="0"/>
-              <a:t>While KNN/SVM/Logistic regression gives binary output, deep neural network is able to compute the output in the form of probability.</a:t>
-            </a:r>
-          </a:p>
-          <a:p>
-            <a:r>
-              <a:rPr lang="en-US" dirty="0"/>
-              <a:t>In this project, the neural network is designed to have 3 stages.</a:t>
-            </a:r>
-          </a:p>
-          <a:p>
-            <a:r>
-              <a:rPr lang="en-US" dirty="0"/>
-              <a:t>The 1</a:t>
-            </a:r>
-            <a:r>
-              <a:rPr lang="en-US" baseline="30000" dirty="0"/>
-              <a:t>st</a:t>
-            </a:r>
-            <a:r>
-              <a:rPr lang="en-US" dirty="0"/>
-              <a:t> stage consists of dense layers which accepts 128-byte code generated by the </a:t>
-            </a:r>
-            <a:r>
-              <a:rPr lang="en-US" dirty="0" err="1"/>
-              <a:t>Facenet</a:t>
-            </a:r>
-            <a:r>
-              <a:rPr lang="en-US" dirty="0"/>
-              <a:t>. </a:t>
-            </a:r>
-          </a:p>
-          <a:p>
-            <a:r>
-              <a:rPr lang="en-US" dirty="0"/>
-              <a:t>The 2</a:t>
-            </a:r>
-            <a:r>
-              <a:rPr lang="en-US" baseline="30000" dirty="0"/>
-              <a:t>nd</a:t>
-            </a:r>
-            <a:r>
-              <a:rPr lang="en-US" dirty="0"/>
-              <a:t> stage consists 4 sets of dense layers which also accepts 128-byte code. </a:t>
-            </a:r>
-          </a:p>
-          <a:p>
-            <a:r>
-              <a:rPr lang="en-US" dirty="0"/>
-              <a:t>At 3</a:t>
-            </a:r>
-            <a:r>
-              <a:rPr lang="en-US" baseline="30000" dirty="0"/>
-              <a:t>rd</a:t>
-            </a:r>
-            <a:r>
-              <a:rPr lang="en-US" dirty="0"/>
-              <a:t> stages, we have 4 outputs. At each output, it inherits output of each 2</a:t>
-            </a:r>
-            <a:r>
-              <a:rPr lang="en-US" baseline="30000" dirty="0"/>
-              <a:t>nd</a:t>
-            </a:r>
-            <a:r>
-              <a:rPr lang="en-US" dirty="0"/>
-              <a:t> stage dense layer. It finally concatenates with 1</a:t>
-            </a:r>
-            <a:r>
-              <a:rPr lang="en-US" baseline="30000" dirty="0"/>
-              <a:t>st</a:t>
-            </a:r>
-            <a:r>
-              <a:rPr lang="en-US" dirty="0"/>
-              <a:t> stage output. After flattening and further dense layers, it will produce </a:t>
-            </a:r>
-            <a:r>
-              <a:rPr lang="en-US" dirty="0" err="1"/>
-              <a:t>softmax</a:t>
-            </a:r>
-            <a:r>
-              <a:rPr lang="en-US" dirty="0"/>
-              <a:t> output for each targeted face.</a:t>
-            </a:r>
-          </a:p>
-          <a:p>
-            <a:r>
-              <a:rPr lang="en-US" dirty="0"/>
-              <a:t>As a result, we will avoid weight to be concentrated on 1 of the targeted faces.</a:t>
-            </a:r>
-          </a:p>
-        </p:txBody>
-      </p:sp>
-    </p:spTree>
-    <p:extLst>
-      <p:ext uri="{BB962C8B-B14F-4D97-AF65-F5344CB8AC3E}">
-        <p14:creationId xmlns:p14="http://schemas.microsoft.com/office/powerpoint/2010/main" val="2308101639"/>
-      </p:ext>
-    </p:extLst>
-  </p:cSld>
-  <p:clrMapOvr>
-    <a:masterClrMapping/>
-  </p:clrMapOvr>
-</p:sld>
-</file>
-
-<file path=ppt/slides/slide24.xml><?xml version="1.0" encoding="utf-8"?>
-<p:sld xmlns:a="http://schemas.openxmlformats.org/drawingml/2006/main" xmlns:r="http://schemas.openxmlformats.org/officeDocument/2006/relationships" xmlns:p="http://schemas.openxmlformats.org/presentationml/2006/main">
-  <p:cSld>
-    <p:spTree>
-      <p:nvGrpSpPr>
-        <p:cNvPr id="1" name=""/>
-        <p:cNvGrpSpPr/>
-        <p:nvPr/>
-      </p:nvGrpSpPr>
-      <p:grpSpPr>
-        <a:xfrm>
-          <a:off x="0" y="0"/>
-          <a:ext cx="0" cy="0"/>
-          <a:chOff x="0" y="0"/>
-          <a:chExt cx="0" cy="0"/>
-        </a:xfrm>
-      </p:grpSpPr>
-      <p:sp>
-        <p:nvSpPr>
-          <p:cNvPr id="2" name="Title 1">
-            <a:extLst>
-              <a:ext uri="{FF2B5EF4-FFF2-40B4-BE49-F238E27FC236}">
-                <a16:creationId xmlns:a16="http://schemas.microsoft.com/office/drawing/2014/main" id="{B93A1E63-8752-446C-81F8-8E6B2B390456}"/>
-              </a:ext>
-            </a:extLst>
-          </p:cNvPr>
-          <p:cNvSpPr>
-            <a:spLocks noGrp="1"/>
-          </p:cNvSpPr>
-          <p:nvPr>
-            <p:ph type="title"/>
-          </p:nvPr>
-        </p:nvSpPr>
-        <p:spPr/>
-        <p:txBody>
-          <a:bodyPr/>
-          <a:lstStyle/>
-          <a:p>
-            <a:r>
-              <a:rPr lang="en-US" dirty="0"/>
-              <a:t>Ensemble</a:t>
-            </a:r>
-          </a:p>
-        </p:txBody>
-      </p:sp>
-      <p:sp>
-        <p:nvSpPr>
-          <p:cNvPr id="3" name="Content Placeholder 2">
-            <a:extLst>
-              <a:ext uri="{FF2B5EF4-FFF2-40B4-BE49-F238E27FC236}">
-                <a16:creationId xmlns:a16="http://schemas.microsoft.com/office/drawing/2014/main" id="{B168C714-879D-49B9-AA1D-AABFA0791DD3}"/>
-              </a:ext>
-            </a:extLst>
-          </p:cNvPr>
-          <p:cNvSpPr>
-            <a:spLocks noGrp="1"/>
-          </p:cNvSpPr>
-          <p:nvPr>
-            <p:ph idx="1"/>
-          </p:nvPr>
-        </p:nvSpPr>
-        <p:spPr/>
-        <p:txBody>
-          <a:bodyPr/>
-          <a:lstStyle/>
-          <a:p>
-            <a:r>
-              <a:rPr lang="en-US" dirty="0"/>
-              <a:t>Voting ensemble model is used on SVM/KNN/Logistic regression. This is because all the 3 models are having binary outputs.</a:t>
-            </a:r>
-          </a:p>
-          <a:p>
-            <a:r>
-              <a:rPr lang="en-US" dirty="0"/>
-              <a:t>Voting ensemble output is checked using deep neural network prediction. If the probability is not exceeding 50%, the image is not considered to be recognized.</a:t>
-            </a:r>
-          </a:p>
-          <a:p>
-            <a:r>
-              <a:rPr lang="en-US" dirty="0"/>
-              <a:t>Since there are 4 targeted face, we will performed voting for each targeted face independently. If an image is recognized to be 2 or more targeted faces, it will not considered to be recognized by the model. This is to prevent cloze ambiguity.</a:t>
-            </a:r>
-          </a:p>
-        </p:txBody>
-      </p:sp>
-    </p:spTree>
-    <p:extLst>
-      <p:ext uri="{BB962C8B-B14F-4D97-AF65-F5344CB8AC3E}">
-        <p14:creationId xmlns:p14="http://schemas.microsoft.com/office/powerpoint/2010/main" val="1583930713"/>
-      </p:ext>
-    </p:extLst>
-  </p:cSld>
-  <p:clrMapOvr>
-    <a:masterClrMapping/>
-  </p:clrMapOvr>
-</p:sld>
-</file>
-
 <file path=ppt/slides/slide3.xml><?xml version="1.0" encoding="utf-8"?>
 <p:sld xmlns:a="http://schemas.openxmlformats.org/drawingml/2006/main" xmlns:r="http://schemas.openxmlformats.org/officeDocument/2006/relationships" xmlns:p="http://schemas.openxmlformats.org/presentationml/2006/main">
   <p:cSld>
@@ -6619,6 +7406,866 @@
     <p:extLst>
       <p:ext uri="{BB962C8B-B14F-4D97-AF65-F5344CB8AC3E}">
         <p14:creationId xmlns:p14="http://schemas.microsoft.com/office/powerpoint/2010/main" val="2941172807"/>
+      </p:ext>
+    </p:extLst>
+  </p:cSld>
+  <p:clrMapOvr>
+    <a:masterClrMapping/>
+  </p:clrMapOvr>
+</p:sld>
+</file>
+
+<file path=ppt/slides/slide30.xml><?xml version="1.0" encoding="utf-8"?>
+<p:sld xmlns:a="http://schemas.openxmlformats.org/drawingml/2006/main" xmlns:r="http://schemas.openxmlformats.org/officeDocument/2006/relationships" xmlns:p="http://schemas.openxmlformats.org/presentationml/2006/main">
+  <p:cSld>
+    <p:spTree>
+      <p:nvGrpSpPr>
+        <p:cNvPr id="1" name=""/>
+        <p:cNvGrpSpPr/>
+        <p:nvPr/>
+      </p:nvGrpSpPr>
+      <p:grpSpPr>
+        <a:xfrm>
+          <a:off x="0" y="0"/>
+          <a:ext cx="0" cy="0"/>
+          <a:chOff x="0" y="0"/>
+          <a:chExt cx="0" cy="0"/>
+        </a:xfrm>
+      </p:grpSpPr>
+      <p:sp>
+        <p:nvSpPr>
+          <p:cNvPr id="2" name="Title 1">
+            <a:extLst>
+              <a:ext uri="{FF2B5EF4-FFF2-40B4-BE49-F238E27FC236}">
+                <a16:creationId xmlns:a16="http://schemas.microsoft.com/office/drawing/2014/main" id="{6F9D0646-CB18-4DF3-9DC6-3E48B6B2282E}"/>
+              </a:ext>
+            </a:extLst>
+          </p:cNvPr>
+          <p:cNvSpPr>
+            <a:spLocks noGrp="1"/>
+          </p:cNvSpPr>
+          <p:nvPr>
+            <p:ph type="title"/>
+          </p:nvPr>
+        </p:nvSpPr>
+        <p:spPr/>
+        <p:txBody>
+          <a:bodyPr/>
+          <a:lstStyle/>
+          <a:p>
+            <a:r>
+              <a:rPr lang="en-US" dirty="0"/>
+              <a:t>Face Recognition Model</a:t>
+            </a:r>
+          </a:p>
+        </p:txBody>
+      </p:sp>
+      <p:sp>
+        <p:nvSpPr>
+          <p:cNvPr id="3" name="Content Placeholder 2">
+            <a:extLst>
+              <a:ext uri="{FF2B5EF4-FFF2-40B4-BE49-F238E27FC236}">
+                <a16:creationId xmlns:a16="http://schemas.microsoft.com/office/drawing/2014/main" id="{0389A154-C597-4F89-A18F-B11AD646A257}"/>
+              </a:ext>
+            </a:extLst>
+          </p:cNvPr>
+          <p:cNvSpPr>
+            <a:spLocks noGrp="1"/>
+          </p:cNvSpPr>
+          <p:nvPr>
+            <p:ph idx="1"/>
+          </p:nvPr>
+        </p:nvSpPr>
+        <p:spPr/>
+        <p:txBody>
+          <a:bodyPr>
+            <a:normAutofit/>
+          </a:bodyPr>
+          <a:lstStyle/>
+          <a:p>
+            <a:r>
+              <a:rPr lang="en-US" dirty="0"/>
+              <a:t>3 Targeted faces and &gt;100 non-targeted faces are pre-processed using MTCNN (Background removal), and augmented.</a:t>
+            </a:r>
+          </a:p>
+          <a:p>
+            <a:r>
+              <a:rPr lang="en-US" dirty="0"/>
+              <a:t>As a result, ~100000 images are input into pre-trained </a:t>
+            </a:r>
+            <a:r>
+              <a:rPr lang="en-US" dirty="0" err="1"/>
+              <a:t>Facenet</a:t>
+            </a:r>
+            <a:r>
+              <a:rPr lang="en-US" dirty="0"/>
+              <a:t>.</a:t>
+            </a:r>
+          </a:p>
+          <a:p>
+            <a:r>
+              <a:rPr lang="en-US" dirty="0"/>
+              <a:t>With the 128-byte code, it is now a smaller dataset which enables Classifier models to be trained for the final image recognition.</a:t>
+            </a:r>
+          </a:p>
+          <a:p>
+            <a:r>
+              <a:rPr lang="en-US" dirty="0"/>
+              <a:t>In this project, the objective is to recognize multiple (3) faces. Though </a:t>
+            </a:r>
+            <a:r>
+              <a:rPr lang="en-US" dirty="0" err="1"/>
+              <a:t>Facenet</a:t>
+            </a:r>
+            <a:r>
+              <a:rPr lang="en-US" dirty="0"/>
+              <a:t> helps to encode the image, it does not serve as final classifier.</a:t>
+            </a:r>
+          </a:p>
+          <a:p>
+            <a:r>
+              <a:rPr lang="en-US" dirty="0"/>
+              <a:t>Hence, a classifier with 128-byte code as input will have 3 binary/categorical output.</a:t>
+            </a:r>
+          </a:p>
+        </p:txBody>
+      </p:sp>
+    </p:spTree>
+    <p:extLst>
+      <p:ext uri="{BB962C8B-B14F-4D97-AF65-F5344CB8AC3E}">
+        <p14:creationId xmlns:p14="http://schemas.microsoft.com/office/powerpoint/2010/main" val="2191944407"/>
+      </p:ext>
+    </p:extLst>
+  </p:cSld>
+  <p:clrMapOvr>
+    <a:masterClrMapping/>
+  </p:clrMapOvr>
+</p:sld>
+</file>
+
+<file path=ppt/slides/slide31.xml><?xml version="1.0" encoding="utf-8"?>
+<p:sld xmlns:a="http://schemas.openxmlformats.org/drawingml/2006/main" xmlns:r="http://schemas.openxmlformats.org/officeDocument/2006/relationships" xmlns:p="http://schemas.openxmlformats.org/presentationml/2006/main">
+  <p:cSld>
+    <p:spTree>
+      <p:nvGrpSpPr>
+        <p:cNvPr id="1" name=""/>
+        <p:cNvGrpSpPr/>
+        <p:nvPr/>
+      </p:nvGrpSpPr>
+      <p:grpSpPr>
+        <a:xfrm>
+          <a:off x="0" y="0"/>
+          <a:ext cx="0" cy="0"/>
+          <a:chOff x="0" y="0"/>
+          <a:chExt cx="0" cy="0"/>
+        </a:xfrm>
+      </p:grpSpPr>
+      <p:sp>
+        <p:nvSpPr>
+          <p:cNvPr id="2" name="Title 1">
+            <a:extLst>
+              <a:ext uri="{FF2B5EF4-FFF2-40B4-BE49-F238E27FC236}">
+                <a16:creationId xmlns:a16="http://schemas.microsoft.com/office/drawing/2014/main" id="{9637F0F6-930F-44E0-BB44-B5544F1B9C21}"/>
+              </a:ext>
+            </a:extLst>
+          </p:cNvPr>
+          <p:cNvSpPr>
+            <a:spLocks noGrp="1"/>
+          </p:cNvSpPr>
+          <p:nvPr>
+            <p:ph type="title"/>
+          </p:nvPr>
+        </p:nvSpPr>
+        <p:spPr/>
+        <p:txBody>
+          <a:bodyPr/>
+          <a:lstStyle/>
+          <a:p>
+            <a:r>
+              <a:rPr lang="en-US" dirty="0"/>
+              <a:t>KNN</a:t>
+            </a:r>
+          </a:p>
+        </p:txBody>
+      </p:sp>
+      <p:sp>
+        <p:nvSpPr>
+          <p:cNvPr id="3" name="Content Placeholder 2">
+            <a:extLst>
+              <a:ext uri="{FF2B5EF4-FFF2-40B4-BE49-F238E27FC236}">
+                <a16:creationId xmlns:a16="http://schemas.microsoft.com/office/drawing/2014/main" id="{FAE0B09F-0E44-486F-8656-354B6A54F174}"/>
+              </a:ext>
+            </a:extLst>
+          </p:cNvPr>
+          <p:cNvSpPr>
+            <a:spLocks noGrp="1"/>
+          </p:cNvSpPr>
+          <p:nvPr>
+            <p:ph idx="1"/>
+          </p:nvPr>
+        </p:nvSpPr>
+        <p:spPr/>
+        <p:txBody>
+          <a:bodyPr/>
+          <a:lstStyle/>
+          <a:p>
+            <a:r>
+              <a:rPr lang="en-US" dirty="0"/>
+              <a:t>KNN is suitable for face recognition. </a:t>
+            </a:r>
+          </a:p>
+          <a:p>
+            <a:r>
+              <a:rPr lang="en-US" dirty="0"/>
+              <a:t>Cosine distance in between 128-byte code generated from two images (thru </a:t>
+            </a:r>
+            <a:r>
+              <a:rPr lang="en-US" dirty="0" err="1"/>
+              <a:t>face_recognition</a:t>
+            </a:r>
+            <a:r>
+              <a:rPr lang="en-US" dirty="0"/>
+              <a:t>) is a good indicator of image similarity.</a:t>
+            </a:r>
+          </a:p>
+          <a:p>
+            <a:r>
+              <a:rPr lang="en-US" dirty="0"/>
+              <a:t>KNN can use the </a:t>
+            </a:r>
+            <a:r>
+              <a:rPr lang="en-US" dirty="0" err="1"/>
+              <a:t>Minkowski</a:t>
+            </a:r>
+            <a:r>
+              <a:rPr lang="en-US" dirty="0"/>
+              <a:t> distance when defining the nearest neighbor.</a:t>
+            </a:r>
+          </a:p>
+          <a:p>
+            <a:r>
+              <a:rPr lang="en-US" dirty="0"/>
+              <a:t>The accuracy is enhanced with weight reduced with the distance increased.</a:t>
+            </a:r>
+          </a:p>
+          <a:p>
+            <a:r>
+              <a:rPr lang="en-US" dirty="0"/>
+              <a:t>As a result, the accuracy can reach 95-97% in the dataset with number of neighbor set to 5.</a:t>
+            </a:r>
+          </a:p>
+        </p:txBody>
+      </p:sp>
+    </p:spTree>
+    <p:extLst>
+      <p:ext uri="{BB962C8B-B14F-4D97-AF65-F5344CB8AC3E}">
+        <p14:creationId xmlns:p14="http://schemas.microsoft.com/office/powerpoint/2010/main" val="1027369120"/>
+      </p:ext>
+    </p:extLst>
+  </p:cSld>
+  <p:clrMapOvr>
+    <a:masterClrMapping/>
+  </p:clrMapOvr>
+</p:sld>
+</file>
+
+<file path=ppt/slides/slide32.xml><?xml version="1.0" encoding="utf-8"?>
+<p:sld xmlns:a="http://schemas.openxmlformats.org/drawingml/2006/main" xmlns:r="http://schemas.openxmlformats.org/officeDocument/2006/relationships" xmlns:p="http://schemas.openxmlformats.org/presentationml/2006/main">
+  <p:cSld>
+    <p:spTree>
+      <p:nvGrpSpPr>
+        <p:cNvPr id="1" name=""/>
+        <p:cNvGrpSpPr/>
+        <p:nvPr/>
+      </p:nvGrpSpPr>
+      <p:grpSpPr>
+        <a:xfrm>
+          <a:off x="0" y="0"/>
+          <a:ext cx="0" cy="0"/>
+          <a:chOff x="0" y="0"/>
+          <a:chExt cx="0" cy="0"/>
+        </a:xfrm>
+      </p:grpSpPr>
+      <p:sp>
+        <p:nvSpPr>
+          <p:cNvPr id="2" name="Title 1">
+            <a:extLst>
+              <a:ext uri="{FF2B5EF4-FFF2-40B4-BE49-F238E27FC236}">
+                <a16:creationId xmlns:a16="http://schemas.microsoft.com/office/drawing/2014/main" id="{76114761-3B73-4241-9CE3-DAA4A5854FEE}"/>
+              </a:ext>
+            </a:extLst>
+          </p:cNvPr>
+          <p:cNvSpPr>
+            <a:spLocks noGrp="1"/>
+          </p:cNvSpPr>
+          <p:nvPr>
+            <p:ph type="title"/>
+          </p:nvPr>
+        </p:nvSpPr>
+        <p:spPr/>
+        <p:txBody>
+          <a:bodyPr/>
+          <a:lstStyle/>
+          <a:p>
+            <a:r>
+              <a:rPr lang="en-US" dirty="0"/>
+              <a:t>SVM</a:t>
+            </a:r>
+          </a:p>
+        </p:txBody>
+      </p:sp>
+      <p:sp>
+        <p:nvSpPr>
+          <p:cNvPr id="3" name="Content Placeholder 2">
+            <a:extLst>
+              <a:ext uri="{FF2B5EF4-FFF2-40B4-BE49-F238E27FC236}">
+                <a16:creationId xmlns:a16="http://schemas.microsoft.com/office/drawing/2014/main" id="{B01C36C7-CE82-430D-9F40-55FF0B9C2B3A}"/>
+              </a:ext>
+            </a:extLst>
+          </p:cNvPr>
+          <p:cNvSpPr>
+            <a:spLocks noGrp="1"/>
+          </p:cNvSpPr>
+          <p:nvPr>
+            <p:ph idx="1"/>
+          </p:nvPr>
+        </p:nvSpPr>
+        <p:spPr/>
+        <p:txBody>
+          <a:bodyPr/>
+          <a:lstStyle/>
+          <a:p>
+            <a:r>
+              <a:rPr lang="en-US" dirty="0"/>
+              <a:t>SVM is also suitable for face recognition.</a:t>
+            </a:r>
+          </a:p>
+          <a:p>
+            <a:r>
+              <a:rPr lang="en-US" dirty="0"/>
+              <a:t>Transformation of the 128-byte code enables support vector plane to be found.</a:t>
+            </a:r>
+          </a:p>
+          <a:p>
+            <a:r>
+              <a:rPr lang="en-US" dirty="0"/>
+              <a:t>With good image preprocessing, </a:t>
+            </a:r>
+            <a:r>
+              <a:rPr lang="en-US" dirty="0" err="1"/>
+              <a:t>facenet</a:t>
+            </a:r>
+            <a:r>
+              <a:rPr lang="en-US" dirty="0"/>
+              <a:t> usually encodes the image more accurately. This makes SVM training to be feasible using 128-byte code.</a:t>
+            </a:r>
+          </a:p>
+          <a:p>
+            <a:r>
+              <a:rPr lang="en-US" dirty="0"/>
+              <a:t>SVM usually gives accuracy around 94-96%.</a:t>
+            </a:r>
+          </a:p>
+        </p:txBody>
+      </p:sp>
+    </p:spTree>
+    <p:extLst>
+      <p:ext uri="{BB962C8B-B14F-4D97-AF65-F5344CB8AC3E}">
+        <p14:creationId xmlns:p14="http://schemas.microsoft.com/office/powerpoint/2010/main" val="3456278151"/>
+      </p:ext>
+    </p:extLst>
+  </p:cSld>
+  <p:clrMapOvr>
+    <a:masterClrMapping/>
+  </p:clrMapOvr>
+</p:sld>
+</file>
+
+<file path=ppt/slides/slide33.xml><?xml version="1.0" encoding="utf-8"?>
+<p:sld xmlns:a="http://schemas.openxmlformats.org/drawingml/2006/main" xmlns:r="http://schemas.openxmlformats.org/officeDocument/2006/relationships" xmlns:p="http://schemas.openxmlformats.org/presentationml/2006/main">
+  <p:cSld>
+    <p:spTree>
+      <p:nvGrpSpPr>
+        <p:cNvPr id="1" name=""/>
+        <p:cNvGrpSpPr/>
+        <p:nvPr/>
+      </p:nvGrpSpPr>
+      <p:grpSpPr>
+        <a:xfrm>
+          <a:off x="0" y="0"/>
+          <a:ext cx="0" cy="0"/>
+          <a:chOff x="0" y="0"/>
+          <a:chExt cx="0" cy="0"/>
+        </a:xfrm>
+      </p:grpSpPr>
+      <p:sp>
+        <p:nvSpPr>
+          <p:cNvPr id="2" name="Title 1">
+            <a:extLst>
+              <a:ext uri="{FF2B5EF4-FFF2-40B4-BE49-F238E27FC236}">
+                <a16:creationId xmlns:a16="http://schemas.microsoft.com/office/drawing/2014/main" id="{A7AD5AEE-6EE2-4B66-828F-0C6C3F2C1D62}"/>
+              </a:ext>
+            </a:extLst>
+          </p:cNvPr>
+          <p:cNvSpPr>
+            <a:spLocks noGrp="1"/>
+          </p:cNvSpPr>
+          <p:nvPr>
+            <p:ph type="title"/>
+          </p:nvPr>
+        </p:nvSpPr>
+        <p:spPr/>
+        <p:txBody>
+          <a:bodyPr/>
+          <a:lstStyle/>
+          <a:p>
+            <a:r>
+              <a:rPr lang="en-US" dirty="0"/>
+              <a:t>Logistic Regression</a:t>
+            </a:r>
+          </a:p>
+        </p:txBody>
+      </p:sp>
+      <p:sp>
+        <p:nvSpPr>
+          <p:cNvPr id="3" name="Content Placeholder 2">
+            <a:extLst>
+              <a:ext uri="{FF2B5EF4-FFF2-40B4-BE49-F238E27FC236}">
+                <a16:creationId xmlns:a16="http://schemas.microsoft.com/office/drawing/2014/main" id="{25884FF5-8F0C-4B37-8C70-D20C6E2CC04B}"/>
+              </a:ext>
+            </a:extLst>
+          </p:cNvPr>
+          <p:cNvSpPr>
+            <a:spLocks noGrp="1"/>
+          </p:cNvSpPr>
+          <p:nvPr>
+            <p:ph idx="1"/>
+          </p:nvPr>
+        </p:nvSpPr>
+        <p:spPr/>
+        <p:txBody>
+          <a:bodyPr/>
+          <a:lstStyle/>
+          <a:p>
+            <a:r>
+              <a:rPr lang="en-US" dirty="0"/>
+              <a:t>Logistic regression is suitable for binary classification using probability function.</a:t>
+            </a:r>
+          </a:p>
+          <a:p>
+            <a:r>
+              <a:rPr lang="en-US" dirty="0"/>
+              <a:t>After image is encoded into 128-byte code thru </a:t>
+            </a:r>
+            <a:r>
+              <a:rPr lang="en-US" dirty="0" err="1"/>
+              <a:t>Facenet</a:t>
+            </a:r>
+            <a:r>
+              <a:rPr lang="en-US" dirty="0"/>
+              <a:t>, logistic regression model is built for each targeted face.</a:t>
+            </a:r>
+          </a:p>
+          <a:p>
+            <a:r>
+              <a:rPr lang="en-US" dirty="0"/>
+              <a:t>Logistic regression is not a linear regression model and so it allow a better binary class prediction using 128-byte code.</a:t>
+            </a:r>
+          </a:p>
+        </p:txBody>
+      </p:sp>
+    </p:spTree>
+    <p:extLst>
+      <p:ext uri="{BB962C8B-B14F-4D97-AF65-F5344CB8AC3E}">
+        <p14:creationId xmlns:p14="http://schemas.microsoft.com/office/powerpoint/2010/main" val="901627145"/>
+      </p:ext>
+    </p:extLst>
+  </p:cSld>
+  <p:clrMapOvr>
+    <a:masterClrMapping/>
+  </p:clrMapOvr>
+</p:sld>
+</file>
+
+<file path=ppt/slides/slide34.xml><?xml version="1.0" encoding="utf-8"?>
+<p:sld xmlns:a="http://schemas.openxmlformats.org/drawingml/2006/main" xmlns:r="http://schemas.openxmlformats.org/officeDocument/2006/relationships" xmlns:p="http://schemas.openxmlformats.org/presentationml/2006/main">
+  <p:cSld>
+    <p:spTree>
+      <p:nvGrpSpPr>
+        <p:cNvPr id="1" name=""/>
+        <p:cNvGrpSpPr/>
+        <p:nvPr/>
+      </p:nvGrpSpPr>
+      <p:grpSpPr>
+        <a:xfrm>
+          <a:off x="0" y="0"/>
+          <a:ext cx="0" cy="0"/>
+          <a:chOff x="0" y="0"/>
+          <a:chExt cx="0" cy="0"/>
+        </a:xfrm>
+      </p:grpSpPr>
+      <p:sp>
+        <p:nvSpPr>
+          <p:cNvPr id="2" name="Title 1">
+            <a:extLst>
+              <a:ext uri="{FF2B5EF4-FFF2-40B4-BE49-F238E27FC236}">
+                <a16:creationId xmlns:a16="http://schemas.microsoft.com/office/drawing/2014/main" id="{A7AD5AEE-6EE2-4B66-828F-0C6C3F2C1D62}"/>
+              </a:ext>
+            </a:extLst>
+          </p:cNvPr>
+          <p:cNvSpPr>
+            <a:spLocks noGrp="1"/>
+          </p:cNvSpPr>
+          <p:nvPr>
+            <p:ph type="title"/>
+          </p:nvPr>
+        </p:nvSpPr>
+        <p:spPr/>
+        <p:txBody>
+          <a:bodyPr/>
+          <a:lstStyle/>
+          <a:p>
+            <a:r>
+              <a:rPr lang="en-US" dirty="0"/>
+              <a:t>MLP</a:t>
+            </a:r>
+          </a:p>
+        </p:txBody>
+      </p:sp>
+      <p:sp>
+        <p:nvSpPr>
+          <p:cNvPr id="3" name="Content Placeholder 2">
+            <a:extLst>
+              <a:ext uri="{FF2B5EF4-FFF2-40B4-BE49-F238E27FC236}">
+                <a16:creationId xmlns:a16="http://schemas.microsoft.com/office/drawing/2014/main" id="{25884FF5-8F0C-4B37-8C70-D20C6E2CC04B}"/>
+              </a:ext>
+            </a:extLst>
+          </p:cNvPr>
+          <p:cNvSpPr>
+            <a:spLocks noGrp="1"/>
+          </p:cNvSpPr>
+          <p:nvPr>
+            <p:ph idx="1"/>
+          </p:nvPr>
+        </p:nvSpPr>
+        <p:spPr/>
+        <p:txBody>
+          <a:bodyPr/>
+          <a:lstStyle/>
+          <a:p>
+            <a:r>
+              <a:rPr lang="en-US" dirty="0"/>
+              <a:t>Multi-layer Perceptron is also used in this context.</a:t>
+            </a:r>
+          </a:p>
+          <a:p>
+            <a:r>
+              <a:rPr lang="en-US" dirty="0"/>
+              <a:t>120 hidden layers are used in this context using </a:t>
+            </a:r>
+            <a:r>
+              <a:rPr lang="en-US" dirty="0" err="1"/>
+              <a:t>lbfgs</a:t>
+            </a:r>
+            <a:r>
+              <a:rPr lang="en-US" dirty="0"/>
+              <a:t> solver. </a:t>
+            </a:r>
+          </a:p>
+          <a:p>
+            <a:r>
+              <a:rPr lang="en-US" dirty="0" err="1"/>
+              <a:t>Lbfgs</a:t>
+            </a:r>
+            <a:r>
+              <a:rPr lang="en-US" dirty="0"/>
+              <a:t> solver is optimizing log loss function.</a:t>
+            </a:r>
+          </a:p>
+          <a:p>
+            <a:r>
+              <a:rPr lang="en-US" dirty="0"/>
+              <a:t>Hence, it is able to provide different classification result compared to other networks.</a:t>
+            </a:r>
+          </a:p>
+        </p:txBody>
+      </p:sp>
+    </p:spTree>
+    <p:extLst>
+      <p:ext uri="{BB962C8B-B14F-4D97-AF65-F5344CB8AC3E}">
+        <p14:creationId xmlns:p14="http://schemas.microsoft.com/office/powerpoint/2010/main" val="1278069383"/>
+      </p:ext>
+    </p:extLst>
+  </p:cSld>
+  <p:clrMapOvr>
+    <a:masterClrMapping/>
+  </p:clrMapOvr>
+</p:sld>
+</file>
+
+<file path=ppt/slides/slide35.xml><?xml version="1.0" encoding="utf-8"?>
+<p:sld xmlns:a="http://schemas.openxmlformats.org/drawingml/2006/main" xmlns:r="http://schemas.openxmlformats.org/officeDocument/2006/relationships" xmlns:p="http://schemas.openxmlformats.org/presentationml/2006/main">
+  <p:cSld>
+    <p:spTree>
+      <p:nvGrpSpPr>
+        <p:cNvPr id="1" name=""/>
+        <p:cNvGrpSpPr/>
+        <p:nvPr/>
+      </p:nvGrpSpPr>
+      <p:grpSpPr>
+        <a:xfrm>
+          <a:off x="0" y="0"/>
+          <a:ext cx="0" cy="0"/>
+          <a:chOff x="0" y="0"/>
+          <a:chExt cx="0" cy="0"/>
+        </a:xfrm>
+      </p:grpSpPr>
+      <p:sp>
+        <p:nvSpPr>
+          <p:cNvPr id="2" name="Title 1">
+            <a:extLst>
+              <a:ext uri="{FF2B5EF4-FFF2-40B4-BE49-F238E27FC236}">
+                <a16:creationId xmlns:a16="http://schemas.microsoft.com/office/drawing/2014/main" id="{B93A1E63-8752-446C-81F8-8E6B2B390456}"/>
+              </a:ext>
+            </a:extLst>
+          </p:cNvPr>
+          <p:cNvSpPr>
+            <a:spLocks noGrp="1"/>
+          </p:cNvSpPr>
+          <p:nvPr>
+            <p:ph type="title"/>
+          </p:nvPr>
+        </p:nvSpPr>
+        <p:spPr/>
+        <p:txBody>
+          <a:bodyPr/>
+          <a:lstStyle/>
+          <a:p>
+            <a:r>
+              <a:rPr lang="en-US" dirty="0"/>
+              <a:t>Ensemble</a:t>
+            </a:r>
+          </a:p>
+        </p:txBody>
+      </p:sp>
+      <p:sp>
+        <p:nvSpPr>
+          <p:cNvPr id="3" name="Content Placeholder 2">
+            <a:extLst>
+              <a:ext uri="{FF2B5EF4-FFF2-40B4-BE49-F238E27FC236}">
+                <a16:creationId xmlns:a16="http://schemas.microsoft.com/office/drawing/2014/main" id="{B168C714-879D-49B9-AA1D-AABFA0791DD3}"/>
+              </a:ext>
+            </a:extLst>
+          </p:cNvPr>
+          <p:cNvSpPr>
+            <a:spLocks noGrp="1"/>
+          </p:cNvSpPr>
+          <p:nvPr>
+            <p:ph idx="1"/>
+          </p:nvPr>
+        </p:nvSpPr>
+        <p:spPr/>
+        <p:txBody>
+          <a:bodyPr/>
+          <a:lstStyle/>
+          <a:p>
+            <a:r>
+              <a:rPr lang="en-US" dirty="0"/>
+              <a:t>Voting ensemble model is used on SVM/KNN/MLP/Logistic regression. This is because all the 4 models are having binary outputs.</a:t>
+            </a:r>
+          </a:p>
+          <a:p>
+            <a:r>
+              <a:rPr lang="en-US" dirty="0"/>
+              <a:t>Voting ensemble output is checked using deep neural network prediction. If the probability is not exceeding 50%, the image is not considered to be recognized.</a:t>
+            </a:r>
+          </a:p>
+          <a:p>
+            <a:r>
+              <a:rPr lang="en-US" dirty="0"/>
+              <a:t>Since there are 4 targeted face, we will perform voting for each targeted face independently. If an image is recognized to be 2 or more targeted faces, it will not consider to be recognized by the model. This is to prevent cloze ambiguity.</a:t>
+            </a:r>
+          </a:p>
+        </p:txBody>
+      </p:sp>
+    </p:spTree>
+    <p:extLst>
+      <p:ext uri="{BB962C8B-B14F-4D97-AF65-F5344CB8AC3E}">
+        <p14:creationId xmlns:p14="http://schemas.microsoft.com/office/powerpoint/2010/main" val="1583930713"/>
+      </p:ext>
+    </p:extLst>
+  </p:cSld>
+  <p:clrMapOvr>
+    <a:masterClrMapping/>
+  </p:clrMapOvr>
+</p:sld>
+</file>
+
+<file path=ppt/slides/slide36.xml><?xml version="1.0" encoding="utf-8"?>
+<p:sld xmlns:a="http://schemas.openxmlformats.org/drawingml/2006/main" xmlns:r="http://schemas.openxmlformats.org/officeDocument/2006/relationships" xmlns:p="http://schemas.openxmlformats.org/presentationml/2006/main" show="0">
+  <p:cSld>
+    <p:spTree>
+      <p:nvGrpSpPr>
+        <p:cNvPr id="1" name=""/>
+        <p:cNvGrpSpPr/>
+        <p:nvPr/>
+      </p:nvGrpSpPr>
+      <p:grpSpPr>
+        <a:xfrm>
+          <a:off x="0" y="0"/>
+          <a:ext cx="0" cy="0"/>
+          <a:chOff x="0" y="0"/>
+          <a:chExt cx="0" cy="0"/>
+        </a:xfrm>
+      </p:grpSpPr>
+      <p:sp>
+        <p:nvSpPr>
+          <p:cNvPr id="2" name="Title 1">
+            <a:extLst>
+              <a:ext uri="{FF2B5EF4-FFF2-40B4-BE49-F238E27FC236}">
+                <a16:creationId xmlns:a16="http://schemas.microsoft.com/office/drawing/2014/main" id="{2FAA0499-9BDE-488B-831F-3E71CE2654D5}"/>
+              </a:ext>
+            </a:extLst>
+          </p:cNvPr>
+          <p:cNvSpPr>
+            <a:spLocks noGrp="1"/>
+          </p:cNvSpPr>
+          <p:nvPr>
+            <p:ph type="title"/>
+          </p:nvPr>
+        </p:nvSpPr>
+        <p:spPr/>
+        <p:txBody>
+          <a:bodyPr/>
+          <a:lstStyle/>
+          <a:p>
+            <a:r>
+              <a:rPr lang="en-US" dirty="0"/>
+              <a:t>Deep Neural Network</a:t>
+            </a:r>
+          </a:p>
+        </p:txBody>
+      </p:sp>
+      <p:sp>
+        <p:nvSpPr>
+          <p:cNvPr id="3" name="Content Placeholder 2">
+            <a:extLst>
+              <a:ext uri="{FF2B5EF4-FFF2-40B4-BE49-F238E27FC236}">
+                <a16:creationId xmlns:a16="http://schemas.microsoft.com/office/drawing/2014/main" id="{C43EECFD-BB78-4E36-A28D-93F0E63C16DE}"/>
+              </a:ext>
+            </a:extLst>
+          </p:cNvPr>
+          <p:cNvSpPr>
+            <a:spLocks noGrp="1"/>
+          </p:cNvSpPr>
+          <p:nvPr>
+            <p:ph idx="1"/>
+          </p:nvPr>
+        </p:nvSpPr>
+        <p:spPr/>
+        <p:txBody>
+          <a:bodyPr>
+            <a:normAutofit fontScale="92500" lnSpcReduction="20000"/>
+          </a:bodyPr>
+          <a:lstStyle/>
+          <a:p>
+            <a:r>
+              <a:rPr lang="en-US" dirty="0"/>
+              <a:t>While KNN/SVM/MLP/Logistic regression gives binary output, deep neural network is able to compute the output in the form of probability.</a:t>
+            </a:r>
+          </a:p>
+          <a:p>
+            <a:r>
+              <a:rPr lang="en-US" dirty="0"/>
+              <a:t>In this project, the neural network is designed to have 3 stages.</a:t>
+            </a:r>
+          </a:p>
+          <a:p>
+            <a:r>
+              <a:rPr lang="en-US" dirty="0"/>
+              <a:t>The 1</a:t>
+            </a:r>
+            <a:r>
+              <a:rPr lang="en-US" baseline="30000" dirty="0"/>
+              <a:t>st</a:t>
+            </a:r>
+            <a:r>
+              <a:rPr lang="en-US" dirty="0"/>
+              <a:t> stage consists of dense layers which accepts 128-byte code generated by the </a:t>
+            </a:r>
+            <a:r>
+              <a:rPr lang="en-US" dirty="0" err="1"/>
+              <a:t>Facenet</a:t>
+            </a:r>
+            <a:r>
+              <a:rPr lang="en-US" dirty="0"/>
+              <a:t>. </a:t>
+            </a:r>
+          </a:p>
+          <a:p>
+            <a:r>
+              <a:rPr lang="en-US" dirty="0"/>
+              <a:t>The 2</a:t>
+            </a:r>
+            <a:r>
+              <a:rPr lang="en-US" baseline="30000" dirty="0"/>
+              <a:t>nd</a:t>
+            </a:r>
+            <a:r>
+              <a:rPr lang="en-US" dirty="0"/>
+              <a:t> stage consists 4 sets of dense layers which also accepts 128-byte code. </a:t>
+            </a:r>
+          </a:p>
+          <a:p>
+            <a:r>
+              <a:rPr lang="en-US" dirty="0"/>
+              <a:t>At 3</a:t>
+            </a:r>
+            <a:r>
+              <a:rPr lang="en-US" baseline="30000" dirty="0"/>
+              <a:t>rd</a:t>
+            </a:r>
+            <a:r>
+              <a:rPr lang="en-US" dirty="0"/>
+              <a:t> stages, we have 4 outputs. At each output, it inherits output of each 2</a:t>
+            </a:r>
+            <a:r>
+              <a:rPr lang="en-US" baseline="30000" dirty="0"/>
+              <a:t>nd</a:t>
+            </a:r>
+            <a:r>
+              <a:rPr lang="en-US" dirty="0"/>
+              <a:t> stage dense layer. It finally concatenates with 1</a:t>
+            </a:r>
+            <a:r>
+              <a:rPr lang="en-US" baseline="30000" dirty="0"/>
+              <a:t>st</a:t>
+            </a:r>
+            <a:r>
+              <a:rPr lang="en-US" dirty="0"/>
+              <a:t> stage output. After flattening and further dense layers, it will produce </a:t>
+            </a:r>
+            <a:r>
+              <a:rPr lang="en-US" dirty="0" err="1"/>
+              <a:t>softmax</a:t>
+            </a:r>
+            <a:r>
+              <a:rPr lang="en-US" dirty="0"/>
+              <a:t> output for each targeted face.</a:t>
+            </a:r>
+          </a:p>
+          <a:p>
+            <a:r>
+              <a:rPr lang="en-US" dirty="0"/>
+              <a:t>As a result, we will avoid weight to be concentrated on 1 of the targeted faces.</a:t>
+            </a:r>
+          </a:p>
+        </p:txBody>
+      </p:sp>
+    </p:spTree>
+    <p:extLst>
+      <p:ext uri="{BB962C8B-B14F-4D97-AF65-F5344CB8AC3E}">
+        <p14:creationId xmlns:p14="http://schemas.microsoft.com/office/powerpoint/2010/main" val="2308101639"/>
       </p:ext>
     </p:extLst>
   </p:cSld>

--- a/Face Recognition.pptx
+++ b/Face Recognition.pptx
@@ -5,7 +5,7 @@
     <p:sldMasterId id="2147483648" r:id="rId1"/>
   </p:sldMasterIdLst>
   <p:notesMasterIdLst>
-    <p:notesMasterId r:id="rId38"/>
+    <p:notesMasterId r:id="rId37"/>
   </p:notesMasterIdLst>
   <p:sldIdLst>
     <p:sldId id="256" r:id="rId2"/>
@@ -34,16 +34,15 @@
     <p:sldId id="291" r:id="rId25"/>
     <p:sldId id="288" r:id="rId26"/>
     <p:sldId id="289" r:id="rId27"/>
-    <p:sldId id="265" r:id="rId28"/>
-    <p:sldId id="278" r:id="rId29"/>
-    <p:sldId id="279" r:id="rId30"/>
-    <p:sldId id="270" r:id="rId31"/>
-    <p:sldId id="271" r:id="rId32"/>
-    <p:sldId id="272" r:id="rId33"/>
-    <p:sldId id="273" r:id="rId34"/>
-    <p:sldId id="292" r:id="rId35"/>
-    <p:sldId id="275" r:id="rId36"/>
-    <p:sldId id="274" r:id="rId37"/>
+    <p:sldId id="270" r:id="rId28"/>
+    <p:sldId id="295" r:id="rId29"/>
+    <p:sldId id="271" r:id="rId30"/>
+    <p:sldId id="272" r:id="rId31"/>
+    <p:sldId id="273" r:id="rId32"/>
+    <p:sldId id="292" r:id="rId33"/>
+    <p:sldId id="275" r:id="rId34"/>
+    <p:sldId id="294" r:id="rId35"/>
+    <p:sldId id="296" r:id="rId36"/>
   </p:sldIdLst>
   <p:sldSz cx="12192000" cy="6858000"/>
   <p:notesSz cx="6858000" cy="9144000"/>
@@ -232,7 +231,7 @@
           <a:p>
             <a:fld id="{C76D3CC8-22B5-4C3A-97DA-CB3616AF7A62}" type="datetimeFigureOut">
               <a:rPr lang="en-US" smtClean="0"/>
-              <a:t>3/15/2020</a:t>
+              <a:t>7/12/2020</a:t>
             </a:fld>
             <a:endParaRPr lang="en-US" dirty="0"/>
           </a:p>
@@ -956,175 +955,6 @@
           <a:bodyPr/>
           <a:lstStyle/>
           <a:p>
-            <a:r>
-              <a:rPr lang="en-US" dirty="0"/>
-              <a:t>[3] </a:t>
-            </a:r>
-            <a:r>
-              <a:rPr lang="en-US" sz="1200" b="1" i="0" kern="1200" dirty="0" err="1">
-                <a:solidFill>
-                  <a:schemeClr val="tx1"/>
-                </a:solidFill>
-                <a:effectLst/>
-                <a:latin typeface="+mn-lt"/>
-                <a:ea typeface="+mn-ea"/>
-                <a:cs typeface="+mn-cs"/>
-              </a:rPr>
-              <a:t>FaceNet</a:t>
-            </a:r>
-            <a:r>
-              <a:rPr lang="en-US" sz="1200" b="1" i="0" kern="1200" dirty="0">
-                <a:solidFill>
-                  <a:schemeClr val="tx1"/>
-                </a:solidFill>
-                <a:effectLst/>
-                <a:latin typeface="+mn-lt"/>
-                <a:ea typeface="+mn-ea"/>
-                <a:cs typeface="+mn-cs"/>
-              </a:rPr>
-              <a:t>: A Unified Embedding for Face Recognition and Clustering</a:t>
-            </a:r>
-          </a:p>
-          <a:p>
-            <a:r>
-              <a:rPr lang="en-US" sz="1200" b="0" i="0" u="none" strike="noStrike" kern="1200" dirty="0">
-                <a:solidFill>
-                  <a:schemeClr val="tx1"/>
-                </a:solidFill>
-                <a:effectLst/>
-                <a:latin typeface="+mn-lt"/>
-                <a:ea typeface="+mn-ea"/>
-                <a:cs typeface="+mn-cs"/>
-                <a:hlinkClick r:id="rId3"/>
-              </a:rPr>
-              <a:t>Florian </a:t>
-            </a:r>
-            <a:r>
-              <a:rPr lang="en-US" sz="1200" b="0" i="0" u="none" strike="noStrike" kern="1200" dirty="0" err="1">
-                <a:solidFill>
-                  <a:schemeClr val="tx1"/>
-                </a:solidFill>
-                <a:effectLst/>
-                <a:latin typeface="+mn-lt"/>
-                <a:ea typeface="+mn-ea"/>
-                <a:cs typeface="+mn-cs"/>
-                <a:hlinkClick r:id="rId3"/>
-              </a:rPr>
-              <a:t>Schroff</a:t>
-            </a:r>
-            <a:r>
-              <a:rPr lang="en-US" sz="1200" b="0" i="0" kern="1200" dirty="0">
-                <a:solidFill>
-                  <a:schemeClr val="tx1"/>
-                </a:solidFill>
-                <a:effectLst/>
-                <a:latin typeface="+mn-lt"/>
-                <a:ea typeface="+mn-ea"/>
-                <a:cs typeface="+mn-cs"/>
-              </a:rPr>
-              <a:t>, </a:t>
-            </a:r>
-            <a:r>
-              <a:rPr lang="en-US" sz="1200" b="0" i="0" u="none" strike="noStrike" kern="1200" dirty="0">
-                <a:solidFill>
-                  <a:schemeClr val="tx1"/>
-                </a:solidFill>
-                <a:effectLst/>
-                <a:latin typeface="+mn-lt"/>
-                <a:ea typeface="+mn-ea"/>
-                <a:cs typeface="+mn-cs"/>
-                <a:hlinkClick r:id="rId4"/>
-              </a:rPr>
-              <a:t>Dmitry </a:t>
-            </a:r>
-            <a:r>
-              <a:rPr lang="en-US" sz="1200" b="0" i="0" u="none" strike="noStrike" kern="1200" dirty="0" err="1">
-                <a:solidFill>
-                  <a:schemeClr val="tx1"/>
-                </a:solidFill>
-                <a:effectLst/>
-                <a:latin typeface="+mn-lt"/>
-                <a:ea typeface="+mn-ea"/>
-                <a:cs typeface="+mn-cs"/>
-                <a:hlinkClick r:id="rId4"/>
-              </a:rPr>
-              <a:t>Kalenichenko</a:t>
-            </a:r>
-            <a:r>
-              <a:rPr lang="en-US" sz="1200" b="0" i="0" kern="1200" dirty="0">
-                <a:solidFill>
-                  <a:schemeClr val="tx1"/>
-                </a:solidFill>
-                <a:effectLst/>
-                <a:latin typeface="+mn-lt"/>
-                <a:ea typeface="+mn-ea"/>
-                <a:cs typeface="+mn-cs"/>
-              </a:rPr>
-              <a:t>, </a:t>
-            </a:r>
-            <a:r>
-              <a:rPr lang="en-US" sz="1200" b="0" i="0" u="none" strike="noStrike" kern="1200" dirty="0">
-                <a:solidFill>
-                  <a:schemeClr val="tx1"/>
-                </a:solidFill>
-                <a:effectLst/>
-                <a:latin typeface="+mn-lt"/>
-                <a:ea typeface="+mn-ea"/>
-                <a:cs typeface="+mn-cs"/>
-                <a:hlinkClick r:id="rId5"/>
-              </a:rPr>
-              <a:t>James Philbin</a:t>
-            </a:r>
-            <a:endParaRPr lang="en-US" sz="1200" b="0" i="0" kern="1200" dirty="0">
-              <a:solidFill>
-                <a:schemeClr val="tx1"/>
-              </a:solidFill>
-              <a:effectLst/>
-              <a:latin typeface="+mn-lt"/>
-              <a:ea typeface="+mn-ea"/>
-              <a:cs typeface="+mn-cs"/>
-            </a:endParaRPr>
-          </a:p>
-          <a:p>
-            <a:r>
-              <a:rPr lang="en-US" sz="1200" b="0" i="1" kern="1200" dirty="0">
-                <a:solidFill>
-                  <a:schemeClr val="tx1"/>
-                </a:solidFill>
-                <a:effectLst/>
-                <a:latin typeface="+mn-lt"/>
-                <a:ea typeface="+mn-ea"/>
-                <a:cs typeface="+mn-cs"/>
-              </a:rPr>
-              <a:t>(Submitted on 12 Mar 2015 (</a:t>
-            </a:r>
-            <a:r>
-              <a:rPr lang="en-US" sz="1200" b="0" i="1" u="none" strike="noStrike" kern="1200" dirty="0">
-                <a:solidFill>
-                  <a:schemeClr val="tx1"/>
-                </a:solidFill>
-                <a:effectLst/>
-                <a:latin typeface="+mn-lt"/>
-                <a:ea typeface="+mn-ea"/>
-                <a:cs typeface="+mn-cs"/>
-                <a:hlinkClick r:id="rId6"/>
-              </a:rPr>
-              <a:t>v1</a:t>
-            </a:r>
-            <a:r>
-              <a:rPr lang="en-US" sz="1200" b="0" i="1" kern="1200" dirty="0">
-                <a:solidFill>
-                  <a:schemeClr val="tx1"/>
-                </a:solidFill>
-                <a:effectLst/>
-                <a:latin typeface="+mn-lt"/>
-                <a:ea typeface="+mn-ea"/>
-                <a:cs typeface="+mn-cs"/>
-              </a:rPr>
-              <a:t>), last revised 17 Jun 2015 (this version, v3))</a:t>
-            </a:r>
-          </a:p>
-          <a:p>
             <a:endParaRPr lang="en-US" dirty="0"/>
           </a:p>
         </p:txBody>
@@ -1155,7 +985,7 @@
     </p:spTree>
     <p:extLst>
       <p:ext uri="{BB962C8B-B14F-4D97-AF65-F5344CB8AC3E}">
-        <p14:creationId xmlns:p14="http://schemas.microsoft.com/office/powerpoint/2010/main" val="4042237538"/>
+        <p14:creationId xmlns:p14="http://schemas.microsoft.com/office/powerpoint/2010/main" val="933975599"/>
       </p:ext>
     </p:extLst>
   </p:cSld>
@@ -1209,175 +1039,6 @@
           <a:bodyPr/>
           <a:lstStyle/>
           <a:p>
-            <a:r>
-              <a:rPr lang="en-US" dirty="0"/>
-              <a:t>[3] </a:t>
-            </a:r>
-            <a:r>
-              <a:rPr lang="en-US" sz="1200" b="1" i="0" kern="1200" dirty="0" err="1">
-                <a:solidFill>
-                  <a:schemeClr val="tx1"/>
-                </a:solidFill>
-                <a:effectLst/>
-                <a:latin typeface="+mn-lt"/>
-                <a:ea typeface="+mn-ea"/>
-                <a:cs typeface="+mn-cs"/>
-              </a:rPr>
-              <a:t>FaceNet</a:t>
-            </a:r>
-            <a:r>
-              <a:rPr lang="en-US" sz="1200" b="1" i="0" kern="1200" dirty="0">
-                <a:solidFill>
-                  <a:schemeClr val="tx1"/>
-                </a:solidFill>
-                <a:effectLst/>
-                <a:latin typeface="+mn-lt"/>
-                <a:ea typeface="+mn-ea"/>
-                <a:cs typeface="+mn-cs"/>
-              </a:rPr>
-              <a:t>: A Unified Embedding for Face Recognition and Clustering</a:t>
-            </a:r>
-          </a:p>
-          <a:p>
-            <a:r>
-              <a:rPr lang="en-US" sz="1200" b="0" i="0" u="none" strike="noStrike" kern="1200" dirty="0">
-                <a:solidFill>
-                  <a:schemeClr val="tx1"/>
-                </a:solidFill>
-                <a:effectLst/>
-                <a:latin typeface="+mn-lt"/>
-                <a:ea typeface="+mn-ea"/>
-                <a:cs typeface="+mn-cs"/>
-                <a:hlinkClick r:id="rId3"/>
-              </a:rPr>
-              <a:t>Florian </a:t>
-            </a:r>
-            <a:r>
-              <a:rPr lang="en-US" sz="1200" b="0" i="0" u="none" strike="noStrike" kern="1200" dirty="0" err="1">
-                <a:solidFill>
-                  <a:schemeClr val="tx1"/>
-                </a:solidFill>
-                <a:effectLst/>
-                <a:latin typeface="+mn-lt"/>
-                <a:ea typeface="+mn-ea"/>
-                <a:cs typeface="+mn-cs"/>
-                <a:hlinkClick r:id="rId3"/>
-              </a:rPr>
-              <a:t>Schroff</a:t>
-            </a:r>
-            <a:r>
-              <a:rPr lang="en-US" sz="1200" b="0" i="0" kern="1200" dirty="0">
-                <a:solidFill>
-                  <a:schemeClr val="tx1"/>
-                </a:solidFill>
-                <a:effectLst/>
-                <a:latin typeface="+mn-lt"/>
-                <a:ea typeface="+mn-ea"/>
-                <a:cs typeface="+mn-cs"/>
-              </a:rPr>
-              <a:t>, </a:t>
-            </a:r>
-            <a:r>
-              <a:rPr lang="en-US" sz="1200" b="0" i="0" u="none" strike="noStrike" kern="1200" dirty="0">
-                <a:solidFill>
-                  <a:schemeClr val="tx1"/>
-                </a:solidFill>
-                <a:effectLst/>
-                <a:latin typeface="+mn-lt"/>
-                <a:ea typeface="+mn-ea"/>
-                <a:cs typeface="+mn-cs"/>
-                <a:hlinkClick r:id="rId4"/>
-              </a:rPr>
-              <a:t>Dmitry </a:t>
-            </a:r>
-            <a:r>
-              <a:rPr lang="en-US" sz="1200" b="0" i="0" u="none" strike="noStrike" kern="1200" dirty="0" err="1">
-                <a:solidFill>
-                  <a:schemeClr val="tx1"/>
-                </a:solidFill>
-                <a:effectLst/>
-                <a:latin typeface="+mn-lt"/>
-                <a:ea typeface="+mn-ea"/>
-                <a:cs typeface="+mn-cs"/>
-                <a:hlinkClick r:id="rId4"/>
-              </a:rPr>
-              <a:t>Kalenichenko</a:t>
-            </a:r>
-            <a:r>
-              <a:rPr lang="en-US" sz="1200" b="0" i="0" kern="1200" dirty="0">
-                <a:solidFill>
-                  <a:schemeClr val="tx1"/>
-                </a:solidFill>
-                <a:effectLst/>
-                <a:latin typeface="+mn-lt"/>
-                <a:ea typeface="+mn-ea"/>
-                <a:cs typeface="+mn-cs"/>
-              </a:rPr>
-              <a:t>, </a:t>
-            </a:r>
-            <a:r>
-              <a:rPr lang="en-US" sz="1200" b="0" i="0" u="none" strike="noStrike" kern="1200" dirty="0">
-                <a:solidFill>
-                  <a:schemeClr val="tx1"/>
-                </a:solidFill>
-                <a:effectLst/>
-                <a:latin typeface="+mn-lt"/>
-                <a:ea typeface="+mn-ea"/>
-                <a:cs typeface="+mn-cs"/>
-                <a:hlinkClick r:id="rId5"/>
-              </a:rPr>
-              <a:t>James Philbin</a:t>
-            </a:r>
-            <a:endParaRPr lang="en-US" sz="1200" b="0" i="0" kern="1200" dirty="0">
-              <a:solidFill>
-                <a:schemeClr val="tx1"/>
-              </a:solidFill>
-              <a:effectLst/>
-              <a:latin typeface="+mn-lt"/>
-              <a:ea typeface="+mn-ea"/>
-              <a:cs typeface="+mn-cs"/>
-            </a:endParaRPr>
-          </a:p>
-          <a:p>
-            <a:r>
-              <a:rPr lang="en-US" sz="1200" b="0" i="1" kern="1200" dirty="0">
-                <a:solidFill>
-                  <a:schemeClr val="tx1"/>
-                </a:solidFill>
-                <a:effectLst/>
-                <a:latin typeface="+mn-lt"/>
-                <a:ea typeface="+mn-ea"/>
-                <a:cs typeface="+mn-cs"/>
-              </a:rPr>
-              <a:t>(Submitted on 12 Mar 2015 (</a:t>
-            </a:r>
-            <a:r>
-              <a:rPr lang="en-US" sz="1200" b="0" i="1" u="none" strike="noStrike" kern="1200" dirty="0">
-                <a:solidFill>
-                  <a:schemeClr val="tx1"/>
-                </a:solidFill>
-                <a:effectLst/>
-                <a:latin typeface="+mn-lt"/>
-                <a:ea typeface="+mn-ea"/>
-                <a:cs typeface="+mn-cs"/>
-                <a:hlinkClick r:id="rId6"/>
-              </a:rPr>
-              <a:t>v1</a:t>
-            </a:r>
-            <a:r>
-              <a:rPr lang="en-US" sz="1200" b="0" i="1" kern="1200" dirty="0">
-                <a:solidFill>
-                  <a:schemeClr val="tx1"/>
-                </a:solidFill>
-                <a:effectLst/>
-                <a:latin typeface="+mn-lt"/>
-                <a:ea typeface="+mn-ea"/>
-                <a:cs typeface="+mn-cs"/>
-              </a:rPr>
-              <a:t>), last revised 17 Jun 2015 (this version, v3))</a:t>
-            </a:r>
-          </a:p>
-          <a:p>
             <a:endParaRPr lang="en-US" dirty="0"/>
           </a:p>
         </p:txBody>
@@ -1399,7 +1060,7 @@
           <a:p>
             <a:fld id="{79FB4E22-4E04-4227-AC2D-6C9A46D5A035}" type="slidenum">
               <a:rPr lang="en-US" smtClean="0"/>
-              <a:t>30</a:t>
+              <a:t>28</a:t>
             </a:fld>
             <a:endParaRPr lang="en-US" dirty="0"/>
           </a:p>
@@ -1408,7 +1069,7 @@
     </p:spTree>
     <p:extLst>
       <p:ext uri="{BB962C8B-B14F-4D97-AF65-F5344CB8AC3E}">
-        <p14:creationId xmlns:p14="http://schemas.microsoft.com/office/powerpoint/2010/main" val="933975599"/>
+        <p14:creationId xmlns:p14="http://schemas.microsoft.com/office/powerpoint/2010/main" val="2706785683"/>
       </p:ext>
     </p:extLst>
   </p:cSld>
@@ -1565,7 +1226,7 @@
           <a:p>
             <a:fld id="{DBA0AEA9-B681-4CF8-A519-E8BDD5DB3D30}" type="datetimeFigureOut">
               <a:rPr lang="en-US" smtClean="0"/>
-              <a:t>3/15/2020</a:t>
+              <a:t>7/12/2020</a:t>
             </a:fld>
             <a:endParaRPr lang="en-US" dirty="0"/>
           </a:p>
@@ -1763,7 +1424,7 @@
           <a:p>
             <a:fld id="{DBA0AEA9-B681-4CF8-A519-E8BDD5DB3D30}" type="datetimeFigureOut">
               <a:rPr lang="en-US" smtClean="0"/>
-              <a:t>3/15/2020</a:t>
+              <a:t>7/12/2020</a:t>
             </a:fld>
             <a:endParaRPr lang="en-US" dirty="0"/>
           </a:p>
@@ -1971,7 +1632,7 @@
           <a:p>
             <a:fld id="{DBA0AEA9-B681-4CF8-A519-E8BDD5DB3D30}" type="datetimeFigureOut">
               <a:rPr lang="en-US" smtClean="0"/>
-              <a:t>3/15/2020</a:t>
+              <a:t>7/12/2020</a:t>
             </a:fld>
             <a:endParaRPr lang="en-US" dirty="0"/>
           </a:p>
@@ -2169,7 +1830,7 @@
           <a:p>
             <a:fld id="{DBA0AEA9-B681-4CF8-A519-E8BDD5DB3D30}" type="datetimeFigureOut">
               <a:rPr lang="en-US" smtClean="0"/>
-              <a:t>3/15/2020</a:t>
+              <a:t>7/12/2020</a:t>
             </a:fld>
             <a:endParaRPr lang="en-US" dirty="0"/>
           </a:p>
@@ -2444,7 +2105,7 @@
           <a:p>
             <a:fld id="{DBA0AEA9-B681-4CF8-A519-E8BDD5DB3D30}" type="datetimeFigureOut">
               <a:rPr lang="en-US" smtClean="0"/>
-              <a:t>3/15/2020</a:t>
+              <a:t>7/12/2020</a:t>
             </a:fld>
             <a:endParaRPr lang="en-US" dirty="0"/>
           </a:p>
@@ -2709,7 +2370,7 @@
           <a:p>
             <a:fld id="{DBA0AEA9-B681-4CF8-A519-E8BDD5DB3D30}" type="datetimeFigureOut">
               <a:rPr lang="en-US" smtClean="0"/>
-              <a:t>3/15/2020</a:t>
+              <a:t>7/12/2020</a:t>
             </a:fld>
             <a:endParaRPr lang="en-US" dirty="0"/>
           </a:p>
@@ -3121,7 +2782,7 @@
           <a:p>
             <a:fld id="{DBA0AEA9-B681-4CF8-A519-E8BDD5DB3D30}" type="datetimeFigureOut">
               <a:rPr lang="en-US" smtClean="0"/>
-              <a:t>3/15/2020</a:t>
+              <a:t>7/12/2020</a:t>
             </a:fld>
             <a:endParaRPr lang="en-US" dirty="0"/>
           </a:p>
@@ -3262,7 +2923,7 @@
           <a:p>
             <a:fld id="{DBA0AEA9-B681-4CF8-A519-E8BDD5DB3D30}" type="datetimeFigureOut">
               <a:rPr lang="en-US" smtClean="0"/>
-              <a:t>3/15/2020</a:t>
+              <a:t>7/12/2020</a:t>
             </a:fld>
             <a:endParaRPr lang="en-US" dirty="0"/>
           </a:p>
@@ -3375,7 +3036,7 @@
           <a:p>
             <a:fld id="{DBA0AEA9-B681-4CF8-A519-E8BDD5DB3D30}" type="datetimeFigureOut">
               <a:rPr lang="en-US" smtClean="0"/>
-              <a:t>3/15/2020</a:t>
+              <a:t>7/12/2020</a:t>
             </a:fld>
             <a:endParaRPr lang="en-US" dirty="0"/>
           </a:p>
@@ -3686,7 +3347,7 @@
           <a:p>
             <a:fld id="{DBA0AEA9-B681-4CF8-A519-E8BDD5DB3D30}" type="datetimeFigureOut">
               <a:rPr lang="en-US" smtClean="0"/>
-              <a:t>3/15/2020</a:t>
+              <a:t>7/12/2020</a:t>
             </a:fld>
             <a:endParaRPr lang="en-US" dirty="0"/>
           </a:p>
@@ -3974,7 +3635,7 @@
           <a:p>
             <a:fld id="{DBA0AEA9-B681-4CF8-A519-E8BDD5DB3D30}" type="datetimeFigureOut">
               <a:rPr lang="en-US" smtClean="0"/>
-              <a:t>3/15/2020</a:t>
+              <a:t>7/12/2020</a:t>
             </a:fld>
             <a:endParaRPr lang="en-US" dirty="0"/>
           </a:p>
@@ -4215,7 +3876,7 @@
           <a:p>
             <a:fld id="{DBA0AEA9-B681-4CF8-A519-E8BDD5DB3D30}" type="datetimeFigureOut">
               <a:rPr lang="en-US" smtClean="0"/>
-              <a:t>3/15/2020</a:t>
+              <a:t>7/12/2020</a:t>
             </a:fld>
             <a:endParaRPr lang="en-US" dirty="0"/>
           </a:p>
@@ -4927,7 +4588,7 @@
           <a:p>
             <a:r>
               <a:rPr lang="en-US" dirty="0"/>
-              <a:t>MTCNN – Face Encoding</a:t>
+              <a:t>MTCNN – Face Alignment</a:t>
             </a:r>
           </a:p>
         </p:txBody>
@@ -5049,7 +4710,7 @@
           <a:p>
             <a:r>
               <a:rPr lang="en-US" dirty="0"/>
-              <a:t>MTCNN – Face Encoding</a:t>
+              <a:t>MTCNN – Face Alignment</a:t>
             </a:r>
           </a:p>
         </p:txBody>
@@ -5181,7 +4842,7 @@
           <a:p>
             <a:r>
               <a:rPr lang="en-US" dirty="0"/>
-              <a:t>MTCNN – Face Encoding</a:t>
+              <a:t>MTCNN – Face Alignment</a:t>
             </a:r>
           </a:p>
         </p:txBody>
@@ -5415,7 +5076,7 @@
         <p:spPr/>
         <p:txBody>
           <a:bodyPr>
-            <a:normAutofit fontScale="85000" lnSpcReduction="20000"/>
+            <a:normAutofit lnSpcReduction="10000"/>
           </a:bodyPr>
           <a:lstStyle/>
           <a:p>
@@ -5469,27 +5130,7 @@
           <a:p>
             <a:r>
               <a:rPr lang="en-US" dirty="0"/>
-              <a:t>In this project, the face image pixels within the MTCNN boundary will be taken (MTCNN outputs boundary coordinate instead of image). </a:t>
-            </a:r>
-          </a:p>
-          <a:p>
-            <a:r>
-              <a:rPr lang="en-US" dirty="0"/>
-              <a:t>These identified face image pixels will be resized into (160,160). The pixels which are too far away from left eye/right eye will be cropped. Forehead and pixels under mouth will also be cropped. This will reduce the noise due to varying hair style and background.</a:t>
-            </a:r>
-          </a:p>
-          <a:p>
-            <a:r>
-              <a:rPr lang="en-US" dirty="0"/>
-              <a:t>Final image will be resized again to (160,160) before input to pre-trained </a:t>
-            </a:r>
-            <a:r>
-              <a:rPr lang="en-US" dirty="0" err="1"/>
-              <a:t>Facenet</a:t>
-            </a:r>
-            <a:r>
-              <a:rPr lang="en-US" dirty="0"/>
-              <a:t> neural network.</a:t>
+              <a:t>In this project, right eye and left eye positions are used to align the picture. The position will be aligned to the horizontal axis. This is to reduce a greatly different face encoding across images on the same person.</a:t>
             </a:r>
           </a:p>
         </p:txBody>
@@ -6999,7 +6640,7 @@
 </file>
 
 <file path=ppt/slides/slide27.xml><?xml version="1.0" encoding="utf-8"?>
-<p:sld xmlns:a="http://schemas.openxmlformats.org/drawingml/2006/main" xmlns:r="http://schemas.openxmlformats.org/officeDocument/2006/relationships" xmlns:p="http://schemas.openxmlformats.org/presentationml/2006/main" show="0">
+<p:sld xmlns:a="http://schemas.openxmlformats.org/drawingml/2006/main" xmlns:r="http://schemas.openxmlformats.org/officeDocument/2006/relationships" xmlns:p="http://schemas.openxmlformats.org/presentationml/2006/main">
   <p:cSld>
     <p:spTree>
       <p:nvGrpSpPr>
@@ -7037,98 +6678,86 @@
           <a:lstStyle/>
           <a:p>
             <a:r>
+              <a:rPr lang="en-US" dirty="0"/>
+              <a:t>Face Recognition Model</a:t>
+            </a:r>
+          </a:p>
+        </p:txBody>
+      </p:sp>
+      <p:sp>
+        <p:nvSpPr>
+          <p:cNvPr id="3" name="Content Placeholder 2">
+            <a:extLst>
+              <a:ext uri="{FF2B5EF4-FFF2-40B4-BE49-F238E27FC236}">
+                <a16:creationId xmlns:a16="http://schemas.microsoft.com/office/drawing/2014/main" id="{0389A154-C597-4F89-A18F-B11AD646A257}"/>
+              </a:ext>
+            </a:extLst>
+          </p:cNvPr>
+          <p:cNvSpPr>
+            <a:spLocks noGrp="1"/>
+          </p:cNvSpPr>
+          <p:nvPr>
+            <p:ph idx="1"/>
+          </p:nvPr>
+        </p:nvSpPr>
+        <p:spPr/>
+        <p:txBody>
+          <a:bodyPr>
+            <a:normAutofit fontScale="92500"/>
+          </a:bodyPr>
+          <a:lstStyle/>
+          <a:p>
+            <a:r>
+              <a:rPr lang="en-US" dirty="0"/>
+              <a:t>3 Targeted faces and &gt;100 non-targeted faces are pre-processed using MTCNN (Background removal), and augmented.</a:t>
+            </a:r>
+          </a:p>
+          <a:p>
+            <a:r>
+              <a:rPr lang="en-US" dirty="0"/>
+              <a:t>As a result, ~100000 images are input into pre-trained </a:t>
+            </a:r>
+            <a:r>
               <a:rPr lang="en-US" dirty="0" err="1"/>
-              <a:t>Facenet</a:t>
-            </a:r>
-            <a:r>
-              <a:rPr lang="en-US" dirty="0"/>
-              <a:t> – Face Encoding</a:t>
-            </a:r>
-          </a:p>
-        </p:txBody>
-      </p:sp>
-      <p:sp>
-        <p:nvSpPr>
-          <p:cNvPr id="3" name="Content Placeholder 2">
-            <a:extLst>
-              <a:ext uri="{FF2B5EF4-FFF2-40B4-BE49-F238E27FC236}">
-                <a16:creationId xmlns:a16="http://schemas.microsoft.com/office/drawing/2014/main" id="{0389A154-C597-4F89-A18F-B11AD646A257}"/>
-              </a:ext>
-            </a:extLst>
-          </p:cNvPr>
-          <p:cNvSpPr>
-            <a:spLocks noGrp="1"/>
-          </p:cNvSpPr>
-          <p:nvPr>
-            <p:ph idx="1"/>
-          </p:nvPr>
-        </p:nvSpPr>
-        <p:spPr/>
-        <p:txBody>
-          <a:bodyPr>
-            <a:normAutofit/>
-          </a:bodyPr>
-          <a:lstStyle/>
-          <a:p>
+              <a:t>face_recognition</a:t>
+            </a:r>
+            <a:r>
+              <a:rPr lang="en-US" dirty="0"/>
+              <a:t>.</a:t>
+            </a:r>
+          </a:p>
+          <a:p>
+            <a:r>
+              <a:rPr lang="en-US" dirty="0"/>
+              <a:t>With the 128-byte code, it is now a smaller dataset which enables Classifier models to be trained for the final image recognition.</a:t>
+            </a:r>
+          </a:p>
+          <a:p>
+            <a:r>
+              <a:rPr lang="en-US" dirty="0"/>
+              <a:t>In this project, the objective is to recognize multiple (3) faces. By using </a:t>
+            </a:r>
             <a:r>
               <a:rPr lang="en-US" dirty="0" err="1"/>
-              <a:t>Facenet</a:t>
-            </a:r>
-            <a:r>
-              <a:rPr lang="en-US" dirty="0"/>
-              <a:t> [3] is a deep neural network which encode the image into 128 byte code.</a:t>
-            </a:r>
-          </a:p>
-          <a:p>
-            <a:r>
-              <a:rPr lang="en-US" dirty="0" err="1"/>
-              <a:t>Facenet</a:t>
-            </a:r>
-            <a:r>
-              <a:rPr lang="en-US" dirty="0"/>
-              <a:t> weights are pre-trained based on ~50 million faces.</a:t>
-            </a:r>
-          </a:p>
-          <a:p>
-            <a:r>
-              <a:rPr lang="en-US" dirty="0"/>
-              <a:t>Hence, </a:t>
-            </a:r>
-            <a:r>
-              <a:rPr lang="en-US" dirty="0" err="1"/>
-              <a:t>Facenet</a:t>
-            </a:r>
-            <a:r>
-              <a:rPr lang="en-US" dirty="0"/>
-              <a:t> is used to encode images into 128 byte code in this project based on the pretrained network weights.</a:t>
-            </a:r>
-          </a:p>
-          <a:p>
-            <a:r>
-              <a:rPr lang="en-US" dirty="0"/>
-              <a:t>Training of 50 million faces requires long training time. Application of </a:t>
-            </a:r>
-            <a:r>
-              <a:rPr lang="en-US" dirty="0" err="1"/>
-              <a:t>Facenet</a:t>
-            </a:r>
-            <a:r>
-              <a:rPr lang="en-US" dirty="0"/>
-              <a:t> saves the training time while allow the faces to be encoded without accessing to massive dataset.</a:t>
-            </a:r>
-          </a:p>
-          <a:p>
-            <a:pPr marL="0" indent="0">
-              <a:buNone/>
-            </a:pPr>
-            <a:endParaRPr lang="en-US" dirty="0"/>
+              <a:t>face_recognition</a:t>
+            </a:r>
+            <a:r>
+              <a:rPr lang="en-US" dirty="0"/>
+              <a:t> library helps to encode the image, but it does not serve as final classifier.</a:t>
+            </a:r>
+          </a:p>
+          <a:p>
+            <a:r>
+              <a:rPr lang="en-US" dirty="0"/>
+              <a:t>Hence, a classifier with 128-byte code as input will have 3 binary/categorical outputs.</a:t>
+            </a:r>
           </a:p>
         </p:txBody>
       </p:sp>
     </p:spTree>
     <p:extLst>
       <p:ext uri="{BB962C8B-B14F-4D97-AF65-F5344CB8AC3E}">
-        <p14:creationId xmlns:p14="http://schemas.microsoft.com/office/powerpoint/2010/main" val="3643608619"/>
+        <p14:creationId xmlns:p14="http://schemas.microsoft.com/office/powerpoint/2010/main" val="2191944407"/>
       </p:ext>
     </p:extLst>
   </p:cSld>
@@ -7139,7 +6768,7 @@
 </file>
 
 <file path=ppt/slides/slide28.xml><?xml version="1.0" encoding="utf-8"?>
-<p:sld xmlns:a="http://schemas.openxmlformats.org/drawingml/2006/main" xmlns:r="http://schemas.openxmlformats.org/officeDocument/2006/relationships" xmlns:p="http://schemas.openxmlformats.org/presentationml/2006/main" show="0">
+<p:sld xmlns:a="http://schemas.openxmlformats.org/drawingml/2006/main" xmlns:r="http://schemas.openxmlformats.org/officeDocument/2006/relationships" xmlns:p="http://schemas.openxmlformats.org/presentationml/2006/main">
   <p:cSld>
     <p:spTree>
       <p:nvGrpSpPr>
@@ -7160,7 +6789,7 @@
           <p:cNvPr id="2" name="Title 1">
             <a:extLst>
               <a:ext uri="{FF2B5EF4-FFF2-40B4-BE49-F238E27FC236}">
-                <a16:creationId xmlns:a16="http://schemas.microsoft.com/office/drawing/2014/main" id="{92FB4791-636F-43AD-AD95-36F0B751D6AA}"/>
+                <a16:creationId xmlns:a16="http://schemas.microsoft.com/office/drawing/2014/main" id="{6F9D0646-CB18-4DF3-9DC6-3E48B6B2282E}"/>
               </a:ext>
             </a:extLst>
           </p:cNvPr>
@@ -7177,61 +6806,72 @@
           <a:lstStyle/>
           <a:p>
             <a:r>
+              <a:rPr lang="en-US" dirty="0"/>
+              <a:t>Face Recognition Model</a:t>
+            </a:r>
+          </a:p>
+        </p:txBody>
+      </p:sp>
+      <p:sp>
+        <p:nvSpPr>
+          <p:cNvPr id="3" name="Content Placeholder 2">
+            <a:extLst>
+              <a:ext uri="{FF2B5EF4-FFF2-40B4-BE49-F238E27FC236}">
+                <a16:creationId xmlns:a16="http://schemas.microsoft.com/office/drawing/2014/main" id="{0389A154-C597-4F89-A18F-B11AD646A257}"/>
+              </a:ext>
+            </a:extLst>
+          </p:cNvPr>
+          <p:cNvSpPr>
+            <a:spLocks noGrp="1"/>
+          </p:cNvSpPr>
+          <p:nvPr>
+            <p:ph idx="1"/>
+          </p:nvPr>
+        </p:nvSpPr>
+        <p:spPr/>
+        <p:txBody>
+          <a:bodyPr>
+            <a:normAutofit fontScale="85000" lnSpcReduction="20000"/>
+          </a:bodyPr>
+          <a:lstStyle/>
+          <a:p>
+            <a:r>
+              <a:rPr lang="en-US" dirty="0"/>
+              <a:t>SVM is using support vector to detect the boundary in between face encodings that represent difference face. It is accurate but time consuming in training. With stable </a:t>
+            </a:r>
+            <a:r>
               <a:rPr lang="en-US" dirty="0" err="1"/>
-              <a:t>Facenet</a:t>
-            </a:r>
-            <a:endParaRPr lang="en-US" dirty="0"/>
-          </a:p>
-        </p:txBody>
-      </p:sp>
-      <p:sp>
-        <p:nvSpPr>
-          <p:cNvPr id="3" name="Content Placeholder 2">
-            <a:extLst>
-              <a:ext uri="{FF2B5EF4-FFF2-40B4-BE49-F238E27FC236}">
-                <a16:creationId xmlns:a16="http://schemas.microsoft.com/office/drawing/2014/main" id="{0B6A298C-1A2B-4AD8-A74A-180CDA7DA3B1}"/>
-              </a:ext>
-            </a:extLst>
-          </p:cNvPr>
-          <p:cNvSpPr>
-            <a:spLocks noGrp="1"/>
-          </p:cNvSpPr>
-          <p:nvPr>
-            <p:ph idx="1"/>
-          </p:nvPr>
-        </p:nvSpPr>
-        <p:spPr/>
-        <p:txBody>
-          <a:bodyPr>
-            <a:normAutofit lnSpcReduction="10000"/>
-          </a:bodyPr>
-          <a:lstStyle/>
-          <a:p>
+              <a:t>face_recognition</a:t>
+            </a:r>
+            <a:r>
+              <a:rPr lang="en-US" dirty="0"/>
+              <a:t>, SVM is still suitable since number of boundaries may greatly reduced.</a:t>
+            </a:r>
+          </a:p>
+          <a:p>
+            <a:r>
+              <a:rPr lang="en-US" dirty="0"/>
+              <a:t>Face physical feature is encoded based on </a:t>
+            </a:r>
             <a:r>
               <a:rPr lang="en-US" dirty="0" err="1"/>
-              <a:t>Facenet</a:t>
-            </a:r>
-            <a:r>
-              <a:rPr lang="en-US" dirty="0"/>
-              <a:t> is using shared layers to compute triplet loss of anchor, positive and negative images.</a:t>
-            </a:r>
-          </a:p>
-          <a:p>
-            <a:r>
-              <a:rPr lang="en-US" dirty="0"/>
-              <a:t>Anchor image (specific person image) should have less distance to the positive image (other image that is labelled to the same person) as compared to distance to the negative images (other images that labelled to other persons).</a:t>
-            </a:r>
-          </a:p>
-          <a:p>
-            <a:r>
-              <a:rPr lang="en-US" dirty="0"/>
-              <a:t>Triplet loss is then total squared distance of anchor image to positive image minus total squared distance of anchor image to negative image.</a:t>
-            </a:r>
-          </a:p>
-          <a:p>
-            <a:r>
-              <a:rPr lang="en-US" dirty="0"/>
-              <a:t>As a result, SGD training using ADAGRAD boosting is using to minimized the triplet loss.</a:t>
+              <a:t>HoG</a:t>
+            </a:r>
+            <a:r>
+              <a:rPr lang="en-US" dirty="0"/>
+              <a:t> and so similar image of same person should be around the same distance. KNN is having good performance in grouping the 128-bit encode which are similar. When encoding is stable, KNN is a good choice.</a:t>
+            </a:r>
+          </a:p>
+          <a:p>
+            <a:r>
+              <a:rPr lang="en-US" dirty="0"/>
+              <a:t>Logistic regression is also used here since it is more based on the regression of existing points after transformation. It is not using distance or boundary plane to distinguish the points. Hence, it can be a complementary to SVM and KNN.</a:t>
+            </a:r>
+          </a:p>
+          <a:p>
+            <a:r>
+              <a:rPr lang="en-US" dirty="0"/>
+              <a:t>MLP is chosen since neural network is not using distance/boundary to distinguish the difference across face encodings. It may reveal relations that cannot be detected by KNN/SVM.</a:t>
             </a:r>
           </a:p>
         </p:txBody>
@@ -7239,7 +6879,7 @@
     </p:spTree>
     <p:extLst>
       <p:ext uri="{BB962C8B-B14F-4D97-AF65-F5344CB8AC3E}">
-        <p14:creationId xmlns:p14="http://schemas.microsoft.com/office/powerpoint/2010/main" val="289514032"/>
+        <p14:creationId xmlns:p14="http://schemas.microsoft.com/office/powerpoint/2010/main" val="751760094"/>
       </p:ext>
     </p:extLst>
   </p:cSld>
@@ -7250,7 +6890,7 @@
 </file>
 
 <file path=ppt/slides/slide29.xml><?xml version="1.0" encoding="utf-8"?>
-<p:sld xmlns:a="http://schemas.openxmlformats.org/drawingml/2006/main" xmlns:r="http://schemas.openxmlformats.org/officeDocument/2006/relationships" xmlns:p="http://schemas.openxmlformats.org/presentationml/2006/main" show="0">
+<p:sld xmlns:a="http://schemas.openxmlformats.org/drawingml/2006/main" xmlns:r="http://schemas.openxmlformats.org/officeDocument/2006/relationships" xmlns:p="http://schemas.openxmlformats.org/presentationml/2006/main">
   <p:cSld>
     <p:spTree>
       <p:nvGrpSpPr>
@@ -7266,40 +6906,118 @@
           <a:chExt cx="0" cy="0"/>
         </a:xfrm>
       </p:grpSpPr>
-      <p:pic>
-        <p:nvPicPr>
-          <p:cNvPr id="5" name="Picture 4">
-            <a:extLst>
-              <a:ext uri="{FF2B5EF4-FFF2-40B4-BE49-F238E27FC236}">
-                <a16:creationId xmlns:a16="http://schemas.microsoft.com/office/drawing/2014/main" id="{97AF6184-4A5E-4FBD-BD8B-6CD2194BF421}"/>
-              </a:ext>
-            </a:extLst>
-          </p:cNvPr>
-          <p:cNvPicPr>
-            <a:picLocks noChangeAspect="1"/>
-          </p:cNvPicPr>
-          <p:nvPr/>
-        </p:nvPicPr>
-        <p:blipFill>
-          <a:blip r:embed="rId2"/>
-          <a:stretch>
-            <a:fillRect/>
-          </a:stretch>
-        </p:blipFill>
-        <p:spPr>
-          <a:xfrm>
-            <a:off x="2681287" y="876300"/>
-            <a:ext cx="6829425" cy="5105400"/>
-          </a:xfrm>
-          <a:prstGeom prst="rect">
-            <a:avLst/>
-          </a:prstGeom>
-        </p:spPr>
-      </p:pic>
+      <p:sp>
+        <p:nvSpPr>
+          <p:cNvPr id="2" name="Title 1">
+            <a:extLst>
+              <a:ext uri="{FF2B5EF4-FFF2-40B4-BE49-F238E27FC236}">
+                <a16:creationId xmlns:a16="http://schemas.microsoft.com/office/drawing/2014/main" id="{9637F0F6-930F-44E0-BB44-B5544F1B9C21}"/>
+              </a:ext>
+            </a:extLst>
+          </p:cNvPr>
+          <p:cNvSpPr>
+            <a:spLocks noGrp="1"/>
+          </p:cNvSpPr>
+          <p:nvPr>
+            <p:ph type="title"/>
+          </p:nvPr>
+        </p:nvSpPr>
+        <p:spPr/>
+        <p:txBody>
+          <a:bodyPr/>
+          <a:lstStyle/>
+          <a:p>
+            <a:r>
+              <a:rPr lang="en-US" dirty="0"/>
+              <a:t>KNN</a:t>
+            </a:r>
+          </a:p>
+        </p:txBody>
+      </p:sp>
+      <p:sp>
+        <p:nvSpPr>
+          <p:cNvPr id="3" name="Content Placeholder 2">
+            <a:extLst>
+              <a:ext uri="{FF2B5EF4-FFF2-40B4-BE49-F238E27FC236}">
+                <a16:creationId xmlns:a16="http://schemas.microsoft.com/office/drawing/2014/main" id="{FAE0B09F-0E44-486F-8656-354B6A54F174}"/>
+              </a:ext>
+            </a:extLst>
+          </p:cNvPr>
+          <p:cNvSpPr>
+            <a:spLocks noGrp="1"/>
+          </p:cNvSpPr>
+          <p:nvPr>
+            <p:ph idx="1"/>
+          </p:nvPr>
+        </p:nvSpPr>
+        <p:spPr/>
+        <p:txBody>
+          <a:bodyPr>
+            <a:normAutofit lnSpcReduction="10000"/>
+          </a:bodyPr>
+          <a:lstStyle/>
+          <a:p>
+            <a:r>
+              <a:rPr lang="en-US" dirty="0"/>
+              <a:t>Distance in between 128-byte code generated from two images (thru </a:t>
+            </a:r>
+            <a:r>
+              <a:rPr lang="en-US" dirty="0" err="1"/>
+              <a:t>face_recognition</a:t>
+            </a:r>
+            <a:r>
+              <a:rPr lang="en-US" dirty="0"/>
+              <a:t>) is a good indicator of image similarity.</a:t>
+            </a:r>
+          </a:p>
+          <a:p>
+            <a:r>
+              <a:rPr lang="en-US" dirty="0"/>
+              <a:t>KNN can use the </a:t>
+            </a:r>
+            <a:r>
+              <a:rPr lang="en-US" dirty="0" err="1"/>
+              <a:t>Minkowski</a:t>
+            </a:r>
+            <a:r>
+              <a:rPr lang="en-US" dirty="0"/>
+              <a:t> distance when defining the nearest neighbor. In contrast, Euclidean/cosine distance is using great computing power and time to generate. It is not advisable for training and real time application.</a:t>
+            </a:r>
+          </a:p>
+          <a:p>
+            <a:r>
+              <a:rPr lang="en-US" dirty="0"/>
+              <a:t>The accuracy is enhanced with weight reduced with the distance increased. (Using </a:t>
+            </a:r>
+            <a:r>
+              <a:rPr lang="en-US" dirty="0" err="1"/>
+              <a:t>Sklearn</a:t>
+            </a:r>
+            <a:r>
+              <a:rPr lang="en-US" dirty="0"/>
+              <a:t> KNN’s distance weighted </a:t>
+            </a:r>
+            <a:r>
+              <a:rPr lang="en-US" dirty="0" err="1"/>
+              <a:t>neighbouring</a:t>
+            </a:r>
+            <a:r>
+              <a:rPr lang="en-US" dirty="0"/>
+              <a:t> definition which is not time consuming)</a:t>
+            </a:r>
+          </a:p>
+          <a:p>
+            <a:r>
+              <a:rPr lang="en-US" dirty="0"/>
+              <a:t>As a result, the accuracy can reach 95-97% in the dataset with number of neighbor set to 5.</a:t>
+            </a:r>
+          </a:p>
+        </p:txBody>
+      </p:sp>
     </p:spTree>
     <p:extLst>
       <p:ext uri="{BB962C8B-B14F-4D97-AF65-F5344CB8AC3E}">
-        <p14:creationId xmlns:p14="http://schemas.microsoft.com/office/powerpoint/2010/main" val="1496131070"/>
+        <p14:creationId xmlns:p14="http://schemas.microsoft.com/office/powerpoint/2010/main" val="1027369120"/>
       </p:ext>
     </p:extLst>
   </p:cSld>
@@ -7437,7 +7155,7 @@
           <p:cNvPr id="2" name="Title 1">
             <a:extLst>
               <a:ext uri="{FF2B5EF4-FFF2-40B4-BE49-F238E27FC236}">
-                <a16:creationId xmlns:a16="http://schemas.microsoft.com/office/drawing/2014/main" id="{6F9D0646-CB18-4DF3-9DC6-3E48B6B2282E}"/>
+                <a16:creationId xmlns:a16="http://schemas.microsoft.com/office/drawing/2014/main" id="{76114761-3B73-4241-9CE3-DAA4A5854FEE}"/>
               </a:ext>
             </a:extLst>
           </p:cNvPr>
@@ -7455,7 +7173,7 @@
           <a:p>
             <a:r>
               <a:rPr lang="en-US" dirty="0"/>
-              <a:t>Face Recognition Model</a:t>
+              <a:t>SVM</a:t>
             </a:r>
           </a:p>
         </p:txBody>
@@ -7465,7 +7183,7 @@
           <p:cNvPr id="3" name="Content Placeholder 2">
             <a:extLst>
               <a:ext uri="{FF2B5EF4-FFF2-40B4-BE49-F238E27FC236}">
-                <a16:creationId xmlns:a16="http://schemas.microsoft.com/office/drawing/2014/main" id="{0389A154-C597-4F89-A18F-B11AD646A257}"/>
+                <a16:creationId xmlns:a16="http://schemas.microsoft.com/office/drawing/2014/main" id="{B01C36C7-CE82-430D-9F40-55FF0B9C2B3A}"/>
               </a:ext>
             </a:extLst>
           </p:cNvPr>
@@ -7478,54 +7196,36 @@
         </p:nvSpPr>
         <p:spPr/>
         <p:txBody>
-          <a:bodyPr>
-            <a:normAutofit/>
-          </a:bodyPr>
-          <a:lstStyle/>
-          <a:p>
-            <a:r>
-              <a:rPr lang="en-US" dirty="0"/>
-              <a:t>3 Targeted faces and &gt;100 non-targeted faces are pre-processed using MTCNN (Background removal), and augmented.</a:t>
-            </a:r>
-          </a:p>
-          <a:p>
-            <a:r>
-              <a:rPr lang="en-US" dirty="0"/>
-              <a:t>As a result, ~100000 images are input into pre-trained </a:t>
-            </a:r>
-            <a:r>
-              <a:rPr lang="en-US" dirty="0" err="1"/>
-              <a:t>Facenet</a:t>
-            </a:r>
-            <a:r>
-              <a:rPr lang="en-US" dirty="0"/>
-              <a:t>.</a:t>
-            </a:r>
-          </a:p>
-          <a:p>
-            <a:r>
-              <a:rPr lang="en-US" dirty="0"/>
-              <a:t>With the 128-byte code, it is now a smaller dataset which enables Classifier models to be trained for the final image recognition.</a:t>
-            </a:r>
-          </a:p>
-          <a:p>
-            <a:r>
-              <a:rPr lang="en-US" dirty="0"/>
-              <a:t>In this project, the objective is to recognize multiple (3) faces. Though </a:t>
-            </a:r>
-            <a:r>
-              <a:rPr lang="en-US" dirty="0" err="1"/>
-              <a:t>Facenet</a:t>
-            </a:r>
-            <a:r>
-              <a:rPr lang="en-US" dirty="0"/>
-              <a:t> helps to encode the image, it does not serve as final classifier.</a:t>
-            </a:r>
-          </a:p>
-          <a:p>
-            <a:r>
-              <a:rPr lang="en-US" dirty="0"/>
-              <a:t>Hence, a classifier with 128-byte code as input will have 3 binary/categorical output.</a:t>
+          <a:bodyPr/>
+          <a:lstStyle/>
+          <a:p>
+            <a:r>
+              <a:rPr lang="en-US" dirty="0"/>
+              <a:t>SVM is also suitable for face recognition.</a:t>
+            </a:r>
+          </a:p>
+          <a:p>
+            <a:r>
+              <a:rPr lang="en-US" dirty="0"/>
+              <a:t>Transformation of the 128-byte code enables support vector plane to be found.</a:t>
+            </a:r>
+          </a:p>
+          <a:p>
+            <a:r>
+              <a:rPr lang="en-US" dirty="0"/>
+              <a:t>Support vector plane distinguishes face encodings point that represents different faces hence its accuracy is high.</a:t>
+            </a:r>
+          </a:p>
+          <a:p>
+            <a:r>
+              <a:rPr lang="en-US" dirty="0"/>
+              <a:t>Training time and file size increases with number of boundary planes increases due to noise or unstable encodings.</a:t>
+            </a:r>
+          </a:p>
+          <a:p>
+            <a:r>
+              <a:rPr lang="en-US" dirty="0"/>
+              <a:t>May not be feasible if number of pictures increase further.</a:t>
             </a:r>
           </a:p>
         </p:txBody>
@@ -7533,7 +7233,7 @@
     </p:spTree>
     <p:extLst>
       <p:ext uri="{BB962C8B-B14F-4D97-AF65-F5344CB8AC3E}">
-        <p14:creationId xmlns:p14="http://schemas.microsoft.com/office/powerpoint/2010/main" val="2191944407"/>
+        <p14:creationId xmlns:p14="http://schemas.microsoft.com/office/powerpoint/2010/main" val="3456278151"/>
       </p:ext>
     </p:extLst>
   </p:cSld>
@@ -7565,7 +7265,7 @@
           <p:cNvPr id="2" name="Title 1">
             <a:extLst>
               <a:ext uri="{FF2B5EF4-FFF2-40B4-BE49-F238E27FC236}">
-                <a16:creationId xmlns:a16="http://schemas.microsoft.com/office/drawing/2014/main" id="{9637F0F6-930F-44E0-BB44-B5544F1B9C21}"/>
+                <a16:creationId xmlns:a16="http://schemas.microsoft.com/office/drawing/2014/main" id="{A7AD5AEE-6EE2-4B66-828F-0C6C3F2C1D62}"/>
               </a:ext>
             </a:extLst>
           </p:cNvPr>
@@ -7583,7 +7283,7 @@
           <a:p>
             <a:r>
               <a:rPr lang="en-US" dirty="0"/>
-              <a:t>KNN</a:t>
+              <a:t>Logistic Regression</a:t>
             </a:r>
           </a:p>
         </p:txBody>
@@ -7593,7 +7293,7 @@
           <p:cNvPr id="3" name="Content Placeholder 2">
             <a:extLst>
               <a:ext uri="{FF2B5EF4-FFF2-40B4-BE49-F238E27FC236}">
-                <a16:creationId xmlns:a16="http://schemas.microsoft.com/office/drawing/2014/main" id="{FAE0B09F-0E44-486F-8656-354B6A54F174}"/>
+                <a16:creationId xmlns:a16="http://schemas.microsoft.com/office/drawing/2014/main" id="{25884FF5-8F0C-4B37-8C70-D20C6E2CC04B}"/>
               </a:ext>
             </a:extLst>
           </p:cNvPr>
@@ -7611,13 +7311,13 @@
           <a:p>
             <a:r>
               <a:rPr lang="en-US" dirty="0"/>
-              <a:t>KNN is suitable for face recognition. </a:t>
-            </a:r>
-          </a:p>
-          <a:p>
-            <a:r>
-              <a:rPr lang="en-US" dirty="0"/>
-              <a:t>Cosine distance in between 128-byte code generated from two images (thru </a:t>
+              <a:t>Logistic regression is suitable for binary classification using probability function.</a:t>
+            </a:r>
+          </a:p>
+          <a:p>
+            <a:r>
+              <a:rPr lang="en-US" dirty="0"/>
+              <a:t>After image is encoded into 128-byte code thru </a:t>
             </a:r>
             <a:r>
               <a:rPr lang="en-US" dirty="0" err="1"/>
@@ -7625,33 +7325,13 @@
             </a:r>
             <a:r>
               <a:rPr lang="en-US" dirty="0"/>
-              <a:t>) is a good indicator of image similarity.</a:t>
-            </a:r>
-          </a:p>
-          <a:p>
-            <a:r>
-              <a:rPr lang="en-US" dirty="0"/>
-              <a:t>KNN can use the </a:t>
-            </a:r>
-            <a:r>
-              <a:rPr lang="en-US" dirty="0" err="1"/>
-              <a:t>Minkowski</a:t>
-            </a:r>
-            <a:r>
-              <a:rPr lang="en-US" dirty="0"/>
-              <a:t> distance when defining the nearest neighbor.</a:t>
-            </a:r>
-          </a:p>
-          <a:p>
-            <a:r>
-              <a:rPr lang="en-US" dirty="0"/>
-              <a:t>The accuracy is enhanced with weight reduced with the distance increased.</a:t>
-            </a:r>
-          </a:p>
-          <a:p>
-            <a:r>
-              <a:rPr lang="en-US" dirty="0"/>
-              <a:t>As a result, the accuracy can reach 95-97% in the dataset with number of neighbor set to 5.</a:t>
+              <a:t>, logistic regression model is built for each targeted face.</a:t>
+            </a:r>
+          </a:p>
+          <a:p>
+            <a:r>
+              <a:rPr lang="en-US" dirty="0"/>
+              <a:t>Logistic regression is not a linear regression model and so it allow a better binary class prediction using 128-byte code.</a:t>
             </a:r>
           </a:p>
         </p:txBody>
@@ -7659,7 +7339,7 @@
     </p:spTree>
     <p:extLst>
       <p:ext uri="{BB962C8B-B14F-4D97-AF65-F5344CB8AC3E}">
-        <p14:creationId xmlns:p14="http://schemas.microsoft.com/office/powerpoint/2010/main" val="1027369120"/>
+        <p14:creationId xmlns:p14="http://schemas.microsoft.com/office/powerpoint/2010/main" val="901627145"/>
       </p:ext>
     </p:extLst>
   </p:cSld>
@@ -7691,7 +7371,7 @@
           <p:cNvPr id="2" name="Title 1">
             <a:extLst>
               <a:ext uri="{FF2B5EF4-FFF2-40B4-BE49-F238E27FC236}">
-                <a16:creationId xmlns:a16="http://schemas.microsoft.com/office/drawing/2014/main" id="{76114761-3B73-4241-9CE3-DAA4A5854FEE}"/>
+                <a16:creationId xmlns:a16="http://schemas.microsoft.com/office/drawing/2014/main" id="{A7AD5AEE-6EE2-4B66-828F-0C6C3F2C1D62}"/>
               </a:ext>
             </a:extLst>
           </p:cNvPr>
@@ -7709,7 +7389,7 @@
           <a:p>
             <a:r>
               <a:rPr lang="en-US" dirty="0"/>
-              <a:t>SVM</a:t>
+              <a:t>MLP</a:t>
             </a:r>
           </a:p>
         </p:txBody>
@@ -7719,7 +7399,7 @@
           <p:cNvPr id="3" name="Content Placeholder 2">
             <a:extLst>
               <a:ext uri="{FF2B5EF4-FFF2-40B4-BE49-F238E27FC236}">
-                <a16:creationId xmlns:a16="http://schemas.microsoft.com/office/drawing/2014/main" id="{B01C36C7-CE82-430D-9F40-55FF0B9C2B3A}"/>
+                <a16:creationId xmlns:a16="http://schemas.microsoft.com/office/drawing/2014/main" id="{25884FF5-8F0C-4B37-8C70-D20C6E2CC04B}"/>
               </a:ext>
             </a:extLst>
           </p:cNvPr>
@@ -7737,33 +7417,37 @@
           <a:p>
             <a:r>
               <a:rPr lang="en-US" dirty="0"/>
-              <a:t>SVM is also suitable for face recognition.</a:t>
-            </a:r>
-          </a:p>
-          <a:p>
-            <a:r>
-              <a:rPr lang="en-US" dirty="0"/>
-              <a:t>Transformation of the 128-byte code enables support vector plane to be found.</a:t>
-            </a:r>
-          </a:p>
-          <a:p>
-            <a:r>
-              <a:rPr lang="en-US" dirty="0"/>
-              <a:t>With good image preprocessing, </a:t>
+              <a:t>Multi-layer Perceptron is also used in this context.</a:t>
+            </a:r>
+          </a:p>
+          <a:p>
+            <a:r>
+              <a:rPr lang="en-US" dirty="0"/>
+              <a:t>120 hidden layers are used in this context using </a:t>
             </a:r>
             <a:r>
               <a:rPr lang="en-US" dirty="0" err="1"/>
-              <a:t>facenet</a:t>
-            </a:r>
-            <a:r>
-              <a:rPr lang="en-US" dirty="0"/>
-              <a:t> usually encodes the image more accurately. This makes SVM training to be feasible using 128-byte code.</a:t>
-            </a:r>
-          </a:p>
-          <a:p>
-            <a:r>
-              <a:rPr lang="en-US" dirty="0"/>
-              <a:t>SVM usually gives accuracy around 94-96%.</a:t>
+              <a:t>lbfgs</a:t>
+            </a:r>
+            <a:r>
+              <a:rPr lang="en-US" dirty="0"/>
+              <a:t> solver. </a:t>
+            </a:r>
+          </a:p>
+          <a:p>
+            <a:r>
+              <a:rPr lang="en-US" dirty="0" err="1"/>
+              <a:t>Lbfgs</a:t>
+            </a:r>
+            <a:r>
+              <a:rPr lang="en-US" dirty="0"/>
+              <a:t> solver is optimizing log loss function.</a:t>
+            </a:r>
+          </a:p>
+          <a:p>
+            <a:r>
+              <a:rPr lang="en-US" dirty="0"/>
+              <a:t>Hence, it is able to provide different classification result compared to other networks.</a:t>
             </a:r>
           </a:p>
         </p:txBody>
@@ -7771,7 +7455,7 @@
     </p:spTree>
     <p:extLst>
       <p:ext uri="{BB962C8B-B14F-4D97-AF65-F5344CB8AC3E}">
-        <p14:creationId xmlns:p14="http://schemas.microsoft.com/office/powerpoint/2010/main" val="3456278151"/>
+        <p14:creationId xmlns:p14="http://schemas.microsoft.com/office/powerpoint/2010/main" val="1278069383"/>
       </p:ext>
     </p:extLst>
   </p:cSld>
@@ -7803,7 +7487,7 @@
           <p:cNvPr id="2" name="Title 1">
             <a:extLst>
               <a:ext uri="{FF2B5EF4-FFF2-40B4-BE49-F238E27FC236}">
-                <a16:creationId xmlns:a16="http://schemas.microsoft.com/office/drawing/2014/main" id="{A7AD5AEE-6EE2-4B66-828F-0C6C3F2C1D62}"/>
+                <a16:creationId xmlns:a16="http://schemas.microsoft.com/office/drawing/2014/main" id="{B93A1E63-8752-446C-81F8-8E6B2B390456}"/>
               </a:ext>
             </a:extLst>
           </p:cNvPr>
@@ -7821,7 +7505,7 @@
           <a:p>
             <a:r>
               <a:rPr lang="en-US" dirty="0"/>
-              <a:t>Logistic Regression</a:t>
+              <a:t>Ensemble</a:t>
             </a:r>
           </a:p>
         </p:txBody>
@@ -7831,7 +7515,7 @@
           <p:cNvPr id="3" name="Content Placeholder 2">
             <a:extLst>
               <a:ext uri="{FF2B5EF4-FFF2-40B4-BE49-F238E27FC236}">
-                <a16:creationId xmlns:a16="http://schemas.microsoft.com/office/drawing/2014/main" id="{25884FF5-8F0C-4B37-8C70-D20C6E2CC04B}"/>
+                <a16:creationId xmlns:a16="http://schemas.microsoft.com/office/drawing/2014/main" id="{B168C714-879D-49B9-AA1D-AABFA0791DD3}"/>
               </a:ext>
             </a:extLst>
           </p:cNvPr>
@@ -7849,27 +7533,13 @@
           <a:p>
             <a:r>
               <a:rPr lang="en-US" dirty="0"/>
-              <a:t>Logistic regression is suitable for binary classification using probability function.</a:t>
-            </a:r>
-          </a:p>
-          <a:p>
-            <a:r>
-              <a:rPr lang="en-US" dirty="0"/>
-              <a:t>After image is encoded into 128-byte code thru </a:t>
-            </a:r>
-            <a:r>
-              <a:rPr lang="en-US" dirty="0" err="1"/>
-              <a:t>Facenet</a:t>
-            </a:r>
-            <a:r>
-              <a:rPr lang="en-US" dirty="0"/>
-              <a:t>, logistic regression model is built for each targeted face.</a:t>
-            </a:r>
-          </a:p>
-          <a:p>
-            <a:r>
-              <a:rPr lang="en-US" dirty="0"/>
-              <a:t>Logistic regression is not a linear regression model and so it allow a better binary class prediction using 128-byte code.</a:t>
+              <a:t>Voting ensemble model is used on SVM/KNN/MLP/Logistic regression. This is because all the 4 models are having binary outputs.</a:t>
+            </a:r>
+          </a:p>
+          <a:p>
+            <a:r>
+              <a:rPr lang="en-US" dirty="0"/>
+              <a:t>Since there are 3 targeted face, we will perform voting for each targeted face independently. If an image is recognized to be 2 or more targeted faces, it will not consider to be recognized by the model. This is to prevent cloze ambiguity.</a:t>
             </a:r>
           </a:p>
         </p:txBody>
@@ -7877,7 +7547,7 @@
     </p:spTree>
     <p:extLst>
       <p:ext uri="{BB962C8B-B14F-4D97-AF65-F5344CB8AC3E}">
-        <p14:creationId xmlns:p14="http://schemas.microsoft.com/office/powerpoint/2010/main" val="901627145"/>
+        <p14:creationId xmlns:p14="http://schemas.microsoft.com/office/powerpoint/2010/main" val="1583930713"/>
       </p:ext>
     </p:extLst>
   </p:cSld>
@@ -7909,7 +7579,7 @@
           <p:cNvPr id="2" name="Title 1">
             <a:extLst>
               <a:ext uri="{FF2B5EF4-FFF2-40B4-BE49-F238E27FC236}">
-                <a16:creationId xmlns:a16="http://schemas.microsoft.com/office/drawing/2014/main" id="{A7AD5AEE-6EE2-4B66-828F-0C6C3F2C1D62}"/>
+                <a16:creationId xmlns:a16="http://schemas.microsoft.com/office/drawing/2014/main" id="{F3ADC142-E78A-4403-9119-1091311CC3DC}"/>
               </a:ext>
             </a:extLst>
           </p:cNvPr>
@@ -7927,7 +7597,7 @@
           <a:p>
             <a:r>
               <a:rPr lang="en-US" dirty="0"/>
-              <a:t>MLP</a:t>
+              <a:t>Result of Face Recognition</a:t>
             </a:r>
           </a:p>
         </p:txBody>
@@ -7937,7 +7607,7 @@
           <p:cNvPr id="3" name="Content Placeholder 2">
             <a:extLst>
               <a:ext uri="{FF2B5EF4-FFF2-40B4-BE49-F238E27FC236}">
-                <a16:creationId xmlns:a16="http://schemas.microsoft.com/office/drawing/2014/main" id="{25884FF5-8F0C-4B37-8C70-D20C6E2CC04B}"/>
+                <a16:creationId xmlns:a16="http://schemas.microsoft.com/office/drawing/2014/main" id="{EA6D2AD7-FD6A-42DE-B897-312F50A28ADD}"/>
               </a:ext>
             </a:extLst>
           </p:cNvPr>
@@ -7948,52 +7618,36 @@
             <p:ph idx="1"/>
           </p:nvPr>
         </p:nvSpPr>
-        <p:spPr/>
-        <p:txBody>
-          <a:bodyPr/>
-          <a:lstStyle/>
-          <a:p>
-            <a:r>
-              <a:rPr lang="en-US" dirty="0"/>
-              <a:t>Multi-layer Perceptron is also used in this context.</a:t>
-            </a:r>
-          </a:p>
-          <a:p>
-            <a:r>
-              <a:rPr lang="en-US" dirty="0"/>
-              <a:t>120 hidden layers are used in this context using </a:t>
-            </a:r>
-            <a:r>
-              <a:rPr lang="en-US" dirty="0" err="1"/>
-              <a:t>lbfgs</a:t>
-            </a:r>
-            <a:r>
-              <a:rPr lang="en-US" dirty="0"/>
-              <a:t> solver. </a:t>
-            </a:r>
-          </a:p>
-          <a:p>
-            <a:r>
-              <a:rPr lang="en-US" dirty="0" err="1"/>
-              <a:t>Lbfgs</a:t>
-            </a:r>
-            <a:r>
-              <a:rPr lang="en-US" dirty="0"/>
-              <a:t> solver is optimizing log loss function.</a:t>
-            </a:r>
-          </a:p>
-          <a:p>
-            <a:r>
-              <a:rPr lang="en-US" dirty="0"/>
-              <a:t>Hence, it is able to provide different classification result compared to other networks.</a:t>
-            </a:r>
+        <p:spPr>
+          <a:xfrm>
+            <a:off x="838200" y="1930840"/>
+            <a:ext cx="10515600" cy="4351338"/>
+          </a:xfrm>
+        </p:spPr>
+        <p:txBody>
+          <a:bodyPr/>
+          <a:lstStyle/>
+          <a:p>
+            <a:r>
+              <a:rPr lang="en-US" dirty="0"/>
+              <a:t>Each model can perform differently at each person of interest. KNN and SVM may perform better but MLP and SVM can still cover certain faces which can be recognized wrongly by KNN/SVM.</a:t>
+            </a:r>
+          </a:p>
+          <a:p>
+            <a:r>
+              <a:rPr lang="en-US" dirty="0"/>
+              <a:t>Based on 9:1 train/test split on 100K images generated ,accuracy is above 99%. </a:t>
+            </a:r>
+          </a:p>
+          <a:p>
+            <a:endParaRPr lang="en-US" dirty="0"/>
           </a:p>
         </p:txBody>
       </p:sp>
     </p:spTree>
     <p:extLst>
       <p:ext uri="{BB962C8B-B14F-4D97-AF65-F5344CB8AC3E}">
-        <p14:creationId xmlns:p14="http://schemas.microsoft.com/office/powerpoint/2010/main" val="1278069383"/>
+        <p14:creationId xmlns:p14="http://schemas.microsoft.com/office/powerpoint/2010/main" val="958127300"/>
       </p:ext>
     </p:extLst>
   </p:cSld>
@@ -8025,7 +7679,7 @@
           <p:cNvPr id="2" name="Title 1">
             <a:extLst>
               <a:ext uri="{FF2B5EF4-FFF2-40B4-BE49-F238E27FC236}">
-                <a16:creationId xmlns:a16="http://schemas.microsoft.com/office/drawing/2014/main" id="{B93A1E63-8752-446C-81F8-8E6B2B390456}"/>
+                <a16:creationId xmlns:a16="http://schemas.microsoft.com/office/drawing/2014/main" id="{F3ADC142-E78A-4403-9119-1091311CC3DC}"/>
               </a:ext>
             </a:extLst>
           </p:cNvPr>
@@ -8043,7 +7697,7 @@
           <a:p>
             <a:r>
               <a:rPr lang="en-US" dirty="0"/>
-              <a:t>Ensemble</a:t>
+              <a:t>Result of Face Recognition</a:t>
             </a:r>
           </a:p>
         </p:txBody>
@@ -8053,7 +7707,7 @@
           <p:cNvPr id="3" name="Content Placeholder 2">
             <a:extLst>
               <a:ext uri="{FF2B5EF4-FFF2-40B4-BE49-F238E27FC236}">
-                <a16:creationId xmlns:a16="http://schemas.microsoft.com/office/drawing/2014/main" id="{B168C714-879D-49B9-AA1D-AABFA0791DD3}"/>
+                <a16:creationId xmlns:a16="http://schemas.microsoft.com/office/drawing/2014/main" id="{EA6D2AD7-FD6A-42DE-B897-312F50A28ADD}"/>
               </a:ext>
             </a:extLst>
           </p:cNvPr>
@@ -8064,26 +7718,164 @@
             <p:ph idx="1"/>
           </p:nvPr>
         </p:nvSpPr>
-        <p:spPr/>
-        <p:txBody>
-          <a:bodyPr/>
-          <a:lstStyle/>
-          <a:p>
-            <a:r>
-              <a:rPr lang="en-US" dirty="0"/>
-              <a:t>Voting ensemble model is used on SVM/KNN/MLP/Logistic regression. This is because all the 4 models are having binary outputs.</a:t>
-            </a:r>
-          </a:p>
-          <a:p>
-            <a:r>
-              <a:rPr lang="en-US" dirty="0"/>
-              <a:t>Voting ensemble output is checked using deep neural network prediction. If the probability is not exceeding 50%, the image is not considered to be recognized.</a:t>
-            </a:r>
-          </a:p>
-          <a:p>
-            <a:r>
-              <a:rPr lang="en-US" dirty="0"/>
-              <a:t>Since there are 4 targeted face, we will perform voting for each targeted face independently. If an image is recognized to be 2 or more targeted faces, it will not consider to be recognized by the model. This is to prevent cloze ambiguity.</a:t>
+        <p:spPr>
+          <a:xfrm>
+            <a:off x="838200" y="1930840"/>
+            <a:ext cx="10515600" cy="4351338"/>
+          </a:xfrm>
+        </p:spPr>
+        <p:txBody>
+          <a:bodyPr/>
+          <a:lstStyle/>
+          <a:p>
+            <a:endParaRPr lang="en-US" dirty="0"/>
+          </a:p>
+        </p:txBody>
+      </p:sp>
+      <p:pic>
+        <p:nvPicPr>
+          <p:cNvPr id="5" name="Picture 4">
+            <a:extLst>
+              <a:ext uri="{FF2B5EF4-FFF2-40B4-BE49-F238E27FC236}">
+                <a16:creationId xmlns:a16="http://schemas.microsoft.com/office/drawing/2014/main" id="{7BD3A8F0-5E5D-41F3-8960-094E230235DF}"/>
+              </a:ext>
+            </a:extLst>
+          </p:cNvPr>
+          <p:cNvPicPr/>
+          <p:nvPr/>
+        </p:nvPicPr>
+        <p:blipFill>
+          <a:blip r:embed="rId2">
+            <a:extLst>
+              <a:ext uri="{28A0092B-C50C-407E-A947-70E740481C1C}">
+                <a14:useLocalDpi xmlns:a14="http://schemas.microsoft.com/office/drawing/2010/main" val="0"/>
+              </a:ext>
+            </a:extLst>
+          </a:blip>
+          <a:srcRect/>
+          <a:stretch>
+            <a:fillRect/>
+          </a:stretch>
+        </p:blipFill>
+        <p:spPr bwMode="auto">
+          <a:xfrm>
+            <a:off x="3251835" y="2715325"/>
+            <a:ext cx="4674177" cy="1475509"/>
+          </a:xfrm>
+          <a:prstGeom prst="rect">
+            <a:avLst/>
+          </a:prstGeom>
+          <a:noFill/>
+          <a:ln>
+            <a:noFill/>
+          </a:ln>
+        </p:spPr>
+      </p:pic>
+      <p:pic>
+        <p:nvPicPr>
+          <p:cNvPr id="6" name="Picture 5">
+            <a:extLst>
+              <a:ext uri="{FF2B5EF4-FFF2-40B4-BE49-F238E27FC236}">
+                <a16:creationId xmlns:a16="http://schemas.microsoft.com/office/drawing/2014/main" id="{4623B780-38EA-4B3D-AA88-53DAE0909A99}"/>
+              </a:ext>
+            </a:extLst>
+          </p:cNvPr>
+          <p:cNvPicPr/>
+          <p:nvPr/>
+        </p:nvPicPr>
+        <p:blipFill>
+          <a:blip r:embed="rId3">
+            <a:extLst>
+              <a:ext uri="{28A0092B-C50C-407E-A947-70E740481C1C}">
+                <a14:useLocalDpi xmlns:a14="http://schemas.microsoft.com/office/drawing/2010/main" val="0"/>
+              </a:ext>
+            </a:extLst>
+          </a:blip>
+          <a:srcRect/>
+          <a:stretch>
+            <a:fillRect/>
+          </a:stretch>
+        </p:blipFill>
+        <p:spPr bwMode="auto">
+          <a:xfrm>
+            <a:off x="3272617" y="4665403"/>
+            <a:ext cx="4653395" cy="1551016"/>
+          </a:xfrm>
+          <a:prstGeom prst="rect">
+            <a:avLst/>
+          </a:prstGeom>
+          <a:noFill/>
+          <a:ln>
+            <a:noFill/>
+          </a:ln>
+        </p:spPr>
+      </p:pic>
+      <p:sp>
+        <p:nvSpPr>
+          <p:cNvPr id="7" name="TextBox 6">
+            <a:extLst>
+              <a:ext uri="{FF2B5EF4-FFF2-40B4-BE49-F238E27FC236}">
+                <a16:creationId xmlns:a16="http://schemas.microsoft.com/office/drawing/2014/main" id="{55799F7C-2BC3-4185-B618-54389B6B75C4}"/>
+              </a:ext>
+            </a:extLst>
+          </p:cNvPr>
+          <p:cNvSpPr txBox="1"/>
+          <p:nvPr/>
+        </p:nvSpPr>
+        <p:spPr>
+          <a:xfrm>
+            <a:off x="5202064" y="4197176"/>
+            <a:ext cx="1023101" cy="369332"/>
+          </a:xfrm>
+          <a:prstGeom prst="rect">
+            <a:avLst/>
+          </a:prstGeom>
+          <a:noFill/>
+        </p:spPr>
+        <p:txBody>
+          <a:bodyPr wrap="none" rtlCol="0">
+            <a:spAutoFit/>
+          </a:bodyPr>
+          <a:lstStyle/>
+          <a:p>
+            <a:r>
+              <a:rPr lang="en-MY" dirty="0"/>
+              <a:t>Accuracy</a:t>
+            </a:r>
+          </a:p>
+        </p:txBody>
+      </p:sp>
+      <p:sp>
+        <p:nvSpPr>
+          <p:cNvPr id="8" name="TextBox 7">
+            <a:extLst>
+              <a:ext uri="{FF2B5EF4-FFF2-40B4-BE49-F238E27FC236}">
+                <a16:creationId xmlns:a16="http://schemas.microsoft.com/office/drawing/2014/main" id="{213334D7-3AB1-42E6-818B-A042591F7132}"/>
+              </a:ext>
+            </a:extLst>
+          </p:cNvPr>
+          <p:cNvSpPr txBox="1"/>
+          <p:nvPr/>
+        </p:nvSpPr>
+        <p:spPr>
+          <a:xfrm>
+            <a:off x="5032994" y="6352143"/>
+            <a:ext cx="1530740" cy="369332"/>
+          </a:xfrm>
+          <a:prstGeom prst="rect">
+            <a:avLst/>
+          </a:prstGeom>
+          <a:noFill/>
+        </p:spPr>
+        <p:txBody>
+          <a:bodyPr wrap="none" rtlCol="0">
+            <a:spAutoFit/>
+          </a:bodyPr>
+          <a:lstStyle/>
+          <a:p>
+            <a:r>
+              <a:rPr lang="en-MY" dirty="0"/>
+              <a:t>False Negative</a:t>
             </a:r>
           </a:p>
         </p:txBody>
@@ -8091,181 +7883,7 @@
     </p:spTree>
     <p:extLst>
       <p:ext uri="{BB962C8B-B14F-4D97-AF65-F5344CB8AC3E}">
-        <p14:creationId xmlns:p14="http://schemas.microsoft.com/office/powerpoint/2010/main" val="1583930713"/>
-      </p:ext>
-    </p:extLst>
-  </p:cSld>
-  <p:clrMapOvr>
-    <a:masterClrMapping/>
-  </p:clrMapOvr>
-</p:sld>
-</file>
-
-<file path=ppt/slides/slide36.xml><?xml version="1.0" encoding="utf-8"?>
-<p:sld xmlns:a="http://schemas.openxmlformats.org/drawingml/2006/main" xmlns:r="http://schemas.openxmlformats.org/officeDocument/2006/relationships" xmlns:p="http://schemas.openxmlformats.org/presentationml/2006/main" show="0">
-  <p:cSld>
-    <p:spTree>
-      <p:nvGrpSpPr>
-        <p:cNvPr id="1" name=""/>
-        <p:cNvGrpSpPr/>
-        <p:nvPr/>
-      </p:nvGrpSpPr>
-      <p:grpSpPr>
-        <a:xfrm>
-          <a:off x="0" y="0"/>
-          <a:ext cx="0" cy="0"/>
-          <a:chOff x="0" y="0"/>
-          <a:chExt cx="0" cy="0"/>
-        </a:xfrm>
-      </p:grpSpPr>
-      <p:sp>
-        <p:nvSpPr>
-          <p:cNvPr id="2" name="Title 1">
-            <a:extLst>
-              <a:ext uri="{FF2B5EF4-FFF2-40B4-BE49-F238E27FC236}">
-                <a16:creationId xmlns:a16="http://schemas.microsoft.com/office/drawing/2014/main" id="{2FAA0499-9BDE-488B-831F-3E71CE2654D5}"/>
-              </a:ext>
-            </a:extLst>
-          </p:cNvPr>
-          <p:cNvSpPr>
-            <a:spLocks noGrp="1"/>
-          </p:cNvSpPr>
-          <p:nvPr>
-            <p:ph type="title"/>
-          </p:nvPr>
-        </p:nvSpPr>
-        <p:spPr/>
-        <p:txBody>
-          <a:bodyPr/>
-          <a:lstStyle/>
-          <a:p>
-            <a:r>
-              <a:rPr lang="en-US" dirty="0"/>
-              <a:t>Deep Neural Network</a:t>
-            </a:r>
-          </a:p>
-        </p:txBody>
-      </p:sp>
-      <p:sp>
-        <p:nvSpPr>
-          <p:cNvPr id="3" name="Content Placeholder 2">
-            <a:extLst>
-              <a:ext uri="{FF2B5EF4-FFF2-40B4-BE49-F238E27FC236}">
-                <a16:creationId xmlns:a16="http://schemas.microsoft.com/office/drawing/2014/main" id="{C43EECFD-BB78-4E36-A28D-93F0E63C16DE}"/>
-              </a:ext>
-            </a:extLst>
-          </p:cNvPr>
-          <p:cNvSpPr>
-            <a:spLocks noGrp="1"/>
-          </p:cNvSpPr>
-          <p:nvPr>
-            <p:ph idx="1"/>
-          </p:nvPr>
-        </p:nvSpPr>
-        <p:spPr/>
-        <p:txBody>
-          <a:bodyPr>
-            <a:normAutofit fontScale="92500" lnSpcReduction="20000"/>
-          </a:bodyPr>
-          <a:lstStyle/>
-          <a:p>
-            <a:r>
-              <a:rPr lang="en-US" dirty="0"/>
-              <a:t>While KNN/SVM/MLP/Logistic regression gives binary output, deep neural network is able to compute the output in the form of probability.</a:t>
-            </a:r>
-          </a:p>
-          <a:p>
-            <a:r>
-              <a:rPr lang="en-US" dirty="0"/>
-              <a:t>In this project, the neural network is designed to have 3 stages.</a:t>
-            </a:r>
-          </a:p>
-          <a:p>
-            <a:r>
-              <a:rPr lang="en-US" dirty="0"/>
-              <a:t>The 1</a:t>
-            </a:r>
-            <a:r>
-              <a:rPr lang="en-US" baseline="30000" dirty="0"/>
-              <a:t>st</a:t>
-            </a:r>
-            <a:r>
-              <a:rPr lang="en-US" dirty="0"/>
-              <a:t> stage consists of dense layers which accepts 128-byte code generated by the </a:t>
-            </a:r>
-            <a:r>
-              <a:rPr lang="en-US" dirty="0" err="1"/>
-              <a:t>Facenet</a:t>
-            </a:r>
-            <a:r>
-              <a:rPr lang="en-US" dirty="0"/>
-              <a:t>. </a:t>
-            </a:r>
-          </a:p>
-          <a:p>
-            <a:r>
-              <a:rPr lang="en-US" dirty="0"/>
-              <a:t>The 2</a:t>
-            </a:r>
-            <a:r>
-              <a:rPr lang="en-US" baseline="30000" dirty="0"/>
-              <a:t>nd</a:t>
-            </a:r>
-            <a:r>
-              <a:rPr lang="en-US" dirty="0"/>
-              <a:t> stage consists 4 sets of dense layers which also accepts 128-byte code. </a:t>
-            </a:r>
-          </a:p>
-          <a:p>
-            <a:r>
-              <a:rPr lang="en-US" dirty="0"/>
-              <a:t>At 3</a:t>
-            </a:r>
-            <a:r>
-              <a:rPr lang="en-US" baseline="30000" dirty="0"/>
-              <a:t>rd</a:t>
-            </a:r>
-            <a:r>
-              <a:rPr lang="en-US" dirty="0"/>
-              <a:t> stages, we have 4 outputs. At each output, it inherits output of each 2</a:t>
-            </a:r>
-            <a:r>
-              <a:rPr lang="en-US" baseline="30000" dirty="0"/>
-              <a:t>nd</a:t>
-            </a:r>
-            <a:r>
-              <a:rPr lang="en-US" dirty="0"/>
-              <a:t> stage dense layer. It finally concatenates with 1</a:t>
-            </a:r>
-            <a:r>
-              <a:rPr lang="en-US" baseline="30000" dirty="0"/>
-              <a:t>st</a:t>
-            </a:r>
-            <a:r>
-              <a:rPr lang="en-US" dirty="0"/>
-              <a:t> stage output. After flattening and further dense layers, it will produce </a:t>
-            </a:r>
-            <a:r>
-              <a:rPr lang="en-US" dirty="0" err="1"/>
-              <a:t>softmax</a:t>
-            </a:r>
-            <a:r>
-              <a:rPr lang="en-US" dirty="0"/>
-              <a:t> output for each targeted face.</a:t>
-            </a:r>
-          </a:p>
-          <a:p>
-            <a:r>
-              <a:rPr lang="en-US" dirty="0"/>
-              <a:t>As a result, we will avoid weight to be concentrated on 1 of the targeted faces.</a:t>
-            </a:r>
-          </a:p>
-        </p:txBody>
-      </p:sp>
-    </p:spTree>
-    <p:extLst>
-      <p:ext uri="{BB962C8B-B14F-4D97-AF65-F5344CB8AC3E}">
-        <p14:creationId xmlns:p14="http://schemas.microsoft.com/office/powerpoint/2010/main" val="2308101639"/>
+        <p14:creationId xmlns:p14="http://schemas.microsoft.com/office/powerpoint/2010/main" val="622351334"/>
       </p:ext>
     </p:extLst>
   </p:cSld>
@@ -8564,6 +8182,36 @@
           </a:p>
         </p:txBody>
       </p:sp>
+      <p:pic>
+        <p:nvPicPr>
+          <p:cNvPr id="4" name="Picture 3">
+            <a:extLst>
+              <a:ext uri="{FF2B5EF4-FFF2-40B4-BE49-F238E27FC236}">
+                <a16:creationId xmlns:a16="http://schemas.microsoft.com/office/drawing/2014/main" id="{B34EAB3E-C520-4279-8A32-EF555B2965D4}"/>
+              </a:ext>
+            </a:extLst>
+          </p:cNvPr>
+          <p:cNvPicPr>
+            <a:picLocks noChangeAspect="1"/>
+          </p:cNvPicPr>
+          <p:nvPr/>
+        </p:nvPicPr>
+        <p:blipFill>
+          <a:blip r:embed="rId2"/>
+          <a:stretch>
+            <a:fillRect/>
+          </a:stretch>
+        </p:blipFill>
+        <p:spPr>
+          <a:xfrm>
+            <a:off x="1180407" y="3339361"/>
+            <a:ext cx="8961120" cy="3531038"/>
+          </a:xfrm>
+          <a:prstGeom prst="rect">
+            <a:avLst/>
+          </a:prstGeom>
+        </p:spPr>
+      </p:pic>
     </p:spTree>
     <p:extLst>
       <p:ext uri="{BB962C8B-B14F-4D97-AF65-F5344CB8AC3E}">
@@ -8769,7 +8417,7 @@
             </a:r>
             <a:r>
               <a:rPr lang="en-US" dirty="0"/>
-              <a:t> Wavelet face cascade method (standard function used in opencv2) is used to capture the human face pixels.</a:t>
+              <a:t> Wavelet face cascade method (standard function used in opencv2, consider fast computing speed) is used to capture the human face pixels.</a:t>
             </a:r>
           </a:p>
           <a:p>

--- a/Face Recognition.pptx
+++ b/Face Recognition.pptx
@@ -7630,7 +7630,15 @@
           <a:p>
             <a:r>
               <a:rPr lang="en-US" dirty="0"/>
-              <a:t>Each model can perform differently at each person of interest. KNN and SVM may perform better but MLP and SVM can still cover certain faces which can be recognized wrongly by KNN/SVM.</a:t>
+              <a:t>Each model can perform differently at each person of interest. KNN and SVM may perform better but MLP </a:t>
+            </a:r>
+            <a:r>
+              <a:rPr lang="en-US"/>
+              <a:t>and LR </a:t>
+            </a:r>
+            <a:r>
+              <a:rPr lang="en-US" dirty="0"/>
+              <a:t>can still cover certain faces which can be recognized wrongly by KNN/SVM.</a:t>
             </a:r>
           </a:p>
           <a:p>
